--- a/cours/EXP/présentation 1/Présentation.pptx
+++ b/cours/EXP/présentation 1/Présentation.pptx
@@ -1,12 +1,26 @@
 
 <file path=ppt/presentation.xml><?xml version="1.0" encoding="utf-8"?>
-<p:presentation xmlns:a="http://schemas.openxmlformats.org/drawingml/2006/main" xmlns:r="http://schemas.openxmlformats.org/officeDocument/2006/relationships" xmlns:p="http://schemas.openxmlformats.org/presentationml/2006/main" saveSubsetFonts="1">
+<p:presentation xmlns:a="http://schemas.openxmlformats.org/drawingml/2006/main" xmlns:r="http://schemas.openxmlformats.org/officeDocument/2006/relationships" xmlns:p="http://schemas.openxmlformats.org/presentationml/2006/main" showSpecialPlsOnTitleSld="0" saveSubsetFonts="1">
   <p:sldMasterIdLst>
     <p:sldMasterId id="2147483648" r:id="rId1"/>
   </p:sldMasterIdLst>
+  <p:notesMasterIdLst>
+    <p:notesMasterId r:id="rId15"/>
+  </p:notesMasterIdLst>
   <p:sldIdLst>
     <p:sldId id="256" r:id="rId2"/>
-    <p:sldId id="257" r:id="rId3"/>
+    <p:sldId id="258" r:id="rId3"/>
+    <p:sldId id="259" r:id="rId4"/>
+    <p:sldId id="267" r:id="rId5"/>
+    <p:sldId id="268" r:id="rId6"/>
+    <p:sldId id="269" r:id="rId7"/>
+    <p:sldId id="270" r:id="rId8"/>
+    <p:sldId id="271" r:id="rId9"/>
+    <p:sldId id="272" r:id="rId10"/>
+    <p:sldId id="266" r:id="rId11"/>
+    <p:sldId id="273" r:id="rId12"/>
+    <p:sldId id="274" r:id="rId13"/>
+    <p:sldId id="275" r:id="rId14"/>
   </p:sldIdLst>
   <p:sldSz cx="12192000" cy="6858000"/>
   <p:notesSz cx="6858000" cy="9144000"/>
@@ -105,7 +119,2300 @@
       </a:defRPr>
     </a:lvl9pPr>
   </p:defaultTextStyle>
+  <p:extLst>
+    <p:ext uri="{EFAFB233-063F-42B5-8137-9DF3F51BA10A}">
+      <p15:sldGuideLst xmlns:p15="http://schemas.microsoft.com/office/powerpoint/2012/main"/>
+    </p:ext>
+  </p:extLst>
 </p:presentation>
+</file>
+
+<file path=ppt/notesMasters/notesMaster1.xml><?xml version="1.0" encoding="utf-8"?>
+<p:notesMaster xmlns:a="http://schemas.openxmlformats.org/drawingml/2006/main" xmlns:r="http://schemas.openxmlformats.org/officeDocument/2006/relationships" xmlns:p="http://schemas.openxmlformats.org/presentationml/2006/main">
+  <p:cSld>
+    <p:bg>
+      <p:bgRef idx="1001">
+        <a:schemeClr val="bg1"/>
+      </p:bgRef>
+    </p:bg>
+    <p:spTree>
+      <p:nvGrpSpPr>
+        <p:cNvPr id="1" name=""/>
+        <p:cNvGrpSpPr/>
+        <p:nvPr/>
+      </p:nvGrpSpPr>
+      <p:grpSpPr>
+        <a:xfrm>
+          <a:off x="0" y="0"/>
+          <a:ext cx="0" cy="0"/>
+          <a:chOff x="0" y="0"/>
+          <a:chExt cx="0" cy="0"/>
+        </a:xfrm>
+      </p:grpSpPr>
+      <p:sp>
+        <p:nvSpPr>
+          <p:cNvPr id="2" name="Espace réservé de l'en-tête 1"/>
+          <p:cNvSpPr>
+            <a:spLocks noGrp="1"/>
+          </p:cNvSpPr>
+          <p:nvPr>
+            <p:ph type="hdr" sz="quarter"/>
+          </p:nvPr>
+        </p:nvSpPr>
+        <p:spPr>
+          <a:xfrm>
+            <a:off x="0" y="0"/>
+            <a:ext cx="2971800" cy="458788"/>
+          </a:xfrm>
+          <a:prstGeom prst="rect">
+            <a:avLst/>
+          </a:prstGeom>
+        </p:spPr>
+        <p:txBody>
+          <a:bodyPr vert="horz" lIns="91440" tIns="45720" rIns="91440" bIns="45720" rtlCol="0"/>
+          <a:lstStyle>
+            <a:lvl1pPr algn="l">
+              <a:defRPr sz="1200"/>
+            </a:lvl1pPr>
+          </a:lstStyle>
+          <a:p>
+            <a:endParaRPr lang="fr-CH"/>
+          </a:p>
+        </p:txBody>
+      </p:sp>
+      <p:sp>
+        <p:nvSpPr>
+          <p:cNvPr id="3" name="Espace réservé de la date 2"/>
+          <p:cNvSpPr>
+            <a:spLocks noGrp="1"/>
+          </p:cNvSpPr>
+          <p:nvPr>
+            <p:ph type="dt" idx="1"/>
+          </p:nvPr>
+        </p:nvSpPr>
+        <p:spPr>
+          <a:xfrm>
+            <a:off x="3884613" y="0"/>
+            <a:ext cx="2971800" cy="458788"/>
+          </a:xfrm>
+          <a:prstGeom prst="rect">
+            <a:avLst/>
+          </a:prstGeom>
+        </p:spPr>
+        <p:txBody>
+          <a:bodyPr vert="horz" lIns="91440" tIns="45720" rIns="91440" bIns="45720" rtlCol="0"/>
+          <a:lstStyle>
+            <a:lvl1pPr algn="r">
+              <a:defRPr sz="1200"/>
+            </a:lvl1pPr>
+          </a:lstStyle>
+          <a:p>
+            <a:fld id="{31010173-3063-4590-8B71-A950E8382FA1}" type="datetimeFigureOut">
+              <a:rPr lang="fr-CH" smtClean="0"/>
+              <a:t>19.12.2022</a:t>
+            </a:fld>
+            <a:endParaRPr lang="fr-CH"/>
+          </a:p>
+        </p:txBody>
+      </p:sp>
+      <p:sp>
+        <p:nvSpPr>
+          <p:cNvPr id="4" name="Espace réservé de l'image des diapositives 3"/>
+          <p:cNvSpPr>
+            <a:spLocks noGrp="1" noRot="1" noChangeAspect="1"/>
+          </p:cNvSpPr>
+          <p:nvPr>
+            <p:ph type="sldImg" idx="2"/>
+          </p:nvPr>
+        </p:nvSpPr>
+        <p:spPr>
+          <a:xfrm>
+            <a:off x="685800" y="1143000"/>
+            <a:ext cx="5486400" cy="3086100"/>
+          </a:xfrm>
+          <a:prstGeom prst="rect">
+            <a:avLst/>
+          </a:prstGeom>
+          <a:noFill/>
+          <a:ln w="12700">
+            <a:solidFill>
+              <a:prstClr val="black"/>
+            </a:solidFill>
+          </a:ln>
+        </p:spPr>
+        <p:txBody>
+          <a:bodyPr vert="horz" lIns="91440" tIns="45720" rIns="91440" bIns="45720" rtlCol="0" anchor="ctr"/>
+          <a:lstStyle/>
+          <a:p>
+            <a:endParaRPr lang="fr-CH"/>
+          </a:p>
+        </p:txBody>
+      </p:sp>
+      <p:sp>
+        <p:nvSpPr>
+          <p:cNvPr id="5" name="Espace réservé des notes 4"/>
+          <p:cNvSpPr>
+            <a:spLocks noGrp="1"/>
+          </p:cNvSpPr>
+          <p:nvPr>
+            <p:ph type="body" sz="quarter" idx="3"/>
+          </p:nvPr>
+        </p:nvSpPr>
+        <p:spPr>
+          <a:xfrm>
+            <a:off x="685800" y="4400550"/>
+            <a:ext cx="5486400" cy="3600450"/>
+          </a:xfrm>
+          <a:prstGeom prst="rect">
+            <a:avLst/>
+          </a:prstGeom>
+        </p:spPr>
+        <p:txBody>
+          <a:bodyPr vert="horz" lIns="91440" tIns="45720" rIns="91440" bIns="45720" rtlCol="0"/>
+          <a:lstStyle/>
+          <a:p>
+            <a:pPr lvl="0"/>
+            <a:r>
+              <a:rPr lang="fr-FR"/>
+              <a:t>Cliquez pour modifier les styles du texte du masque</a:t>
+            </a:r>
+          </a:p>
+          <a:p>
+            <a:pPr lvl="1"/>
+            <a:r>
+              <a:rPr lang="fr-FR"/>
+              <a:t>Deuxième niveau</a:t>
+            </a:r>
+          </a:p>
+          <a:p>
+            <a:pPr lvl="2"/>
+            <a:r>
+              <a:rPr lang="fr-FR"/>
+              <a:t>Troisième niveau</a:t>
+            </a:r>
+          </a:p>
+          <a:p>
+            <a:pPr lvl="3"/>
+            <a:r>
+              <a:rPr lang="fr-FR"/>
+              <a:t>Quatrième niveau</a:t>
+            </a:r>
+          </a:p>
+          <a:p>
+            <a:pPr lvl="4"/>
+            <a:r>
+              <a:rPr lang="fr-FR"/>
+              <a:t>Cinquième niveau</a:t>
+            </a:r>
+            <a:endParaRPr lang="fr-CH"/>
+          </a:p>
+        </p:txBody>
+      </p:sp>
+      <p:sp>
+        <p:nvSpPr>
+          <p:cNvPr id="6" name="Espace réservé du pied de page 5"/>
+          <p:cNvSpPr>
+            <a:spLocks noGrp="1"/>
+          </p:cNvSpPr>
+          <p:nvPr>
+            <p:ph type="ftr" sz="quarter" idx="4"/>
+          </p:nvPr>
+        </p:nvSpPr>
+        <p:spPr>
+          <a:xfrm>
+            <a:off x="0" y="8685213"/>
+            <a:ext cx="2971800" cy="458787"/>
+          </a:xfrm>
+          <a:prstGeom prst="rect">
+            <a:avLst/>
+          </a:prstGeom>
+        </p:spPr>
+        <p:txBody>
+          <a:bodyPr vert="horz" lIns="91440" tIns="45720" rIns="91440" bIns="45720" rtlCol="0" anchor="b"/>
+          <a:lstStyle>
+            <a:lvl1pPr algn="l">
+              <a:defRPr sz="1200"/>
+            </a:lvl1pPr>
+          </a:lstStyle>
+          <a:p>
+            <a:endParaRPr lang="fr-CH"/>
+          </a:p>
+        </p:txBody>
+      </p:sp>
+      <p:sp>
+        <p:nvSpPr>
+          <p:cNvPr id="7" name="Espace réservé du numéro de diapositive 6"/>
+          <p:cNvSpPr>
+            <a:spLocks noGrp="1"/>
+          </p:cNvSpPr>
+          <p:nvPr>
+            <p:ph type="sldNum" sz="quarter" idx="5"/>
+          </p:nvPr>
+        </p:nvSpPr>
+        <p:spPr>
+          <a:xfrm>
+            <a:off x="3884613" y="8685213"/>
+            <a:ext cx="2971800" cy="458787"/>
+          </a:xfrm>
+          <a:prstGeom prst="rect">
+            <a:avLst/>
+          </a:prstGeom>
+        </p:spPr>
+        <p:txBody>
+          <a:bodyPr vert="horz" lIns="91440" tIns="45720" rIns="91440" bIns="45720" rtlCol="0" anchor="b"/>
+          <a:lstStyle>
+            <a:lvl1pPr algn="r">
+              <a:defRPr sz="1200"/>
+            </a:lvl1pPr>
+          </a:lstStyle>
+          <a:p>
+            <a:fld id="{885FBAA3-9B9B-45F3-9C62-7189013B6E0E}" type="slidenum">
+              <a:rPr lang="fr-CH" smtClean="0"/>
+              <a:t>‹N°›</a:t>
+            </a:fld>
+            <a:endParaRPr lang="fr-CH"/>
+          </a:p>
+        </p:txBody>
+      </p:sp>
+    </p:spTree>
+    <p:extLst>
+      <p:ext uri="{BB962C8B-B14F-4D97-AF65-F5344CB8AC3E}">
+        <p14:creationId xmlns:p14="http://schemas.microsoft.com/office/powerpoint/2010/main" val="1993371140"/>
+      </p:ext>
+    </p:extLst>
+  </p:cSld>
+  <p:clrMap bg1="lt1" tx1="dk1" bg2="lt2" tx2="dk2" accent1="accent1" accent2="accent2" accent3="accent3" accent4="accent4" accent5="accent5" accent6="accent6" hlink="hlink" folHlink="folHlink"/>
+  <p:notesStyle>
+    <a:lvl1pPr marL="0" algn="l" defTabSz="914400" rtl="0" eaLnBrk="1" latinLnBrk="0" hangingPunct="1">
+      <a:defRPr sz="1200" kern="1200">
+        <a:solidFill>
+          <a:schemeClr val="tx1"/>
+        </a:solidFill>
+        <a:latin typeface="+mn-lt"/>
+        <a:ea typeface="+mn-ea"/>
+        <a:cs typeface="+mn-cs"/>
+      </a:defRPr>
+    </a:lvl1pPr>
+    <a:lvl2pPr marL="457200" algn="l" defTabSz="914400" rtl="0" eaLnBrk="1" latinLnBrk="0" hangingPunct="1">
+      <a:defRPr sz="1200" kern="1200">
+        <a:solidFill>
+          <a:schemeClr val="tx1"/>
+        </a:solidFill>
+        <a:latin typeface="+mn-lt"/>
+        <a:ea typeface="+mn-ea"/>
+        <a:cs typeface="+mn-cs"/>
+      </a:defRPr>
+    </a:lvl2pPr>
+    <a:lvl3pPr marL="914400" algn="l" defTabSz="914400" rtl="0" eaLnBrk="1" latinLnBrk="0" hangingPunct="1">
+      <a:defRPr sz="1200" kern="1200">
+        <a:solidFill>
+          <a:schemeClr val="tx1"/>
+        </a:solidFill>
+        <a:latin typeface="+mn-lt"/>
+        <a:ea typeface="+mn-ea"/>
+        <a:cs typeface="+mn-cs"/>
+      </a:defRPr>
+    </a:lvl3pPr>
+    <a:lvl4pPr marL="1371600" algn="l" defTabSz="914400" rtl="0" eaLnBrk="1" latinLnBrk="0" hangingPunct="1">
+      <a:defRPr sz="1200" kern="1200">
+        <a:solidFill>
+          <a:schemeClr val="tx1"/>
+        </a:solidFill>
+        <a:latin typeface="+mn-lt"/>
+        <a:ea typeface="+mn-ea"/>
+        <a:cs typeface="+mn-cs"/>
+      </a:defRPr>
+    </a:lvl4pPr>
+    <a:lvl5pPr marL="1828800" algn="l" defTabSz="914400" rtl="0" eaLnBrk="1" latinLnBrk="0" hangingPunct="1">
+      <a:defRPr sz="1200" kern="1200">
+        <a:solidFill>
+          <a:schemeClr val="tx1"/>
+        </a:solidFill>
+        <a:latin typeface="+mn-lt"/>
+        <a:ea typeface="+mn-ea"/>
+        <a:cs typeface="+mn-cs"/>
+      </a:defRPr>
+    </a:lvl5pPr>
+    <a:lvl6pPr marL="2286000" algn="l" defTabSz="914400" rtl="0" eaLnBrk="1" latinLnBrk="0" hangingPunct="1">
+      <a:defRPr sz="1200" kern="1200">
+        <a:solidFill>
+          <a:schemeClr val="tx1"/>
+        </a:solidFill>
+        <a:latin typeface="+mn-lt"/>
+        <a:ea typeface="+mn-ea"/>
+        <a:cs typeface="+mn-cs"/>
+      </a:defRPr>
+    </a:lvl6pPr>
+    <a:lvl7pPr marL="2743200" algn="l" defTabSz="914400" rtl="0" eaLnBrk="1" latinLnBrk="0" hangingPunct="1">
+      <a:defRPr sz="1200" kern="1200">
+        <a:solidFill>
+          <a:schemeClr val="tx1"/>
+        </a:solidFill>
+        <a:latin typeface="+mn-lt"/>
+        <a:ea typeface="+mn-ea"/>
+        <a:cs typeface="+mn-cs"/>
+      </a:defRPr>
+    </a:lvl7pPr>
+    <a:lvl8pPr marL="3200400" algn="l" defTabSz="914400" rtl="0" eaLnBrk="1" latinLnBrk="0" hangingPunct="1">
+      <a:defRPr sz="1200" kern="1200">
+        <a:solidFill>
+          <a:schemeClr val="tx1"/>
+        </a:solidFill>
+        <a:latin typeface="+mn-lt"/>
+        <a:ea typeface="+mn-ea"/>
+        <a:cs typeface="+mn-cs"/>
+      </a:defRPr>
+    </a:lvl8pPr>
+    <a:lvl9pPr marL="3657600" algn="l" defTabSz="914400" rtl="0" eaLnBrk="1" latinLnBrk="0" hangingPunct="1">
+      <a:defRPr sz="1200" kern="1200">
+        <a:solidFill>
+          <a:schemeClr val="tx1"/>
+        </a:solidFill>
+        <a:latin typeface="+mn-lt"/>
+        <a:ea typeface="+mn-ea"/>
+        <a:cs typeface="+mn-cs"/>
+      </a:defRPr>
+    </a:lvl9pPr>
+  </p:notesStyle>
+</p:notesMaster>
+</file>
+
+<file path=ppt/notesSlides/notesSlide1.xml><?xml version="1.0" encoding="utf-8"?>
+<p:notes xmlns:a="http://schemas.openxmlformats.org/drawingml/2006/main" xmlns:r="http://schemas.openxmlformats.org/officeDocument/2006/relationships" xmlns:p="http://schemas.openxmlformats.org/presentationml/2006/main">
+  <p:cSld>
+    <p:spTree>
+      <p:nvGrpSpPr>
+        <p:cNvPr id="1" name=""/>
+        <p:cNvGrpSpPr/>
+        <p:nvPr/>
+      </p:nvGrpSpPr>
+      <p:grpSpPr>
+        <a:xfrm>
+          <a:off x="0" y="0"/>
+          <a:ext cx="0" cy="0"/>
+          <a:chOff x="0" y="0"/>
+          <a:chExt cx="0" cy="0"/>
+        </a:xfrm>
+      </p:grpSpPr>
+      <p:sp>
+        <p:nvSpPr>
+          <p:cNvPr id="2" name="Espace réservé de l'image des diapositives 1"/>
+          <p:cNvSpPr>
+            <a:spLocks noGrp="1" noRot="1" noChangeAspect="1"/>
+          </p:cNvSpPr>
+          <p:nvPr>
+            <p:ph type="sldImg"/>
+          </p:nvPr>
+        </p:nvSpPr>
+        <p:spPr/>
+      </p:sp>
+      <p:sp>
+        <p:nvSpPr>
+          <p:cNvPr id="3" name="Espace réservé des notes 2"/>
+          <p:cNvSpPr>
+            <a:spLocks noGrp="1"/>
+          </p:cNvSpPr>
+          <p:nvPr>
+            <p:ph type="body" idx="1"/>
+          </p:nvPr>
+        </p:nvSpPr>
+        <p:spPr/>
+        <p:txBody>
+          <a:bodyPr/>
+          <a:lstStyle/>
+          <a:p>
+            <a:r>
+              <a:rPr lang="fr-FR" dirty="0"/>
+              <a:t>Développement d'un système de vision </a:t>
+            </a:r>
+            <a:r>
+              <a:rPr lang="fr-FR" dirty="0" err="1"/>
+              <a:t>multi-spectrale</a:t>
+            </a:r>
+            <a:r>
+              <a:rPr lang="fr-FR" dirty="0"/>
+              <a:t> </a:t>
+            </a:r>
+          </a:p>
+          <a:p>
+            <a:r>
+              <a:rPr lang="fr-FR" dirty="0"/>
+              <a:t>pour la détection de </a:t>
+            </a:r>
+            <a:r>
+              <a:rPr lang="fr-FR" b="1" dirty="0"/>
+              <a:t>défauts</a:t>
+            </a:r>
+            <a:r>
+              <a:rPr lang="fr-FR" dirty="0"/>
+              <a:t> sur les pommes.</a:t>
+            </a:r>
+          </a:p>
+          <a:p>
+            <a:endParaRPr lang="fr-FR" dirty="0"/>
+          </a:p>
+          <a:p>
+            <a:r>
+              <a:rPr lang="fr-FR" dirty="0"/>
+              <a:t>Cette recherche à été réalisée en </a:t>
+            </a:r>
+            <a:r>
+              <a:rPr lang="fr-FR" b="1" dirty="0"/>
+              <a:t>Belgique en 2004</a:t>
+            </a:r>
+            <a:r>
+              <a:rPr lang="fr-FR" dirty="0"/>
+              <a:t>.</a:t>
+            </a:r>
+          </a:p>
+          <a:p>
+            <a:endParaRPr lang="fr-FR" dirty="0"/>
+          </a:p>
+          <a:p>
+            <a:r>
+              <a:rPr lang="fr-FR" dirty="0"/>
+              <a:t>Et c’est aussi pour cette </a:t>
+            </a:r>
+            <a:r>
+              <a:rPr lang="fr-FR" b="1" dirty="0"/>
+              <a:t>raison</a:t>
+            </a:r>
+            <a:r>
+              <a:rPr lang="fr-FR" dirty="0"/>
+              <a:t> que je ne tenterais pas de </a:t>
+            </a:r>
+            <a:r>
+              <a:rPr lang="fr-FR" b="1" dirty="0"/>
+              <a:t>prononcer</a:t>
+            </a:r>
+            <a:r>
+              <a:rPr lang="fr-FR" dirty="0"/>
+              <a:t> leurs noms. </a:t>
+            </a:r>
+          </a:p>
+          <a:p>
+            <a:endParaRPr lang="fr-FR" dirty="0"/>
+          </a:p>
+        </p:txBody>
+      </p:sp>
+      <p:sp>
+        <p:nvSpPr>
+          <p:cNvPr id="4" name="Espace réservé du numéro de diapositive 3"/>
+          <p:cNvSpPr>
+            <a:spLocks noGrp="1"/>
+          </p:cNvSpPr>
+          <p:nvPr>
+            <p:ph type="sldNum" sz="quarter" idx="5"/>
+          </p:nvPr>
+        </p:nvSpPr>
+        <p:spPr/>
+        <p:txBody>
+          <a:bodyPr/>
+          <a:lstStyle/>
+          <a:p>
+            <a:fld id="{885FBAA3-9B9B-45F3-9C62-7189013B6E0E}" type="slidenum">
+              <a:rPr lang="fr-CH" smtClean="0"/>
+              <a:t>1</a:t>
+            </a:fld>
+            <a:endParaRPr lang="fr-CH"/>
+          </a:p>
+        </p:txBody>
+      </p:sp>
+    </p:spTree>
+    <p:extLst>
+      <p:ext uri="{BB962C8B-B14F-4D97-AF65-F5344CB8AC3E}">
+        <p14:creationId xmlns:p14="http://schemas.microsoft.com/office/powerpoint/2010/main" val="1966467896"/>
+      </p:ext>
+    </p:extLst>
+  </p:cSld>
+  <p:clrMapOvr>
+    <a:masterClrMapping/>
+  </p:clrMapOvr>
+</p:notes>
+</file>
+
+<file path=ppt/notesSlides/notesSlide10.xml><?xml version="1.0" encoding="utf-8"?>
+<p:notes xmlns:a="http://schemas.openxmlformats.org/drawingml/2006/main" xmlns:r="http://schemas.openxmlformats.org/officeDocument/2006/relationships" xmlns:p="http://schemas.openxmlformats.org/presentationml/2006/main">
+  <p:cSld>
+    <p:spTree>
+      <p:nvGrpSpPr>
+        <p:cNvPr id="1" name=""/>
+        <p:cNvGrpSpPr/>
+        <p:nvPr/>
+      </p:nvGrpSpPr>
+      <p:grpSpPr>
+        <a:xfrm>
+          <a:off x="0" y="0"/>
+          <a:ext cx="0" cy="0"/>
+          <a:chOff x="0" y="0"/>
+          <a:chExt cx="0" cy="0"/>
+        </a:xfrm>
+      </p:grpSpPr>
+      <p:sp>
+        <p:nvSpPr>
+          <p:cNvPr id="2" name="Espace réservé de l'image des diapositives 1"/>
+          <p:cNvSpPr>
+            <a:spLocks noGrp="1" noRot="1" noChangeAspect="1"/>
+          </p:cNvSpPr>
+          <p:nvPr>
+            <p:ph type="sldImg"/>
+          </p:nvPr>
+        </p:nvSpPr>
+        <p:spPr/>
+      </p:sp>
+      <p:sp>
+        <p:nvSpPr>
+          <p:cNvPr id="3" name="Espace réservé des notes 2"/>
+          <p:cNvSpPr>
+            <a:spLocks noGrp="1"/>
+          </p:cNvSpPr>
+          <p:nvPr>
+            <p:ph type="body" idx="1"/>
+          </p:nvPr>
+        </p:nvSpPr>
+        <p:spPr/>
+        <p:txBody>
+          <a:bodyPr/>
+          <a:lstStyle/>
+          <a:p>
+            <a:r>
+              <a:rPr lang="fr-CH" dirty="0"/>
+              <a:t>Page_noire.pdf</a:t>
+            </a:r>
+          </a:p>
+          <a:p>
+            <a:endParaRPr lang="fr-CH" dirty="0"/>
+          </a:p>
+          <a:p>
+            <a:r>
+              <a:rPr lang="fr-CH" dirty="0"/>
+              <a:t>Pourquoi ce thème, et bien car j’ai eu la </a:t>
+            </a:r>
+            <a:r>
+              <a:rPr lang="fr-CH" b="1" dirty="0"/>
+              <a:t>chance</a:t>
+            </a:r>
+            <a:r>
+              <a:rPr lang="fr-CH" dirty="0"/>
+              <a:t> cette été de </a:t>
+            </a:r>
+            <a:r>
+              <a:rPr lang="fr-CH" b="1" dirty="0"/>
+              <a:t>travailler</a:t>
+            </a:r>
+            <a:r>
+              <a:rPr lang="fr-CH" dirty="0"/>
+              <a:t> dans l’entreprise </a:t>
+            </a:r>
+            <a:r>
+              <a:rPr lang="fr-CH" b="1" dirty="0" err="1"/>
+              <a:t>Visar</a:t>
+            </a:r>
+            <a:r>
+              <a:rPr lang="fr-CH" dirty="0"/>
+              <a:t> comme monteur électricien. </a:t>
+            </a:r>
+          </a:p>
+          <a:p>
+            <a:endParaRPr lang="fr-CH" dirty="0"/>
+          </a:p>
+          <a:p>
+            <a:r>
+              <a:rPr lang="fr-CH" dirty="0"/>
+              <a:t>Et je souhaitait vous faire découvrir cette jolie entreprise.</a:t>
+            </a:r>
+          </a:p>
+          <a:p>
+            <a:endParaRPr lang="fr-CH" dirty="0"/>
+          </a:p>
+          <a:p>
+            <a:r>
+              <a:rPr lang="fr-CH" dirty="0"/>
+              <a:t>Merci.</a:t>
+            </a:r>
+          </a:p>
+        </p:txBody>
+      </p:sp>
+      <p:sp>
+        <p:nvSpPr>
+          <p:cNvPr id="4" name="Espace réservé du numéro de diapositive 3"/>
+          <p:cNvSpPr>
+            <a:spLocks noGrp="1"/>
+          </p:cNvSpPr>
+          <p:nvPr>
+            <p:ph type="sldNum" sz="quarter" idx="5"/>
+          </p:nvPr>
+        </p:nvSpPr>
+        <p:spPr/>
+        <p:txBody>
+          <a:bodyPr/>
+          <a:lstStyle/>
+          <a:p>
+            <a:fld id="{885FBAA3-9B9B-45F3-9C62-7189013B6E0E}" type="slidenum">
+              <a:rPr lang="fr-CH" smtClean="0"/>
+              <a:t>10</a:t>
+            </a:fld>
+            <a:endParaRPr lang="fr-CH"/>
+          </a:p>
+        </p:txBody>
+      </p:sp>
+    </p:spTree>
+    <p:extLst>
+      <p:ext uri="{BB962C8B-B14F-4D97-AF65-F5344CB8AC3E}">
+        <p14:creationId xmlns:p14="http://schemas.microsoft.com/office/powerpoint/2010/main" val="1501326047"/>
+      </p:ext>
+    </p:extLst>
+  </p:cSld>
+  <p:clrMapOvr>
+    <a:masterClrMapping/>
+  </p:clrMapOvr>
+</p:notes>
+</file>
+
+<file path=ppt/notesSlides/notesSlide11.xml><?xml version="1.0" encoding="utf-8"?>
+<p:notes xmlns:a="http://schemas.openxmlformats.org/drawingml/2006/main" xmlns:r="http://schemas.openxmlformats.org/officeDocument/2006/relationships" xmlns:p="http://schemas.openxmlformats.org/presentationml/2006/main">
+  <p:cSld>
+    <p:spTree>
+      <p:nvGrpSpPr>
+        <p:cNvPr id="1" name=""/>
+        <p:cNvGrpSpPr/>
+        <p:nvPr/>
+      </p:nvGrpSpPr>
+      <p:grpSpPr>
+        <a:xfrm>
+          <a:off x="0" y="0"/>
+          <a:ext cx="0" cy="0"/>
+          <a:chOff x="0" y="0"/>
+          <a:chExt cx="0" cy="0"/>
+        </a:xfrm>
+      </p:grpSpPr>
+      <p:sp>
+        <p:nvSpPr>
+          <p:cNvPr id="2" name="Espace réservé de l'image des diapositives 1"/>
+          <p:cNvSpPr>
+            <a:spLocks noGrp="1" noRot="1" noChangeAspect="1"/>
+          </p:cNvSpPr>
+          <p:nvPr>
+            <p:ph type="sldImg"/>
+          </p:nvPr>
+        </p:nvSpPr>
+        <p:spPr/>
+      </p:sp>
+      <p:sp>
+        <p:nvSpPr>
+          <p:cNvPr id="3" name="Espace réservé des notes 2"/>
+          <p:cNvSpPr>
+            <a:spLocks noGrp="1"/>
+          </p:cNvSpPr>
+          <p:nvPr>
+            <p:ph type="body" idx="1"/>
+          </p:nvPr>
+        </p:nvSpPr>
+        <p:spPr/>
+        <p:txBody>
+          <a:bodyPr/>
+          <a:lstStyle/>
+          <a:p>
+            <a:r>
+              <a:rPr lang="fr-CH" dirty="0"/>
+              <a:t>Pourquoi ce thème / pourquoi cette entreprise.</a:t>
+            </a:r>
+          </a:p>
+        </p:txBody>
+      </p:sp>
+      <p:sp>
+        <p:nvSpPr>
+          <p:cNvPr id="4" name="Espace réservé du numéro de diapositive 3"/>
+          <p:cNvSpPr>
+            <a:spLocks noGrp="1"/>
+          </p:cNvSpPr>
+          <p:nvPr>
+            <p:ph type="sldNum" sz="quarter" idx="5"/>
+          </p:nvPr>
+        </p:nvSpPr>
+        <p:spPr/>
+        <p:txBody>
+          <a:bodyPr/>
+          <a:lstStyle/>
+          <a:p>
+            <a:fld id="{885FBAA3-9B9B-45F3-9C62-7189013B6E0E}" type="slidenum">
+              <a:rPr lang="fr-CH" smtClean="0"/>
+              <a:t>11</a:t>
+            </a:fld>
+            <a:endParaRPr lang="fr-CH"/>
+          </a:p>
+        </p:txBody>
+      </p:sp>
+    </p:spTree>
+    <p:extLst>
+      <p:ext uri="{BB962C8B-B14F-4D97-AF65-F5344CB8AC3E}">
+        <p14:creationId xmlns:p14="http://schemas.microsoft.com/office/powerpoint/2010/main" val="219883264"/>
+      </p:ext>
+    </p:extLst>
+  </p:cSld>
+  <p:clrMapOvr>
+    <a:masterClrMapping/>
+  </p:clrMapOvr>
+</p:notes>
+</file>
+
+<file path=ppt/notesSlides/notesSlide12.xml><?xml version="1.0" encoding="utf-8"?>
+<p:notes xmlns:a="http://schemas.openxmlformats.org/drawingml/2006/main" xmlns:r="http://schemas.openxmlformats.org/officeDocument/2006/relationships" xmlns:p="http://schemas.openxmlformats.org/presentationml/2006/main">
+  <p:cSld>
+    <p:spTree>
+      <p:nvGrpSpPr>
+        <p:cNvPr id="1" name=""/>
+        <p:cNvGrpSpPr/>
+        <p:nvPr/>
+      </p:nvGrpSpPr>
+      <p:grpSpPr>
+        <a:xfrm>
+          <a:off x="0" y="0"/>
+          <a:ext cx="0" cy="0"/>
+          <a:chOff x="0" y="0"/>
+          <a:chExt cx="0" cy="0"/>
+        </a:xfrm>
+      </p:grpSpPr>
+      <p:sp>
+        <p:nvSpPr>
+          <p:cNvPr id="2" name="Espace réservé de l'image des diapositives 1"/>
+          <p:cNvSpPr>
+            <a:spLocks noGrp="1" noRot="1" noChangeAspect="1"/>
+          </p:cNvSpPr>
+          <p:nvPr>
+            <p:ph type="sldImg"/>
+          </p:nvPr>
+        </p:nvSpPr>
+        <p:spPr/>
+      </p:sp>
+      <p:sp>
+        <p:nvSpPr>
+          <p:cNvPr id="3" name="Espace réservé des notes 2"/>
+          <p:cNvSpPr>
+            <a:spLocks noGrp="1"/>
+          </p:cNvSpPr>
+          <p:nvPr>
+            <p:ph type="body" idx="1"/>
+          </p:nvPr>
+        </p:nvSpPr>
+        <p:spPr/>
+        <p:txBody>
+          <a:bodyPr/>
+          <a:lstStyle/>
+          <a:p>
+            <a:r>
+              <a:rPr lang="fr-CH" dirty="0"/>
+              <a:t>Pourquoi ce thème / pourquoi cette entreprise.</a:t>
+            </a:r>
+          </a:p>
+        </p:txBody>
+      </p:sp>
+      <p:sp>
+        <p:nvSpPr>
+          <p:cNvPr id="4" name="Espace réservé du numéro de diapositive 3"/>
+          <p:cNvSpPr>
+            <a:spLocks noGrp="1"/>
+          </p:cNvSpPr>
+          <p:nvPr>
+            <p:ph type="sldNum" sz="quarter" idx="5"/>
+          </p:nvPr>
+        </p:nvSpPr>
+        <p:spPr/>
+        <p:txBody>
+          <a:bodyPr/>
+          <a:lstStyle/>
+          <a:p>
+            <a:fld id="{885FBAA3-9B9B-45F3-9C62-7189013B6E0E}" type="slidenum">
+              <a:rPr lang="fr-CH" smtClean="0"/>
+              <a:t>12</a:t>
+            </a:fld>
+            <a:endParaRPr lang="fr-CH"/>
+          </a:p>
+        </p:txBody>
+      </p:sp>
+    </p:spTree>
+    <p:extLst>
+      <p:ext uri="{BB962C8B-B14F-4D97-AF65-F5344CB8AC3E}">
+        <p14:creationId xmlns:p14="http://schemas.microsoft.com/office/powerpoint/2010/main" val="1301847184"/>
+      </p:ext>
+    </p:extLst>
+  </p:cSld>
+  <p:clrMapOvr>
+    <a:masterClrMapping/>
+  </p:clrMapOvr>
+</p:notes>
+</file>
+
+<file path=ppt/notesSlides/notesSlide13.xml><?xml version="1.0" encoding="utf-8"?>
+<p:notes xmlns:a="http://schemas.openxmlformats.org/drawingml/2006/main" xmlns:r="http://schemas.openxmlformats.org/officeDocument/2006/relationships" xmlns:p="http://schemas.openxmlformats.org/presentationml/2006/main">
+  <p:cSld>
+    <p:spTree>
+      <p:nvGrpSpPr>
+        <p:cNvPr id="1" name=""/>
+        <p:cNvGrpSpPr/>
+        <p:nvPr/>
+      </p:nvGrpSpPr>
+      <p:grpSpPr>
+        <a:xfrm>
+          <a:off x="0" y="0"/>
+          <a:ext cx="0" cy="0"/>
+          <a:chOff x="0" y="0"/>
+          <a:chExt cx="0" cy="0"/>
+        </a:xfrm>
+      </p:grpSpPr>
+      <p:sp>
+        <p:nvSpPr>
+          <p:cNvPr id="2" name="Espace réservé de l'image des diapositives 1"/>
+          <p:cNvSpPr>
+            <a:spLocks noGrp="1" noRot="1" noChangeAspect="1"/>
+          </p:cNvSpPr>
+          <p:nvPr>
+            <p:ph type="sldImg"/>
+          </p:nvPr>
+        </p:nvSpPr>
+        <p:spPr/>
+      </p:sp>
+      <p:sp>
+        <p:nvSpPr>
+          <p:cNvPr id="3" name="Espace réservé des notes 2"/>
+          <p:cNvSpPr>
+            <a:spLocks noGrp="1"/>
+          </p:cNvSpPr>
+          <p:nvPr>
+            <p:ph type="body" idx="1"/>
+          </p:nvPr>
+        </p:nvSpPr>
+        <p:spPr/>
+        <p:txBody>
+          <a:bodyPr/>
+          <a:lstStyle/>
+          <a:p>
+            <a:r>
+              <a:rPr lang="fr-CH" dirty="0"/>
+              <a:t>Pourquoi ce thème / pourquoi cette entreprise.</a:t>
+            </a:r>
+          </a:p>
+        </p:txBody>
+      </p:sp>
+      <p:sp>
+        <p:nvSpPr>
+          <p:cNvPr id="4" name="Espace réservé du numéro de diapositive 3"/>
+          <p:cNvSpPr>
+            <a:spLocks noGrp="1"/>
+          </p:cNvSpPr>
+          <p:nvPr>
+            <p:ph type="sldNum" sz="quarter" idx="5"/>
+          </p:nvPr>
+        </p:nvSpPr>
+        <p:spPr/>
+        <p:txBody>
+          <a:bodyPr/>
+          <a:lstStyle/>
+          <a:p>
+            <a:fld id="{885FBAA3-9B9B-45F3-9C62-7189013B6E0E}" type="slidenum">
+              <a:rPr lang="fr-CH" smtClean="0"/>
+              <a:t>13</a:t>
+            </a:fld>
+            <a:endParaRPr lang="fr-CH"/>
+          </a:p>
+        </p:txBody>
+      </p:sp>
+    </p:spTree>
+    <p:extLst>
+      <p:ext uri="{BB962C8B-B14F-4D97-AF65-F5344CB8AC3E}">
+        <p14:creationId xmlns:p14="http://schemas.microsoft.com/office/powerpoint/2010/main" val="555292310"/>
+      </p:ext>
+    </p:extLst>
+  </p:cSld>
+  <p:clrMapOvr>
+    <a:masterClrMapping/>
+  </p:clrMapOvr>
+</p:notes>
+</file>
+
+<file path=ppt/notesSlides/notesSlide2.xml><?xml version="1.0" encoding="utf-8"?>
+<p:notes xmlns:a="http://schemas.openxmlformats.org/drawingml/2006/main" xmlns:r="http://schemas.openxmlformats.org/officeDocument/2006/relationships" xmlns:p="http://schemas.openxmlformats.org/presentationml/2006/main">
+  <p:cSld>
+    <p:spTree>
+      <p:nvGrpSpPr>
+        <p:cNvPr id="1" name=""/>
+        <p:cNvGrpSpPr/>
+        <p:nvPr/>
+      </p:nvGrpSpPr>
+      <p:grpSpPr>
+        <a:xfrm>
+          <a:off x="0" y="0"/>
+          <a:ext cx="0" cy="0"/>
+          <a:chOff x="0" y="0"/>
+          <a:chExt cx="0" cy="0"/>
+        </a:xfrm>
+      </p:grpSpPr>
+      <p:sp>
+        <p:nvSpPr>
+          <p:cNvPr id="2" name="Espace réservé de l'image des diapositives 1"/>
+          <p:cNvSpPr>
+            <a:spLocks noGrp="1" noRot="1" noChangeAspect="1"/>
+          </p:cNvSpPr>
+          <p:nvPr>
+            <p:ph type="sldImg"/>
+          </p:nvPr>
+        </p:nvSpPr>
+        <p:spPr/>
+      </p:sp>
+      <p:sp>
+        <p:nvSpPr>
+          <p:cNvPr id="3" name="Espace réservé des notes 2"/>
+          <p:cNvSpPr>
+            <a:spLocks noGrp="1"/>
+          </p:cNvSpPr>
+          <p:nvPr>
+            <p:ph type="body" idx="1"/>
+          </p:nvPr>
+        </p:nvSpPr>
+        <p:spPr/>
+        <p:txBody>
+          <a:bodyPr/>
+          <a:lstStyle/>
+          <a:p>
+            <a:r>
+              <a:rPr lang="fr-CH" dirty="0"/>
+              <a:t>Quand on regarde dans un </a:t>
+            </a:r>
+            <a:r>
+              <a:rPr lang="fr-CH" b="1" dirty="0"/>
+              <a:t>super marché</a:t>
+            </a:r>
+            <a:r>
+              <a:rPr lang="fr-CH" dirty="0"/>
+              <a:t>, on voit tous les aliment, tous de la même </a:t>
+            </a:r>
+            <a:r>
+              <a:rPr lang="fr-CH" b="1" dirty="0"/>
+              <a:t>taille</a:t>
+            </a:r>
+            <a:r>
+              <a:rPr lang="fr-CH" dirty="0"/>
+              <a:t>, la même </a:t>
+            </a:r>
+            <a:r>
+              <a:rPr lang="fr-CH" b="1" dirty="0"/>
+              <a:t>forme</a:t>
+            </a:r>
+            <a:r>
+              <a:rPr lang="fr-CH" dirty="0"/>
+              <a:t> , de la même </a:t>
+            </a:r>
+            <a:r>
+              <a:rPr lang="fr-CH" b="1" dirty="0"/>
+              <a:t>couleur</a:t>
+            </a:r>
+            <a:r>
+              <a:rPr lang="fr-CH" dirty="0"/>
+              <a:t>, et sans aucun </a:t>
+            </a:r>
+            <a:r>
+              <a:rPr lang="fr-CH" dirty="0" err="1"/>
+              <a:t>défault</a:t>
+            </a:r>
+            <a:r>
+              <a:rPr lang="fr-CH" dirty="0"/>
+              <a:t>.</a:t>
+            </a:r>
+          </a:p>
+          <a:p>
+            <a:endParaRPr lang="fr-CH" dirty="0"/>
+          </a:p>
+          <a:p>
+            <a:r>
+              <a:rPr lang="fr-CH" dirty="0"/>
+              <a:t>Vous vous-êtes jamais demander </a:t>
+            </a:r>
+            <a:r>
+              <a:rPr lang="fr-CH" b="1" dirty="0"/>
+              <a:t>comment</a:t>
+            </a:r>
+            <a:r>
+              <a:rPr lang="fr-CH" dirty="0"/>
+              <a:t> il fessait pour trier ces aliments.</a:t>
+            </a:r>
+          </a:p>
+          <a:p>
+            <a:endParaRPr lang="fr-CH" dirty="0"/>
+          </a:p>
+          <a:p>
+            <a:r>
+              <a:rPr lang="fr-CH" dirty="0"/>
+              <a:t>Vous avec votre </a:t>
+            </a:r>
+            <a:r>
+              <a:rPr lang="fr-CH" b="1" dirty="0"/>
+              <a:t>yeux</a:t>
+            </a:r>
+            <a:r>
+              <a:rPr lang="fr-CH" dirty="0"/>
+              <a:t> humain c’est entrainer pendant des années pour </a:t>
+            </a:r>
+            <a:r>
+              <a:rPr lang="fr-CH" b="1" dirty="0"/>
+              <a:t>détecter</a:t>
+            </a:r>
+            <a:r>
+              <a:rPr lang="fr-CH" dirty="0"/>
+              <a:t> et différencier, Par exemple le bout de la pomme et un défaut comme on peut le voir sur l’image.</a:t>
+            </a:r>
+          </a:p>
+        </p:txBody>
+      </p:sp>
+      <p:sp>
+        <p:nvSpPr>
+          <p:cNvPr id="4" name="Espace réservé du numéro de diapositive 3"/>
+          <p:cNvSpPr>
+            <a:spLocks noGrp="1"/>
+          </p:cNvSpPr>
+          <p:nvPr>
+            <p:ph type="sldNum" sz="quarter" idx="5"/>
+          </p:nvPr>
+        </p:nvSpPr>
+        <p:spPr/>
+        <p:txBody>
+          <a:bodyPr/>
+          <a:lstStyle/>
+          <a:p>
+            <a:fld id="{885FBAA3-9B9B-45F3-9C62-7189013B6E0E}" type="slidenum">
+              <a:rPr lang="fr-CH" smtClean="0"/>
+              <a:t>2</a:t>
+            </a:fld>
+            <a:endParaRPr lang="fr-CH"/>
+          </a:p>
+        </p:txBody>
+      </p:sp>
+    </p:spTree>
+    <p:extLst>
+      <p:ext uri="{BB962C8B-B14F-4D97-AF65-F5344CB8AC3E}">
+        <p14:creationId xmlns:p14="http://schemas.microsoft.com/office/powerpoint/2010/main" val="4000659262"/>
+      </p:ext>
+    </p:extLst>
+  </p:cSld>
+  <p:clrMapOvr>
+    <a:masterClrMapping/>
+  </p:clrMapOvr>
+</p:notes>
+</file>
+
+<file path=ppt/notesSlides/notesSlide3.xml><?xml version="1.0" encoding="utf-8"?>
+<p:notes xmlns:a="http://schemas.openxmlformats.org/drawingml/2006/main" xmlns:r="http://schemas.openxmlformats.org/officeDocument/2006/relationships" xmlns:p="http://schemas.openxmlformats.org/presentationml/2006/main">
+  <p:cSld>
+    <p:spTree>
+      <p:nvGrpSpPr>
+        <p:cNvPr id="1" name=""/>
+        <p:cNvGrpSpPr/>
+        <p:nvPr/>
+      </p:nvGrpSpPr>
+      <p:grpSpPr>
+        <a:xfrm>
+          <a:off x="0" y="0"/>
+          <a:ext cx="0" cy="0"/>
+          <a:chOff x="0" y="0"/>
+          <a:chExt cx="0" cy="0"/>
+        </a:xfrm>
+      </p:grpSpPr>
+      <p:sp>
+        <p:nvSpPr>
+          <p:cNvPr id="2" name="Espace réservé de l'image des diapositives 1"/>
+          <p:cNvSpPr>
+            <a:spLocks noGrp="1" noRot="1" noChangeAspect="1"/>
+          </p:cNvSpPr>
+          <p:nvPr>
+            <p:ph type="sldImg"/>
+          </p:nvPr>
+        </p:nvSpPr>
+        <p:spPr/>
+      </p:sp>
+      <p:sp>
+        <p:nvSpPr>
+          <p:cNvPr id="3" name="Espace réservé des notes 2"/>
+          <p:cNvSpPr>
+            <a:spLocks noGrp="1"/>
+          </p:cNvSpPr>
+          <p:nvPr>
+            <p:ph type="body" idx="1"/>
+          </p:nvPr>
+        </p:nvSpPr>
+        <p:spPr/>
+        <p:txBody>
+          <a:bodyPr/>
+          <a:lstStyle/>
+          <a:p>
+            <a:r>
+              <a:rPr lang="fr-CH" dirty="0"/>
+              <a:t>Pour ça, ils ont utilisé ce dispositif.</a:t>
+            </a:r>
+          </a:p>
+          <a:p>
+            <a:endParaRPr lang="fr-CH" dirty="0"/>
+          </a:p>
+          <a:p>
+            <a:r>
+              <a:rPr lang="fr-CH" dirty="0"/>
+              <a:t>On retrouve 3 parties distincte. 1. la caméra / 2. Les filtres Infra rouge / 3. Les </a:t>
+            </a:r>
+            <a:r>
+              <a:rPr lang="fr-CH" dirty="0" err="1"/>
+              <a:t>LEDs</a:t>
+            </a:r>
+            <a:r>
+              <a:rPr lang="fr-CH" dirty="0"/>
+              <a:t> infrarouge.</a:t>
+            </a:r>
+          </a:p>
+          <a:p>
+            <a:endParaRPr lang="fr-CH" dirty="0"/>
+          </a:p>
+          <a:p>
+            <a:r>
+              <a:rPr lang="fr-CH" dirty="0"/>
+              <a:t>Avec l’IR, on peut visualiser légèrement </a:t>
+            </a:r>
+            <a:r>
+              <a:rPr lang="fr-CH" b="1" dirty="0"/>
+              <a:t>sous la peaux </a:t>
+            </a:r>
+            <a:r>
+              <a:rPr lang="fr-CH" dirty="0"/>
+              <a:t>de la pomme et voir si les dégâts sont uniquement </a:t>
+            </a:r>
+            <a:r>
+              <a:rPr lang="fr-CH" b="1" dirty="0"/>
+              <a:t>superficiel</a:t>
+            </a:r>
+            <a:r>
+              <a:rPr lang="fr-CH" dirty="0"/>
+              <a:t> ou non !</a:t>
+            </a:r>
+          </a:p>
+          <a:p>
+            <a:endParaRPr lang="fr-CH" dirty="0"/>
+          </a:p>
+          <a:p>
+            <a:r>
+              <a:rPr lang="fr-CH" dirty="0"/>
+              <a:t>---</a:t>
+            </a:r>
+          </a:p>
+          <a:p>
+            <a:endParaRPr lang="fr-CH" dirty="0"/>
+          </a:p>
+          <a:p>
+            <a:r>
+              <a:rPr lang="fr-CH" dirty="0"/>
+              <a:t>Mais une technique comme celle-ci, peut être utilisée pour </a:t>
+            </a:r>
+            <a:r>
+              <a:rPr lang="fr-CH" b="1" dirty="0"/>
+              <a:t>d’autre</a:t>
+            </a:r>
+            <a:r>
+              <a:rPr lang="fr-CH" dirty="0"/>
+              <a:t> fruit et légume.</a:t>
+            </a:r>
+          </a:p>
+          <a:p>
+            <a:endParaRPr lang="fr-CH" dirty="0"/>
+          </a:p>
+        </p:txBody>
+      </p:sp>
+      <p:sp>
+        <p:nvSpPr>
+          <p:cNvPr id="4" name="Espace réservé du numéro de diapositive 3"/>
+          <p:cNvSpPr>
+            <a:spLocks noGrp="1"/>
+          </p:cNvSpPr>
+          <p:nvPr>
+            <p:ph type="sldNum" sz="quarter" idx="5"/>
+          </p:nvPr>
+        </p:nvSpPr>
+        <p:spPr/>
+        <p:txBody>
+          <a:bodyPr/>
+          <a:lstStyle/>
+          <a:p>
+            <a:fld id="{885FBAA3-9B9B-45F3-9C62-7189013B6E0E}" type="slidenum">
+              <a:rPr lang="fr-CH" smtClean="0"/>
+              <a:t>3</a:t>
+            </a:fld>
+            <a:endParaRPr lang="fr-CH"/>
+          </a:p>
+        </p:txBody>
+      </p:sp>
+    </p:spTree>
+    <p:extLst>
+      <p:ext uri="{BB962C8B-B14F-4D97-AF65-F5344CB8AC3E}">
+        <p14:creationId xmlns:p14="http://schemas.microsoft.com/office/powerpoint/2010/main" val="3905725727"/>
+      </p:ext>
+    </p:extLst>
+  </p:cSld>
+  <p:clrMapOvr>
+    <a:masterClrMapping/>
+  </p:clrMapOvr>
+</p:notes>
+</file>
+
+<file path=ppt/notesSlides/notesSlide4.xml><?xml version="1.0" encoding="utf-8"?>
+<p:notes xmlns:a="http://schemas.openxmlformats.org/drawingml/2006/main" xmlns:r="http://schemas.openxmlformats.org/officeDocument/2006/relationships" xmlns:p="http://schemas.openxmlformats.org/presentationml/2006/main">
+  <p:cSld>
+    <p:spTree>
+      <p:nvGrpSpPr>
+        <p:cNvPr id="1" name=""/>
+        <p:cNvGrpSpPr/>
+        <p:nvPr/>
+      </p:nvGrpSpPr>
+      <p:grpSpPr>
+        <a:xfrm>
+          <a:off x="0" y="0"/>
+          <a:ext cx="0" cy="0"/>
+          <a:chOff x="0" y="0"/>
+          <a:chExt cx="0" cy="0"/>
+        </a:xfrm>
+      </p:grpSpPr>
+      <p:sp>
+        <p:nvSpPr>
+          <p:cNvPr id="2" name="Espace réservé de l'image des diapositives 1"/>
+          <p:cNvSpPr>
+            <a:spLocks noGrp="1" noRot="1" noChangeAspect="1"/>
+          </p:cNvSpPr>
+          <p:nvPr>
+            <p:ph type="sldImg"/>
+          </p:nvPr>
+        </p:nvSpPr>
+        <p:spPr/>
+      </p:sp>
+      <p:sp>
+        <p:nvSpPr>
+          <p:cNvPr id="3" name="Espace réservé des notes 2"/>
+          <p:cNvSpPr>
+            <a:spLocks noGrp="1"/>
+          </p:cNvSpPr>
+          <p:nvPr>
+            <p:ph type="body" idx="1"/>
+          </p:nvPr>
+        </p:nvSpPr>
+        <p:spPr/>
+        <p:txBody>
+          <a:bodyPr/>
+          <a:lstStyle/>
+          <a:p>
+            <a:r>
+              <a:rPr lang="fr-CH" sz="1200" dirty="0"/>
+              <a:t>Et c’est la que commence notre </a:t>
+            </a:r>
+            <a:r>
+              <a:rPr lang="fr-CH" sz="1200" b="1" dirty="0"/>
+              <a:t>histoire</a:t>
+            </a:r>
+            <a:r>
+              <a:rPr lang="fr-CH" sz="1200" dirty="0"/>
+              <a:t>.</a:t>
+            </a:r>
+          </a:p>
+          <a:p>
+            <a:endParaRPr lang="fr-CH" sz="1200" dirty="0"/>
+          </a:p>
+          <a:p>
+            <a:r>
+              <a:rPr lang="fr-CH" sz="1200" dirty="0"/>
+              <a:t>2008</a:t>
+            </a:r>
+          </a:p>
+          <a:p>
+            <a:endParaRPr lang="fr-CH" sz="1200" dirty="0"/>
+          </a:p>
+          <a:p>
+            <a:r>
+              <a:rPr lang="fr-CH" sz="1200" b="1" dirty="0"/>
+              <a:t>Olivier </a:t>
+            </a:r>
+            <a:r>
+              <a:rPr lang="fr-CH" sz="1200" b="1" dirty="0" err="1"/>
+              <a:t>Kleynen</a:t>
+            </a:r>
+            <a:r>
+              <a:rPr lang="fr-CH" sz="1200" dirty="0"/>
+              <a:t> (un des chercheur), cherche un investisseur pour </a:t>
+            </a:r>
+            <a:r>
+              <a:rPr lang="fr-CH" sz="1200" b="1" dirty="0"/>
+              <a:t>développer</a:t>
+            </a:r>
+            <a:r>
+              <a:rPr lang="fr-CH" sz="1200" dirty="0"/>
+              <a:t> son propre tilleur optique de </a:t>
+            </a:r>
+            <a:r>
+              <a:rPr lang="fr-CH" sz="1200" b="1" dirty="0"/>
+              <a:t>carotte</a:t>
+            </a:r>
+            <a:r>
+              <a:rPr lang="fr-CH" sz="1200" dirty="0"/>
+              <a:t>.</a:t>
+            </a:r>
+          </a:p>
+          <a:p>
+            <a:endParaRPr lang="fr-CH" sz="1200" dirty="0"/>
+          </a:p>
+          <a:p>
+            <a:r>
+              <a:rPr lang="fr-CH" sz="1200" dirty="0"/>
+              <a:t>Il va rencontrer </a:t>
+            </a:r>
+            <a:r>
+              <a:rPr lang="fr-CH" sz="1200" b="1" i="0" dirty="0">
+                <a:solidFill>
+                  <a:srgbClr val="333333"/>
+                </a:solidFill>
+                <a:effectLst/>
+                <a:latin typeface="Droid Sans"/>
+              </a:rPr>
+              <a:t>Daniel </a:t>
+            </a:r>
+            <a:r>
+              <a:rPr lang="fr-CH" sz="1200" b="1" i="0" dirty="0" err="1">
+                <a:solidFill>
+                  <a:srgbClr val="333333"/>
+                </a:solidFill>
+                <a:effectLst/>
+                <a:latin typeface="Droid Sans"/>
+              </a:rPr>
+              <a:t>Pitton</a:t>
+            </a:r>
+            <a:r>
+              <a:rPr lang="fr-CH" sz="1200" b="1" i="0" dirty="0">
+                <a:solidFill>
+                  <a:srgbClr val="333333"/>
+                </a:solidFill>
+                <a:effectLst/>
+                <a:latin typeface="Droid Sans"/>
+              </a:rPr>
+              <a:t> </a:t>
+            </a:r>
+            <a:r>
+              <a:rPr lang="fr-CH" sz="1200" b="0" i="0" dirty="0">
+                <a:solidFill>
+                  <a:srgbClr val="333333"/>
+                </a:solidFill>
+                <a:effectLst/>
+                <a:latin typeface="Droid Sans"/>
+              </a:rPr>
+              <a:t> </a:t>
+            </a:r>
+            <a:r>
+              <a:rPr lang="fr-CH" sz="1200" b="1" i="0" dirty="0">
+                <a:solidFill>
+                  <a:srgbClr val="333333"/>
+                </a:solidFill>
+                <a:effectLst/>
+                <a:latin typeface="Droid Sans"/>
+              </a:rPr>
+              <a:t>agriculteur  Suisse  Vaudois (</a:t>
+            </a:r>
+            <a:r>
+              <a:rPr lang="fr-CH" sz="1200" b="1" i="0" dirty="0" err="1">
+                <a:solidFill>
+                  <a:srgbClr val="333333"/>
+                </a:solidFill>
+                <a:effectLst/>
+                <a:latin typeface="Droid Sans"/>
+              </a:rPr>
+              <a:t>Oppens</a:t>
+            </a:r>
+            <a:r>
+              <a:rPr lang="fr-CH" sz="1200" b="1" i="0" dirty="0">
+                <a:solidFill>
+                  <a:srgbClr val="333333"/>
+                </a:solidFill>
+                <a:effectLst/>
+                <a:latin typeface="Droid Sans"/>
+              </a:rPr>
+              <a:t> </a:t>
+            </a:r>
+            <a:r>
+              <a:rPr lang="fr-CH" sz="1200" b="1" i="0" dirty="0" err="1">
+                <a:solidFill>
+                  <a:srgbClr val="333333"/>
+                </a:solidFill>
+                <a:effectLst/>
+                <a:latin typeface="Droid Sans"/>
+              </a:rPr>
+              <a:t>bercher</a:t>
+            </a:r>
+            <a:r>
+              <a:rPr lang="fr-CH" sz="1200" b="1" i="0" dirty="0">
+                <a:solidFill>
+                  <a:srgbClr val="333333"/>
+                </a:solidFill>
+                <a:effectLst/>
+                <a:latin typeface="Droid Sans"/>
+              </a:rPr>
+              <a:t> </a:t>
+            </a:r>
+            <a:r>
+              <a:rPr lang="fr-CH" sz="1200" b="1" i="0" dirty="0" err="1">
+                <a:solidFill>
+                  <a:srgbClr val="333333"/>
+                </a:solidFill>
+                <a:effectLst/>
+                <a:latin typeface="Droid Sans"/>
+              </a:rPr>
+              <a:t>thierrens</a:t>
+            </a:r>
+            <a:r>
+              <a:rPr lang="fr-CH" sz="1200" b="1" i="0" dirty="0">
+                <a:solidFill>
+                  <a:srgbClr val="333333"/>
+                </a:solidFill>
+                <a:effectLst/>
+                <a:latin typeface="Droid Sans"/>
+              </a:rPr>
+              <a:t> </a:t>
+            </a:r>
+            <a:r>
+              <a:rPr lang="fr-CH" sz="1200" b="1" i="0" dirty="0" err="1">
+                <a:solidFill>
+                  <a:srgbClr val="333333"/>
+                </a:solidFill>
+                <a:effectLst/>
+                <a:latin typeface="Droid Sans"/>
+              </a:rPr>
+              <a:t>yverdon</a:t>
+            </a:r>
+            <a:r>
+              <a:rPr lang="fr-CH" sz="1200" b="1" i="0" dirty="0">
+                <a:solidFill>
+                  <a:srgbClr val="333333"/>
+                </a:solidFill>
+                <a:effectLst/>
+                <a:latin typeface="Droid Sans"/>
+              </a:rPr>
+              <a:t>) </a:t>
+            </a:r>
+            <a:r>
+              <a:rPr lang="fr-CH" sz="1200" b="0" i="0" dirty="0">
+                <a:solidFill>
+                  <a:srgbClr val="333333"/>
+                </a:solidFill>
+                <a:effectLst/>
+                <a:latin typeface="Droid Sans"/>
+              </a:rPr>
+              <a:t>et ensemble ils créeront l’entreprise </a:t>
+            </a:r>
+            <a:r>
+              <a:rPr lang="fr-CH" sz="1200" b="0" i="0" dirty="0" err="1">
+                <a:solidFill>
+                  <a:srgbClr val="333333"/>
+                </a:solidFill>
+                <a:effectLst/>
+                <a:latin typeface="Droid Sans"/>
+              </a:rPr>
+              <a:t>Visar</a:t>
+            </a:r>
+            <a:r>
+              <a:rPr lang="fr-CH" sz="1200" b="0" i="0" dirty="0">
+                <a:solidFill>
+                  <a:srgbClr val="333333"/>
+                </a:solidFill>
+                <a:effectLst/>
+                <a:latin typeface="Droid Sans"/>
+              </a:rPr>
+              <a:t> </a:t>
+            </a:r>
+            <a:r>
+              <a:rPr lang="fr-CH" sz="1200" b="0" i="0" dirty="0" err="1">
+                <a:solidFill>
+                  <a:srgbClr val="333333"/>
+                </a:solidFill>
+                <a:effectLst/>
+                <a:latin typeface="Droid Sans"/>
+              </a:rPr>
+              <a:t>Sorting</a:t>
+            </a:r>
+            <a:r>
+              <a:rPr lang="fr-CH" sz="1200" b="0" i="0" dirty="0">
+                <a:solidFill>
+                  <a:srgbClr val="333333"/>
+                </a:solidFill>
+                <a:effectLst/>
+                <a:latin typeface="Droid Sans"/>
+              </a:rPr>
+              <a:t>.</a:t>
+            </a:r>
+            <a:endParaRPr lang="fr-CH" sz="1200" b="0" dirty="0"/>
+          </a:p>
+          <a:p>
+            <a:endParaRPr lang="fr-CH" dirty="0"/>
+          </a:p>
+        </p:txBody>
+      </p:sp>
+      <p:sp>
+        <p:nvSpPr>
+          <p:cNvPr id="4" name="Espace réservé du numéro de diapositive 3"/>
+          <p:cNvSpPr>
+            <a:spLocks noGrp="1"/>
+          </p:cNvSpPr>
+          <p:nvPr>
+            <p:ph type="sldNum" sz="quarter" idx="5"/>
+          </p:nvPr>
+        </p:nvSpPr>
+        <p:spPr/>
+        <p:txBody>
+          <a:bodyPr/>
+          <a:lstStyle/>
+          <a:p>
+            <a:fld id="{885FBAA3-9B9B-45F3-9C62-7189013B6E0E}" type="slidenum">
+              <a:rPr lang="fr-CH" smtClean="0"/>
+              <a:t>4</a:t>
+            </a:fld>
+            <a:endParaRPr lang="fr-CH"/>
+          </a:p>
+        </p:txBody>
+      </p:sp>
+    </p:spTree>
+    <p:extLst>
+      <p:ext uri="{BB962C8B-B14F-4D97-AF65-F5344CB8AC3E}">
+        <p14:creationId xmlns:p14="http://schemas.microsoft.com/office/powerpoint/2010/main" val="3166692463"/>
+      </p:ext>
+    </p:extLst>
+  </p:cSld>
+  <p:clrMapOvr>
+    <a:masterClrMapping/>
+  </p:clrMapOvr>
+</p:notes>
+</file>
+
+<file path=ppt/notesSlides/notesSlide5.xml><?xml version="1.0" encoding="utf-8"?>
+<p:notes xmlns:a="http://schemas.openxmlformats.org/drawingml/2006/main" xmlns:r="http://schemas.openxmlformats.org/officeDocument/2006/relationships" xmlns:p="http://schemas.openxmlformats.org/presentationml/2006/main">
+  <p:cSld>
+    <p:spTree>
+      <p:nvGrpSpPr>
+        <p:cNvPr id="1" name=""/>
+        <p:cNvGrpSpPr/>
+        <p:nvPr/>
+      </p:nvGrpSpPr>
+      <p:grpSpPr>
+        <a:xfrm>
+          <a:off x="0" y="0"/>
+          <a:ext cx="0" cy="0"/>
+          <a:chOff x="0" y="0"/>
+          <a:chExt cx="0" cy="0"/>
+        </a:xfrm>
+      </p:grpSpPr>
+      <p:sp>
+        <p:nvSpPr>
+          <p:cNvPr id="2" name="Espace réservé de l'image des diapositives 1"/>
+          <p:cNvSpPr>
+            <a:spLocks noGrp="1" noRot="1" noChangeAspect="1"/>
+          </p:cNvSpPr>
+          <p:nvPr>
+            <p:ph type="sldImg"/>
+          </p:nvPr>
+        </p:nvSpPr>
+        <p:spPr/>
+      </p:sp>
+      <p:sp>
+        <p:nvSpPr>
+          <p:cNvPr id="3" name="Espace réservé des notes 2"/>
+          <p:cNvSpPr>
+            <a:spLocks noGrp="1"/>
+          </p:cNvSpPr>
+          <p:nvPr>
+            <p:ph type="body" idx="1"/>
+          </p:nvPr>
+        </p:nvSpPr>
+        <p:spPr/>
+        <p:txBody>
+          <a:bodyPr/>
+          <a:lstStyle/>
+          <a:p>
+            <a:r>
+              <a:rPr lang="fr-CH" dirty="0"/>
+              <a:t>Il leur faudra 2 ans pour que la première ligne de tri soit mise en place.</a:t>
+            </a:r>
+          </a:p>
+          <a:p>
+            <a:endParaRPr lang="fr-CH" dirty="0"/>
+          </a:p>
+          <a:p>
+            <a:r>
+              <a:rPr lang="fr-CH" dirty="0"/>
+              <a:t>Ligne de tri, c’est </a:t>
+            </a:r>
+            <a:r>
+              <a:rPr lang="fr-CH" b="1" dirty="0"/>
+              <a:t>l’ensemble des tapis </a:t>
+            </a:r>
+            <a:r>
+              <a:rPr lang="fr-CH" dirty="0"/>
+              <a:t>roulant avec le module de tri.</a:t>
+            </a:r>
+          </a:p>
+          <a:p>
+            <a:endParaRPr lang="fr-CH" dirty="0"/>
+          </a:p>
+          <a:p>
+            <a:r>
+              <a:rPr lang="fr-CH" dirty="0"/>
+              <a:t>Installée chez </a:t>
+            </a:r>
+            <a:r>
+              <a:rPr lang="fr-CH" b="1" dirty="0"/>
+              <a:t>Stoll</a:t>
+            </a:r>
+            <a:r>
+              <a:rPr lang="fr-CH" dirty="0"/>
+              <a:t> / Entreprise </a:t>
+            </a:r>
+            <a:r>
+              <a:rPr lang="fr-CH" b="1" i="0" dirty="0">
+                <a:solidFill>
+                  <a:srgbClr val="000000"/>
+                </a:solidFill>
+                <a:effectLst/>
+                <a:latin typeface="Roboto Slab" pitchFamily="2" charset="0"/>
+              </a:rPr>
+              <a:t>maraîchère et familiale à </a:t>
+            </a:r>
+            <a:r>
+              <a:rPr lang="fr-CH" b="1" i="0" dirty="0" err="1">
+                <a:solidFill>
+                  <a:srgbClr val="000000"/>
+                </a:solidFill>
+                <a:effectLst/>
+                <a:latin typeface="Roboto Slab" pitchFamily="2" charset="0"/>
+              </a:rPr>
+              <a:t>Montany</a:t>
+            </a:r>
+            <a:r>
+              <a:rPr lang="fr-CH" b="0" i="0" dirty="0">
+                <a:solidFill>
+                  <a:srgbClr val="000000"/>
+                </a:solidFill>
+                <a:effectLst/>
+                <a:latin typeface="Roboto Slab" pitchFamily="2" charset="0"/>
+              </a:rPr>
+              <a:t>, donc de l’autre coté d’Yverdon. </a:t>
+            </a:r>
+            <a:endParaRPr lang="fr-CH" dirty="0"/>
+          </a:p>
+        </p:txBody>
+      </p:sp>
+      <p:sp>
+        <p:nvSpPr>
+          <p:cNvPr id="4" name="Espace réservé du numéro de diapositive 3"/>
+          <p:cNvSpPr>
+            <a:spLocks noGrp="1"/>
+          </p:cNvSpPr>
+          <p:nvPr>
+            <p:ph type="sldNum" sz="quarter" idx="5"/>
+          </p:nvPr>
+        </p:nvSpPr>
+        <p:spPr/>
+        <p:txBody>
+          <a:bodyPr/>
+          <a:lstStyle/>
+          <a:p>
+            <a:fld id="{885FBAA3-9B9B-45F3-9C62-7189013B6E0E}" type="slidenum">
+              <a:rPr lang="fr-CH" smtClean="0"/>
+              <a:t>5</a:t>
+            </a:fld>
+            <a:endParaRPr lang="fr-CH"/>
+          </a:p>
+        </p:txBody>
+      </p:sp>
+    </p:spTree>
+    <p:extLst>
+      <p:ext uri="{BB962C8B-B14F-4D97-AF65-F5344CB8AC3E}">
+        <p14:creationId xmlns:p14="http://schemas.microsoft.com/office/powerpoint/2010/main" val="1314636669"/>
+      </p:ext>
+    </p:extLst>
+  </p:cSld>
+  <p:clrMapOvr>
+    <a:masterClrMapping/>
+  </p:clrMapOvr>
+</p:notes>
+</file>
+
+<file path=ppt/notesSlides/notesSlide6.xml><?xml version="1.0" encoding="utf-8"?>
+<p:notes xmlns:a="http://schemas.openxmlformats.org/drawingml/2006/main" xmlns:r="http://schemas.openxmlformats.org/officeDocument/2006/relationships" xmlns:p="http://schemas.openxmlformats.org/presentationml/2006/main">
+  <p:cSld>
+    <p:spTree>
+      <p:nvGrpSpPr>
+        <p:cNvPr id="1" name=""/>
+        <p:cNvGrpSpPr/>
+        <p:nvPr/>
+      </p:nvGrpSpPr>
+      <p:grpSpPr>
+        <a:xfrm>
+          <a:off x="0" y="0"/>
+          <a:ext cx="0" cy="0"/>
+          <a:chOff x="0" y="0"/>
+          <a:chExt cx="0" cy="0"/>
+        </a:xfrm>
+      </p:grpSpPr>
+      <p:sp>
+        <p:nvSpPr>
+          <p:cNvPr id="2" name="Espace réservé de l'image des diapositives 1"/>
+          <p:cNvSpPr>
+            <a:spLocks noGrp="1" noRot="1" noChangeAspect="1"/>
+          </p:cNvSpPr>
+          <p:nvPr>
+            <p:ph type="sldImg"/>
+          </p:nvPr>
+        </p:nvSpPr>
+        <p:spPr/>
+      </p:sp>
+      <p:sp>
+        <p:nvSpPr>
+          <p:cNvPr id="3" name="Espace réservé des notes 2"/>
+          <p:cNvSpPr>
+            <a:spLocks noGrp="1"/>
+          </p:cNvSpPr>
+          <p:nvPr>
+            <p:ph type="body" idx="1"/>
+          </p:nvPr>
+        </p:nvSpPr>
+        <p:spPr/>
+        <p:txBody>
+          <a:bodyPr/>
+          <a:lstStyle/>
+          <a:p>
+            <a:r>
+              <a:rPr lang="fr-CH" dirty="0"/>
+              <a:t>Pendant 5 ans, ils ont </a:t>
+            </a:r>
+            <a:r>
+              <a:rPr lang="fr-CH" b="1" dirty="0"/>
+              <a:t>continué à développer </a:t>
+            </a:r>
+            <a:r>
+              <a:rPr lang="fr-CH" dirty="0"/>
+              <a:t>et à améliorer le tilleur à carotte.</a:t>
+            </a:r>
+          </a:p>
+          <a:p>
+            <a:endParaRPr lang="fr-CH" dirty="0"/>
+          </a:p>
+          <a:p>
+            <a:r>
+              <a:rPr lang="fr-CH" dirty="0"/>
+              <a:t>Mais ils ont aussi développer une version pour triller les </a:t>
+            </a:r>
+            <a:r>
+              <a:rPr lang="fr-CH" b="1" dirty="0"/>
+              <a:t>patates</a:t>
+            </a:r>
+            <a:r>
+              <a:rPr lang="fr-CH" dirty="0"/>
+              <a:t>. Du non de SORTOP </a:t>
+            </a:r>
+            <a:r>
+              <a:rPr lang="fr-CH" dirty="0" err="1"/>
+              <a:t>Potatoes</a:t>
+            </a:r>
+            <a:r>
+              <a:rPr lang="fr-CH" dirty="0"/>
+              <a:t>.</a:t>
+            </a:r>
+          </a:p>
+          <a:p>
+            <a:endParaRPr lang="fr-CH" dirty="0"/>
+          </a:p>
+          <a:p>
+            <a:endParaRPr lang="fr-CH" dirty="0"/>
+          </a:p>
+        </p:txBody>
+      </p:sp>
+      <p:sp>
+        <p:nvSpPr>
+          <p:cNvPr id="4" name="Espace réservé du numéro de diapositive 3"/>
+          <p:cNvSpPr>
+            <a:spLocks noGrp="1"/>
+          </p:cNvSpPr>
+          <p:nvPr>
+            <p:ph type="sldNum" sz="quarter" idx="5"/>
+          </p:nvPr>
+        </p:nvSpPr>
+        <p:spPr/>
+        <p:txBody>
+          <a:bodyPr/>
+          <a:lstStyle/>
+          <a:p>
+            <a:fld id="{885FBAA3-9B9B-45F3-9C62-7189013B6E0E}" type="slidenum">
+              <a:rPr lang="fr-CH" smtClean="0"/>
+              <a:t>6</a:t>
+            </a:fld>
+            <a:endParaRPr lang="fr-CH"/>
+          </a:p>
+        </p:txBody>
+      </p:sp>
+    </p:spTree>
+    <p:extLst>
+      <p:ext uri="{BB962C8B-B14F-4D97-AF65-F5344CB8AC3E}">
+        <p14:creationId xmlns:p14="http://schemas.microsoft.com/office/powerpoint/2010/main" val="2760376975"/>
+      </p:ext>
+    </p:extLst>
+  </p:cSld>
+  <p:clrMapOvr>
+    <a:masterClrMapping/>
+  </p:clrMapOvr>
+</p:notes>
+</file>
+
+<file path=ppt/notesSlides/notesSlide7.xml><?xml version="1.0" encoding="utf-8"?>
+<p:notes xmlns:a="http://schemas.openxmlformats.org/drawingml/2006/main" xmlns:r="http://schemas.openxmlformats.org/officeDocument/2006/relationships" xmlns:p="http://schemas.openxmlformats.org/presentationml/2006/main">
+  <p:cSld>
+    <p:spTree>
+      <p:nvGrpSpPr>
+        <p:cNvPr id="1" name=""/>
+        <p:cNvGrpSpPr/>
+        <p:nvPr/>
+      </p:nvGrpSpPr>
+      <p:grpSpPr>
+        <a:xfrm>
+          <a:off x="0" y="0"/>
+          <a:ext cx="0" cy="0"/>
+          <a:chOff x="0" y="0"/>
+          <a:chExt cx="0" cy="0"/>
+        </a:xfrm>
+      </p:grpSpPr>
+      <p:sp>
+        <p:nvSpPr>
+          <p:cNvPr id="2" name="Espace réservé de l'image des diapositives 1"/>
+          <p:cNvSpPr>
+            <a:spLocks noGrp="1" noRot="1" noChangeAspect="1"/>
+          </p:cNvSpPr>
+          <p:nvPr>
+            <p:ph type="sldImg"/>
+          </p:nvPr>
+        </p:nvSpPr>
+        <p:spPr/>
+      </p:sp>
+      <p:sp>
+        <p:nvSpPr>
+          <p:cNvPr id="3" name="Espace réservé des notes 2"/>
+          <p:cNvSpPr>
+            <a:spLocks noGrp="1"/>
+          </p:cNvSpPr>
+          <p:nvPr>
+            <p:ph type="body" idx="1"/>
+          </p:nvPr>
+        </p:nvSpPr>
+        <p:spPr/>
+        <p:txBody>
+          <a:bodyPr/>
+          <a:lstStyle/>
+          <a:p>
+            <a:r>
+              <a:rPr lang="fr-CH" dirty="0"/>
+              <a:t>En 2018 après </a:t>
+            </a:r>
+            <a:r>
+              <a:rPr lang="fr-CH" b="1" dirty="0"/>
+              <a:t>10ans</a:t>
+            </a:r>
+            <a:r>
+              <a:rPr lang="fr-CH" dirty="0"/>
+              <a:t> de développement plus de </a:t>
+            </a:r>
+            <a:r>
+              <a:rPr lang="fr-CH" b="1" dirty="0"/>
+              <a:t>200 versions  </a:t>
+            </a:r>
+            <a:r>
+              <a:rPr lang="fr-CH" dirty="0"/>
+              <a:t>de la ligne, </a:t>
+            </a:r>
+            <a:r>
+              <a:rPr lang="fr-CH" dirty="0" err="1"/>
+              <a:t>Visar</a:t>
+            </a:r>
+            <a:r>
+              <a:rPr lang="fr-CH" dirty="0"/>
+              <a:t> fête ses 100 lignes installée chez des clients.</a:t>
+            </a:r>
+          </a:p>
+        </p:txBody>
+      </p:sp>
+      <p:sp>
+        <p:nvSpPr>
+          <p:cNvPr id="4" name="Espace réservé du numéro de diapositive 3"/>
+          <p:cNvSpPr>
+            <a:spLocks noGrp="1"/>
+          </p:cNvSpPr>
+          <p:nvPr>
+            <p:ph type="sldNum" sz="quarter" idx="5"/>
+          </p:nvPr>
+        </p:nvSpPr>
+        <p:spPr/>
+        <p:txBody>
+          <a:bodyPr/>
+          <a:lstStyle/>
+          <a:p>
+            <a:fld id="{885FBAA3-9B9B-45F3-9C62-7189013B6E0E}" type="slidenum">
+              <a:rPr lang="fr-CH" smtClean="0"/>
+              <a:t>7</a:t>
+            </a:fld>
+            <a:endParaRPr lang="fr-CH"/>
+          </a:p>
+        </p:txBody>
+      </p:sp>
+    </p:spTree>
+    <p:extLst>
+      <p:ext uri="{BB962C8B-B14F-4D97-AF65-F5344CB8AC3E}">
+        <p14:creationId xmlns:p14="http://schemas.microsoft.com/office/powerpoint/2010/main" val="495821559"/>
+      </p:ext>
+    </p:extLst>
+  </p:cSld>
+  <p:clrMapOvr>
+    <a:masterClrMapping/>
+  </p:clrMapOvr>
+</p:notes>
+</file>
+
+<file path=ppt/notesSlides/notesSlide8.xml><?xml version="1.0" encoding="utf-8"?>
+<p:notes xmlns:a="http://schemas.openxmlformats.org/drawingml/2006/main" xmlns:r="http://schemas.openxmlformats.org/officeDocument/2006/relationships" xmlns:p="http://schemas.openxmlformats.org/presentationml/2006/main">
+  <p:cSld>
+    <p:spTree>
+      <p:nvGrpSpPr>
+        <p:cNvPr id="1" name=""/>
+        <p:cNvGrpSpPr/>
+        <p:nvPr/>
+      </p:nvGrpSpPr>
+      <p:grpSpPr>
+        <a:xfrm>
+          <a:off x="0" y="0"/>
+          <a:ext cx="0" cy="0"/>
+          <a:chOff x="0" y="0"/>
+          <a:chExt cx="0" cy="0"/>
+        </a:xfrm>
+      </p:grpSpPr>
+      <p:sp>
+        <p:nvSpPr>
+          <p:cNvPr id="2" name="Espace réservé de l'image des diapositives 1"/>
+          <p:cNvSpPr>
+            <a:spLocks noGrp="1" noRot="1" noChangeAspect="1"/>
+          </p:cNvSpPr>
+          <p:nvPr>
+            <p:ph type="sldImg"/>
+          </p:nvPr>
+        </p:nvSpPr>
+        <p:spPr/>
+      </p:sp>
+      <p:sp>
+        <p:nvSpPr>
+          <p:cNvPr id="3" name="Espace réservé des notes 2"/>
+          <p:cNvSpPr>
+            <a:spLocks noGrp="1"/>
+          </p:cNvSpPr>
+          <p:nvPr>
+            <p:ph type="body" idx="1"/>
+          </p:nvPr>
+        </p:nvSpPr>
+        <p:spPr/>
+        <p:txBody>
+          <a:bodyPr/>
+          <a:lstStyle/>
+          <a:p>
+            <a:r>
+              <a:rPr lang="fr-CH" dirty="0"/>
+              <a:t>Aujourd’hui, </a:t>
+            </a:r>
+            <a:r>
+              <a:rPr lang="fr-CH" dirty="0" err="1"/>
+              <a:t>Visar</a:t>
+            </a:r>
+            <a:r>
+              <a:rPr lang="fr-CH" dirty="0"/>
+              <a:t> </a:t>
+            </a:r>
+            <a:r>
+              <a:rPr lang="fr-CH" dirty="0" err="1"/>
+              <a:t>sorting</a:t>
+            </a:r>
+            <a:r>
+              <a:rPr lang="fr-CH" dirty="0"/>
+              <a:t> vend ses tilleur optique dans </a:t>
+            </a:r>
+            <a:r>
+              <a:rPr lang="fr-CH" b="1" dirty="0"/>
+              <a:t>le monde entier</a:t>
+            </a:r>
+            <a:r>
+              <a:rPr lang="fr-CH" dirty="0"/>
+              <a:t>.</a:t>
+            </a:r>
+          </a:p>
+          <a:p>
+            <a:endParaRPr lang="fr-CH" dirty="0"/>
+          </a:p>
+          <a:p>
+            <a:r>
+              <a:rPr lang="fr-CH" dirty="0"/>
+              <a:t>Avec une production d’environ </a:t>
+            </a:r>
+            <a:r>
+              <a:rPr lang="fr-CH" b="1" dirty="0"/>
+              <a:t>6</a:t>
+            </a:r>
+            <a:r>
+              <a:rPr lang="fr-CH" dirty="0"/>
+              <a:t> machine par mois.</a:t>
+            </a:r>
+          </a:p>
+          <a:p>
+            <a:endParaRPr lang="fr-CH" dirty="0"/>
+          </a:p>
+          <a:p>
+            <a:r>
+              <a:rPr lang="fr-CH" dirty="0"/>
+              <a:t>Mais avec certaine </a:t>
+            </a:r>
+            <a:r>
+              <a:rPr lang="fr-CH" b="1" dirty="0"/>
+              <a:t>difficulté</a:t>
+            </a:r>
+            <a:r>
+              <a:rPr lang="fr-CH" dirty="0"/>
+              <a:t>, comme celle lié a </a:t>
+            </a:r>
+            <a:r>
+              <a:rPr lang="fr-CH" b="1" dirty="0"/>
+              <a:t>l’approvisionnement</a:t>
+            </a:r>
+            <a:r>
+              <a:rPr lang="fr-CH" dirty="0"/>
+              <a:t> des pièces électriques. Ou aux manque </a:t>
+            </a:r>
+            <a:r>
+              <a:rPr lang="fr-CH" b="1" dirty="0"/>
+              <a:t>d’</a:t>
+            </a:r>
+            <a:r>
+              <a:rPr lang="fr-CH" b="1" dirty="0" err="1"/>
+              <a:t>emploier</a:t>
+            </a:r>
+            <a:r>
+              <a:rPr lang="fr-CH" b="1" dirty="0"/>
+              <a:t> et de place</a:t>
+            </a:r>
+            <a:r>
+              <a:rPr lang="fr-CH" dirty="0"/>
+              <a:t>.</a:t>
+            </a:r>
+          </a:p>
+        </p:txBody>
+      </p:sp>
+      <p:sp>
+        <p:nvSpPr>
+          <p:cNvPr id="4" name="Espace réservé du numéro de diapositive 3"/>
+          <p:cNvSpPr>
+            <a:spLocks noGrp="1"/>
+          </p:cNvSpPr>
+          <p:nvPr>
+            <p:ph type="sldNum" sz="quarter" idx="5"/>
+          </p:nvPr>
+        </p:nvSpPr>
+        <p:spPr/>
+        <p:txBody>
+          <a:bodyPr/>
+          <a:lstStyle/>
+          <a:p>
+            <a:fld id="{885FBAA3-9B9B-45F3-9C62-7189013B6E0E}" type="slidenum">
+              <a:rPr lang="fr-CH" smtClean="0"/>
+              <a:t>8</a:t>
+            </a:fld>
+            <a:endParaRPr lang="fr-CH"/>
+          </a:p>
+        </p:txBody>
+      </p:sp>
+    </p:spTree>
+    <p:extLst>
+      <p:ext uri="{BB962C8B-B14F-4D97-AF65-F5344CB8AC3E}">
+        <p14:creationId xmlns:p14="http://schemas.microsoft.com/office/powerpoint/2010/main" val="3117172438"/>
+      </p:ext>
+    </p:extLst>
+  </p:cSld>
+  <p:clrMapOvr>
+    <a:masterClrMapping/>
+  </p:clrMapOvr>
+</p:notes>
+</file>
+
+<file path=ppt/notesSlides/notesSlide9.xml><?xml version="1.0" encoding="utf-8"?>
+<p:notes xmlns:a="http://schemas.openxmlformats.org/drawingml/2006/main" xmlns:r="http://schemas.openxmlformats.org/officeDocument/2006/relationships" xmlns:p="http://schemas.openxmlformats.org/presentationml/2006/main">
+  <p:cSld>
+    <p:spTree>
+      <p:nvGrpSpPr>
+        <p:cNvPr id="1" name=""/>
+        <p:cNvGrpSpPr/>
+        <p:nvPr/>
+      </p:nvGrpSpPr>
+      <p:grpSpPr>
+        <a:xfrm>
+          <a:off x="0" y="0"/>
+          <a:ext cx="0" cy="0"/>
+          <a:chOff x="0" y="0"/>
+          <a:chExt cx="0" cy="0"/>
+        </a:xfrm>
+      </p:grpSpPr>
+      <p:sp>
+        <p:nvSpPr>
+          <p:cNvPr id="2" name="Espace réservé de l'image des diapositives 1"/>
+          <p:cNvSpPr>
+            <a:spLocks noGrp="1" noRot="1" noChangeAspect="1"/>
+          </p:cNvSpPr>
+          <p:nvPr>
+            <p:ph type="sldImg"/>
+          </p:nvPr>
+        </p:nvSpPr>
+        <p:spPr/>
+      </p:sp>
+      <p:sp>
+        <p:nvSpPr>
+          <p:cNvPr id="3" name="Espace réservé des notes 2"/>
+          <p:cNvSpPr>
+            <a:spLocks noGrp="1"/>
+          </p:cNvSpPr>
+          <p:nvPr>
+            <p:ph type="body" idx="1"/>
+          </p:nvPr>
+        </p:nvSpPr>
+        <p:spPr/>
+        <p:txBody>
+          <a:bodyPr/>
+          <a:lstStyle/>
+          <a:p>
+            <a:r>
+              <a:rPr lang="fr-CH" dirty="0"/>
+              <a:t>Avant de conclure et de vous expliquer pourquoi j’ai choisi ce thème, je souhaitais quand même vous montrer à quoi </a:t>
+            </a:r>
+            <a:r>
+              <a:rPr lang="fr-CH" b="1" dirty="0"/>
+              <a:t>ressemble</a:t>
+            </a:r>
+            <a:r>
+              <a:rPr lang="fr-CH" dirty="0"/>
+              <a:t> cette machine.</a:t>
+            </a:r>
+          </a:p>
+          <a:p>
+            <a:endParaRPr lang="fr-CH" dirty="0"/>
+          </a:p>
+          <a:p>
+            <a:r>
+              <a:rPr lang="fr-CH" dirty="0"/>
+              <a:t>Vous avez donc sous les yeux, une </a:t>
+            </a:r>
+            <a:r>
+              <a:rPr lang="fr-CH" dirty="0" err="1"/>
+              <a:t>Sortop</a:t>
+            </a:r>
+            <a:r>
+              <a:rPr lang="fr-CH" dirty="0"/>
+              <a:t> </a:t>
+            </a:r>
+            <a:r>
+              <a:rPr lang="fr-CH" b="1" dirty="0"/>
+              <a:t>carotte </a:t>
+            </a:r>
+            <a:r>
+              <a:rPr lang="fr-CH" dirty="0"/>
+              <a:t>avec </a:t>
+            </a:r>
+            <a:r>
+              <a:rPr lang="fr-CH" b="1" dirty="0"/>
+              <a:t>14</a:t>
+            </a:r>
+            <a:r>
+              <a:rPr lang="fr-CH" dirty="0"/>
+              <a:t> sorties.</a:t>
+            </a:r>
+          </a:p>
+          <a:p>
+            <a:endParaRPr lang="fr-CH" dirty="0"/>
+          </a:p>
+          <a:p>
+            <a:r>
+              <a:rPr lang="fr-CH" dirty="0"/>
+              <a:t>En sachant que ça peut aller jusqu’à 24 sortie. Et 6 pour les patates.</a:t>
+            </a:r>
+          </a:p>
+          <a:p>
+            <a:endParaRPr lang="fr-CH" dirty="0"/>
+          </a:p>
+          <a:p>
+            <a:r>
+              <a:rPr lang="fr-CH" dirty="0"/>
+              <a:t>Je n’aie </a:t>
+            </a:r>
+            <a:r>
+              <a:rPr lang="fr-CH" b="1" dirty="0"/>
+              <a:t>pas le temps</a:t>
+            </a:r>
+            <a:r>
+              <a:rPr lang="fr-CH" dirty="0"/>
+              <a:t> de vous en montré plus a mon plus grand regret mais vous pouvez si vous le souhaiter aller voir leur </a:t>
+            </a:r>
+            <a:r>
+              <a:rPr lang="fr-CH" b="1" dirty="0"/>
+              <a:t>site web</a:t>
+            </a:r>
+            <a:r>
+              <a:rPr lang="fr-CH" dirty="0"/>
+              <a:t> ou sur </a:t>
+            </a:r>
+            <a:r>
+              <a:rPr lang="fr-CH" b="1" dirty="0" err="1"/>
+              <a:t>Youtube</a:t>
+            </a:r>
+            <a:r>
+              <a:rPr lang="fr-CH" dirty="0"/>
+              <a:t>.</a:t>
+            </a:r>
+          </a:p>
+        </p:txBody>
+      </p:sp>
+      <p:sp>
+        <p:nvSpPr>
+          <p:cNvPr id="4" name="Espace réservé du numéro de diapositive 3"/>
+          <p:cNvSpPr>
+            <a:spLocks noGrp="1"/>
+          </p:cNvSpPr>
+          <p:nvPr>
+            <p:ph type="sldNum" sz="quarter" idx="5"/>
+          </p:nvPr>
+        </p:nvSpPr>
+        <p:spPr/>
+        <p:txBody>
+          <a:bodyPr/>
+          <a:lstStyle/>
+          <a:p>
+            <a:fld id="{885FBAA3-9B9B-45F3-9C62-7189013B6E0E}" type="slidenum">
+              <a:rPr lang="fr-CH" smtClean="0"/>
+              <a:t>9</a:t>
+            </a:fld>
+            <a:endParaRPr lang="fr-CH"/>
+          </a:p>
+        </p:txBody>
+      </p:sp>
+    </p:spTree>
+    <p:extLst>
+      <p:ext uri="{BB962C8B-B14F-4D97-AF65-F5344CB8AC3E}">
+        <p14:creationId xmlns:p14="http://schemas.microsoft.com/office/powerpoint/2010/main" val="970626006"/>
+      </p:ext>
+    </p:extLst>
+  </p:cSld>
+  <p:clrMapOvr>
+    <a:masterClrMapping/>
+  </p:clrMapOvr>
+</p:notes>
 </file>
 
 <file path=ppt/slideLayouts/slideLayout1.xml><?xml version="1.0" encoding="utf-8"?>
@@ -255,9 +2562,9 @@
           <a:bodyPr/>
           <a:lstStyle/>
           <a:p>
-            <a:fld id="{5555B511-A334-42AF-9A82-8285555C6C9A}" type="datetimeFigureOut">
+            <a:fld id="{3F7EA0A8-0F43-413B-B35F-CD96CA1821E8}" type="datetime1">
               <a:rPr lang="fr-CH" smtClean="0"/>
-              <a:t>14.11.2022</a:t>
+              <a:t>19.12.2022</a:t>
             </a:fld>
             <a:endParaRPr lang="fr-CH"/>
           </a:p>
@@ -284,7 +2591,10 @@
           <a:bodyPr/>
           <a:lstStyle/>
           <a:p>
-            <a:endParaRPr lang="fr-CH"/>
+            <a:r>
+              <a:rPr lang="fr-CH"/>
+              <a:t>Robin Forestier</a:t>
+            </a:r>
           </a:p>
         </p:txBody>
       </p:sp>
@@ -455,9 +2765,9 @@
           <a:bodyPr/>
           <a:lstStyle/>
           <a:p>
-            <a:fld id="{5555B511-A334-42AF-9A82-8285555C6C9A}" type="datetimeFigureOut">
+            <a:fld id="{3085C32B-E967-4FDA-8707-BE8826C97CA7}" type="datetime1">
               <a:rPr lang="fr-CH" smtClean="0"/>
-              <a:t>14.11.2022</a:t>
+              <a:t>19.12.2022</a:t>
             </a:fld>
             <a:endParaRPr lang="fr-CH"/>
           </a:p>
@@ -484,7 +2794,10 @@
           <a:bodyPr/>
           <a:lstStyle/>
           <a:p>
-            <a:endParaRPr lang="fr-CH"/>
+            <a:r>
+              <a:rPr lang="fr-CH"/>
+              <a:t>Robin Forestier</a:t>
+            </a:r>
           </a:p>
         </p:txBody>
       </p:sp>
@@ -665,9 +2978,9 @@
           <a:bodyPr/>
           <a:lstStyle/>
           <a:p>
-            <a:fld id="{5555B511-A334-42AF-9A82-8285555C6C9A}" type="datetimeFigureOut">
+            <a:fld id="{242BEB37-38D6-427C-B3B1-148D077A932C}" type="datetime1">
               <a:rPr lang="fr-CH" smtClean="0"/>
-              <a:t>14.11.2022</a:t>
+              <a:t>19.12.2022</a:t>
             </a:fld>
             <a:endParaRPr lang="fr-CH"/>
           </a:p>
@@ -694,7 +3007,10 @@
           <a:bodyPr/>
           <a:lstStyle/>
           <a:p>
-            <a:endParaRPr lang="fr-CH"/>
+            <a:r>
+              <a:rPr lang="fr-CH"/>
+              <a:t>Robin Forestier</a:t>
+            </a:r>
           </a:p>
         </p:txBody>
       </p:sp>
@@ -865,9 +3181,9 @@
           <a:bodyPr/>
           <a:lstStyle/>
           <a:p>
-            <a:fld id="{5555B511-A334-42AF-9A82-8285555C6C9A}" type="datetimeFigureOut">
+            <a:fld id="{65B71BBB-B10A-43B2-8E29-508D800AB9CA}" type="datetime1">
               <a:rPr lang="fr-CH" smtClean="0"/>
-              <a:t>14.11.2022</a:t>
+              <a:t>19.12.2022</a:t>
             </a:fld>
             <a:endParaRPr lang="fr-CH"/>
           </a:p>
@@ -894,7 +3210,10 @@
           <a:bodyPr/>
           <a:lstStyle/>
           <a:p>
-            <a:endParaRPr lang="fr-CH"/>
+            <a:r>
+              <a:rPr lang="fr-CH"/>
+              <a:t>Robin Forestier</a:t>
+            </a:r>
           </a:p>
         </p:txBody>
       </p:sp>
@@ -1141,9 +3460,9 @@
           <a:bodyPr/>
           <a:lstStyle/>
           <a:p>
-            <a:fld id="{5555B511-A334-42AF-9A82-8285555C6C9A}" type="datetimeFigureOut">
+            <a:fld id="{80B9EDD8-FE5C-430F-AA5D-ED6F2FAF02E8}" type="datetime1">
               <a:rPr lang="fr-CH" smtClean="0"/>
-              <a:t>14.11.2022</a:t>
+              <a:t>19.12.2022</a:t>
             </a:fld>
             <a:endParaRPr lang="fr-CH"/>
           </a:p>
@@ -1170,7 +3489,10 @@
           <a:bodyPr/>
           <a:lstStyle/>
           <a:p>
-            <a:endParaRPr lang="fr-CH"/>
+            <a:r>
+              <a:rPr lang="fr-CH"/>
+              <a:t>Robin Forestier</a:t>
+            </a:r>
           </a:p>
         </p:txBody>
       </p:sp>
@@ -1409,9 +3731,9 @@
           <a:bodyPr/>
           <a:lstStyle/>
           <a:p>
-            <a:fld id="{5555B511-A334-42AF-9A82-8285555C6C9A}" type="datetimeFigureOut">
+            <a:fld id="{580D34AB-A65D-41A6-BE5E-1EE8BCAD278F}" type="datetime1">
               <a:rPr lang="fr-CH" smtClean="0"/>
-              <a:t>14.11.2022</a:t>
+              <a:t>19.12.2022</a:t>
             </a:fld>
             <a:endParaRPr lang="fr-CH"/>
           </a:p>
@@ -1438,7 +3760,10 @@
           <a:bodyPr/>
           <a:lstStyle/>
           <a:p>
-            <a:endParaRPr lang="fr-CH"/>
+            <a:r>
+              <a:rPr lang="fr-CH"/>
+              <a:t>Robin Forestier</a:t>
+            </a:r>
           </a:p>
         </p:txBody>
       </p:sp>
@@ -1824,9 +4149,9 @@
           <a:bodyPr/>
           <a:lstStyle/>
           <a:p>
-            <a:fld id="{5555B511-A334-42AF-9A82-8285555C6C9A}" type="datetimeFigureOut">
+            <a:fld id="{8D696909-3336-4F9D-9B7A-8D6EE4D56BF1}" type="datetime1">
               <a:rPr lang="fr-CH" smtClean="0"/>
-              <a:t>14.11.2022</a:t>
+              <a:t>19.12.2022</a:t>
             </a:fld>
             <a:endParaRPr lang="fr-CH"/>
           </a:p>
@@ -1853,7 +4178,10 @@
           <a:bodyPr/>
           <a:lstStyle/>
           <a:p>
-            <a:endParaRPr lang="fr-CH"/>
+            <a:r>
+              <a:rPr lang="fr-CH"/>
+              <a:t>Robin Forestier</a:t>
+            </a:r>
           </a:p>
         </p:txBody>
       </p:sp>
@@ -1966,9 +4294,9 @@
           <a:bodyPr/>
           <a:lstStyle/>
           <a:p>
-            <a:fld id="{5555B511-A334-42AF-9A82-8285555C6C9A}" type="datetimeFigureOut">
+            <a:fld id="{905E9D47-3DE6-4ED0-949F-FA5104D0F032}" type="datetime1">
               <a:rPr lang="fr-CH" smtClean="0"/>
-              <a:t>14.11.2022</a:t>
+              <a:t>19.12.2022</a:t>
             </a:fld>
             <a:endParaRPr lang="fr-CH"/>
           </a:p>
@@ -1995,7 +4323,10 @@
           <a:bodyPr/>
           <a:lstStyle/>
           <a:p>
-            <a:endParaRPr lang="fr-CH"/>
+            <a:r>
+              <a:rPr lang="fr-CH"/>
+              <a:t>Robin Forestier</a:t>
+            </a:r>
           </a:p>
         </p:txBody>
       </p:sp>
@@ -2079,9 +4410,9 @@
           <a:bodyPr/>
           <a:lstStyle/>
           <a:p>
-            <a:fld id="{5555B511-A334-42AF-9A82-8285555C6C9A}" type="datetimeFigureOut">
+            <a:fld id="{2E289852-F432-4BF3-937D-6A268F11F4D7}" type="datetime1">
               <a:rPr lang="fr-CH" smtClean="0"/>
-              <a:t>14.11.2022</a:t>
+              <a:t>19.12.2022</a:t>
             </a:fld>
             <a:endParaRPr lang="fr-CH"/>
           </a:p>
@@ -2108,7 +4439,10 @@
           <a:bodyPr/>
           <a:lstStyle/>
           <a:p>
-            <a:endParaRPr lang="fr-CH"/>
+            <a:r>
+              <a:rPr lang="fr-CH"/>
+              <a:t>Robin Forestier</a:t>
+            </a:r>
           </a:p>
         </p:txBody>
       </p:sp>
@@ -2392,9 +4726,9 @@
           <a:bodyPr/>
           <a:lstStyle/>
           <a:p>
-            <a:fld id="{5555B511-A334-42AF-9A82-8285555C6C9A}" type="datetimeFigureOut">
+            <a:fld id="{8F28A7A1-13A7-4347-BD59-92607F9A4EF1}" type="datetime1">
               <a:rPr lang="fr-CH" smtClean="0"/>
-              <a:t>14.11.2022</a:t>
+              <a:t>19.12.2022</a:t>
             </a:fld>
             <a:endParaRPr lang="fr-CH"/>
           </a:p>
@@ -2421,7 +4755,10 @@
           <a:bodyPr/>
           <a:lstStyle/>
           <a:p>
-            <a:endParaRPr lang="fr-CH"/>
+            <a:r>
+              <a:rPr lang="fr-CH"/>
+              <a:t>Robin Forestier</a:t>
+            </a:r>
           </a:p>
         </p:txBody>
       </p:sp>
@@ -2681,9 +5018,9 @@
           <a:bodyPr/>
           <a:lstStyle/>
           <a:p>
-            <a:fld id="{5555B511-A334-42AF-9A82-8285555C6C9A}" type="datetimeFigureOut">
+            <a:fld id="{D3133232-3F13-4289-9EC9-86398F02B907}" type="datetime1">
               <a:rPr lang="fr-CH" smtClean="0"/>
-              <a:t>14.11.2022</a:t>
+              <a:t>19.12.2022</a:t>
             </a:fld>
             <a:endParaRPr lang="fr-CH"/>
           </a:p>
@@ -2710,7 +5047,10 @@
           <a:bodyPr/>
           <a:lstStyle/>
           <a:p>
-            <a:endParaRPr lang="fr-CH"/>
+            <a:r>
+              <a:rPr lang="fr-CH"/>
+              <a:t>Robin Forestier</a:t>
+            </a:r>
           </a:p>
         </p:txBody>
       </p:sp>
@@ -2924,9 +5264,9 @@
             </a:lvl1pPr>
           </a:lstStyle>
           <a:p>
-            <a:fld id="{5555B511-A334-42AF-9A82-8285555C6C9A}" type="datetimeFigureOut">
+            <a:fld id="{A749D938-F63E-42F1-A65E-A29739D1FF7A}" type="datetime1">
               <a:rPr lang="fr-CH" smtClean="0"/>
-              <a:t>14.11.2022</a:t>
+              <a:t>19.12.2022</a:t>
             </a:fld>
             <a:endParaRPr lang="fr-CH"/>
           </a:p>
@@ -2971,7 +5311,10 @@
             </a:lvl1pPr>
           </a:lstStyle>
           <a:p>
-            <a:endParaRPr lang="fr-CH"/>
+            <a:r>
+              <a:rPr lang="fr-CH"/>
+              <a:t>Robin Forestier</a:t>
+            </a:r>
           </a:p>
         </p:txBody>
       </p:sp>
@@ -3043,6 +5386,7 @@
     <p:sldLayoutId id="2147483658" r:id="rId10"/>
     <p:sldLayoutId id="2147483659" r:id="rId11"/>
   </p:sldLayoutIdLst>
+  <p:hf hdr="0" dt="0"/>
   <p:txStyles>
     <p:titleStyle>
       <a:lvl1pPr algn="l" defTabSz="914400" rtl="0" eaLnBrk="1" latinLnBrk="0" hangingPunct="1">
@@ -3357,7 +5701,7 @@
         </p:nvSpPr>
         <p:spPr>
           <a:xfrm>
-            <a:off x="652074" y="1922016"/>
+            <a:off x="652074" y="2468761"/>
             <a:ext cx="10887852" cy="1446550"/>
           </a:xfrm>
           <a:prstGeom prst="rect">
@@ -3400,8 +5744,8 @@
         </p:nvSpPr>
         <p:spPr>
           <a:xfrm>
-            <a:off x="3557324" y="4935984"/>
-            <a:ext cx="5077352" cy="461665"/>
+            <a:off x="3276574" y="4585985"/>
+            <a:ext cx="5638851" cy="523220"/>
           </a:xfrm>
           <a:prstGeom prst="rect">
             <a:avLst/>
@@ -3415,33 +5759,80 @@
           <a:lstStyle/>
           <a:p>
             <a:r>
-              <a:rPr lang="fr-CH" sz="2400" dirty="0"/>
+              <a:rPr lang="fr-CH" sz="2800" dirty="0"/>
               <a:t>O. </a:t>
             </a:r>
             <a:r>
-              <a:rPr lang="fr-CH" sz="2400" dirty="0" err="1"/>
+              <a:rPr lang="fr-CH" sz="2800" dirty="0" err="1"/>
               <a:t>Kleynen</a:t>
             </a:r>
             <a:r>
-              <a:rPr lang="fr-CH" sz="2400" dirty="0"/>
-              <a:t> *, V. </a:t>
-            </a:r>
-            <a:r>
-              <a:rPr lang="fr-CH" sz="2400" dirty="0" err="1"/>
+              <a:rPr lang="fr-CH" sz="2800" dirty="0"/>
+              <a:t>, V. </a:t>
+            </a:r>
+            <a:r>
+              <a:rPr lang="fr-CH" sz="2800" dirty="0" err="1"/>
               <a:t>Leemans</a:t>
             </a:r>
             <a:r>
-              <a:rPr lang="fr-CH" sz="2400" dirty="0"/>
+              <a:rPr lang="fr-CH" sz="2800" dirty="0"/>
               <a:t>, M.-F. </a:t>
             </a:r>
             <a:r>
-              <a:rPr lang="fr-CH" sz="2400" dirty="0" err="1"/>
+              <a:rPr lang="fr-CH" sz="2800" dirty="0" err="1"/>
               <a:t>Destain</a:t>
             </a:r>
-            <a:endParaRPr lang="fr-CH" sz="2400" dirty="0"/>
-          </a:p>
-        </p:txBody>
-      </p:sp>
+            <a:endParaRPr lang="fr-CH" sz="2800" dirty="0"/>
+          </a:p>
+        </p:txBody>
+      </p:sp>
+      <p:pic>
+        <p:nvPicPr>
+          <p:cNvPr id="1026" name="Picture 2">
+            <a:extLst>
+              <a:ext uri="{FF2B5EF4-FFF2-40B4-BE49-F238E27FC236}">
+                <a16:creationId xmlns:a16="http://schemas.microsoft.com/office/drawing/2014/main" id="{21749983-F58D-3D0E-0349-ED958CD03362}"/>
+              </a:ext>
+            </a:extLst>
+          </p:cNvPr>
+          <p:cNvPicPr>
+            <a:picLocks noChangeAspect="1" noChangeArrowheads="1"/>
+          </p:cNvPicPr>
+          <p:nvPr/>
+        </p:nvPicPr>
+        <p:blipFill>
+          <a:blip r:embed="rId3">
+            <a:extLst>
+              <a:ext uri="{28A0092B-C50C-407E-A947-70E740481C1C}">
+                <a14:useLocalDpi xmlns:a14="http://schemas.microsoft.com/office/drawing/2010/main" val="0"/>
+              </a:ext>
+            </a:extLst>
+          </a:blip>
+          <a:srcRect/>
+          <a:stretch>
+            <a:fillRect/>
+          </a:stretch>
+        </p:blipFill>
+        <p:spPr bwMode="auto">
+          <a:xfrm>
+            <a:off x="652074" y="496149"/>
+            <a:ext cx="1348877" cy="1019500"/>
+          </a:xfrm>
+          <a:prstGeom prst="rect">
+            <a:avLst/>
+          </a:prstGeom>
+          <a:noFill/>
+          <a:extLst>
+            <a:ext uri="{909E8E84-426E-40DD-AFC4-6F175D3DCCD1}">
+              <a14:hiddenFill xmlns:a14="http://schemas.microsoft.com/office/drawing/2010/main">
+                <a:solidFill>
+                  <a:srgbClr val="FFFFFF"/>
+                </a:solidFill>
+              </a14:hiddenFill>
+            </a:ext>
+          </a:extLst>
+        </p:spPr>
+      </p:pic>
     </p:spTree>
     <p:extLst>
       <p:ext uri="{BB962C8B-B14F-4D97-AF65-F5344CB8AC3E}">
@@ -3452,6 +5843,899 @@
   <p:clrMapOvr>
     <a:masterClrMapping/>
   </p:clrMapOvr>
+  <mc:AlternateContent xmlns:mc="http://schemas.openxmlformats.org/markup-compatibility/2006" xmlns:p14="http://schemas.microsoft.com/office/powerpoint/2010/main">
+    <mc:Choice Requires="p14">
+      <p:transition spd="slow" p14:dur="2000" advTm="5437"/>
+    </mc:Choice>
+    <mc:Fallback xmlns="">
+      <p:transition spd="slow" advTm="5437"/>
+    </mc:Fallback>
+  </mc:AlternateContent>
+</p:sld>
+</file>
+
+<file path=ppt/slides/slide10.xml><?xml version="1.0" encoding="utf-8"?>
+<p:sld xmlns:a="http://schemas.openxmlformats.org/drawingml/2006/main" xmlns:r="http://schemas.openxmlformats.org/officeDocument/2006/relationships" xmlns:p="http://schemas.openxmlformats.org/presentationml/2006/main">
+  <p:cSld>
+    <p:bg>
+      <p:bgPr>
+        <a:solidFill>
+          <a:schemeClr val="tx1"/>
+        </a:solidFill>
+        <a:effectLst/>
+      </p:bgPr>
+    </p:bg>
+    <p:spTree>
+      <p:nvGrpSpPr>
+        <p:cNvPr id="1" name=""/>
+        <p:cNvGrpSpPr/>
+        <p:nvPr/>
+      </p:nvGrpSpPr>
+      <p:grpSpPr>
+        <a:xfrm>
+          <a:off x="0" y="0"/>
+          <a:ext cx="0" cy="0"/>
+          <a:chOff x="0" y="0"/>
+          <a:chExt cx="0" cy="0"/>
+        </a:xfrm>
+      </p:grpSpPr>
+      <p:sp>
+        <p:nvSpPr>
+          <p:cNvPr id="2" name="Espace réservé du pied de page 1">
+            <a:extLst>
+              <a:ext uri="{FF2B5EF4-FFF2-40B4-BE49-F238E27FC236}">
+                <a16:creationId xmlns:a16="http://schemas.microsoft.com/office/drawing/2014/main" id="{2996F4E8-71F2-1E79-AE71-5F8BC7798125}"/>
+              </a:ext>
+            </a:extLst>
+          </p:cNvPr>
+          <p:cNvSpPr>
+            <a:spLocks noGrp="1"/>
+          </p:cNvSpPr>
+          <p:nvPr>
+            <p:ph type="ftr" sz="quarter" idx="11"/>
+          </p:nvPr>
+        </p:nvSpPr>
+        <p:spPr/>
+        <p:txBody>
+          <a:bodyPr/>
+          <a:lstStyle/>
+          <a:p>
+            <a:r>
+              <a:rPr lang="fr-CH"/>
+              <a:t>Robin Forestier</a:t>
+            </a:r>
+          </a:p>
+        </p:txBody>
+      </p:sp>
+      <p:sp>
+        <p:nvSpPr>
+          <p:cNvPr id="3" name="Espace réservé du numéro de diapositive 2">
+            <a:extLst>
+              <a:ext uri="{FF2B5EF4-FFF2-40B4-BE49-F238E27FC236}">
+                <a16:creationId xmlns:a16="http://schemas.microsoft.com/office/drawing/2014/main" id="{60B0605B-87AA-A611-128B-EBEBCD54E177}"/>
+              </a:ext>
+            </a:extLst>
+          </p:cNvPr>
+          <p:cNvSpPr>
+            <a:spLocks noGrp="1"/>
+          </p:cNvSpPr>
+          <p:nvPr>
+            <p:ph type="sldNum" sz="quarter" idx="12"/>
+          </p:nvPr>
+        </p:nvSpPr>
+        <p:spPr/>
+        <p:txBody>
+          <a:bodyPr/>
+          <a:lstStyle/>
+          <a:p>
+            <a:fld id="{31A1C614-0108-4924-9B4C-0864BD720690}" type="slidenum">
+              <a:rPr lang="fr-CH" smtClean="0"/>
+              <a:t>10</a:t>
+            </a:fld>
+            <a:endParaRPr lang="fr-CH"/>
+          </a:p>
+        </p:txBody>
+      </p:sp>
+    </p:spTree>
+    <p:extLst>
+      <p:ext uri="{BB962C8B-B14F-4D97-AF65-F5344CB8AC3E}">
+        <p14:creationId xmlns:p14="http://schemas.microsoft.com/office/powerpoint/2010/main" val="4085701208"/>
+      </p:ext>
+    </p:extLst>
+  </p:cSld>
+  <p:clrMapOvr>
+    <a:masterClrMapping/>
+  </p:clrMapOvr>
+</p:sld>
+</file>
+
+<file path=ppt/slides/slide11.xml><?xml version="1.0" encoding="utf-8"?>
+<p:sld xmlns:a="http://schemas.openxmlformats.org/drawingml/2006/main" xmlns:r="http://schemas.openxmlformats.org/officeDocument/2006/relationships" xmlns:p="http://schemas.openxmlformats.org/presentationml/2006/main">
+  <p:cSld>
+    <p:spTree>
+      <p:nvGrpSpPr>
+        <p:cNvPr id="1" name=""/>
+        <p:cNvGrpSpPr/>
+        <p:nvPr/>
+      </p:nvGrpSpPr>
+      <p:grpSpPr>
+        <a:xfrm>
+          <a:off x="0" y="0"/>
+          <a:ext cx="0" cy="0"/>
+          <a:chOff x="0" y="0"/>
+          <a:chExt cx="0" cy="0"/>
+        </a:xfrm>
+      </p:grpSpPr>
+      <p:sp>
+        <p:nvSpPr>
+          <p:cNvPr id="2" name="Espace réservé du pied de page 1">
+            <a:extLst>
+              <a:ext uri="{FF2B5EF4-FFF2-40B4-BE49-F238E27FC236}">
+                <a16:creationId xmlns:a16="http://schemas.microsoft.com/office/drawing/2014/main" id="{2996F4E8-71F2-1E79-AE71-5F8BC7798125}"/>
+              </a:ext>
+            </a:extLst>
+          </p:cNvPr>
+          <p:cNvSpPr>
+            <a:spLocks noGrp="1"/>
+          </p:cNvSpPr>
+          <p:nvPr>
+            <p:ph type="ftr" sz="quarter" idx="11"/>
+          </p:nvPr>
+        </p:nvSpPr>
+        <p:spPr/>
+        <p:txBody>
+          <a:bodyPr/>
+          <a:lstStyle/>
+          <a:p>
+            <a:r>
+              <a:rPr lang="fr-CH"/>
+              <a:t>Robin Forestier</a:t>
+            </a:r>
+          </a:p>
+        </p:txBody>
+      </p:sp>
+      <p:sp>
+        <p:nvSpPr>
+          <p:cNvPr id="3" name="Espace réservé du numéro de diapositive 2">
+            <a:extLst>
+              <a:ext uri="{FF2B5EF4-FFF2-40B4-BE49-F238E27FC236}">
+                <a16:creationId xmlns:a16="http://schemas.microsoft.com/office/drawing/2014/main" id="{60B0605B-87AA-A611-128B-EBEBCD54E177}"/>
+              </a:ext>
+            </a:extLst>
+          </p:cNvPr>
+          <p:cNvSpPr>
+            <a:spLocks noGrp="1"/>
+          </p:cNvSpPr>
+          <p:nvPr>
+            <p:ph type="sldNum" sz="quarter" idx="12"/>
+          </p:nvPr>
+        </p:nvSpPr>
+        <p:spPr/>
+        <p:txBody>
+          <a:bodyPr/>
+          <a:lstStyle/>
+          <a:p>
+            <a:fld id="{31A1C614-0108-4924-9B4C-0864BD720690}" type="slidenum">
+              <a:rPr lang="fr-CH" smtClean="0"/>
+              <a:t>11</a:t>
+            </a:fld>
+            <a:endParaRPr lang="fr-CH"/>
+          </a:p>
+        </p:txBody>
+      </p:sp>
+      <p:pic>
+        <p:nvPicPr>
+          <p:cNvPr id="5" name="Image 4">
+            <a:extLst>
+              <a:ext uri="{FF2B5EF4-FFF2-40B4-BE49-F238E27FC236}">
+                <a16:creationId xmlns:a16="http://schemas.microsoft.com/office/drawing/2014/main" id="{CE6D8588-2033-178F-9318-A94566C3C593}"/>
+              </a:ext>
+            </a:extLst>
+          </p:cNvPr>
+          <p:cNvPicPr>
+            <a:picLocks noChangeAspect="1"/>
+          </p:cNvPicPr>
+          <p:nvPr/>
+        </p:nvPicPr>
+        <p:blipFill>
+          <a:blip r:embed="rId3">
+            <a:extLst>
+              <a:ext uri="{28A0092B-C50C-407E-A947-70E740481C1C}">
+                <a14:useLocalDpi xmlns:a14="http://schemas.microsoft.com/office/drawing/2010/main" val="0"/>
+              </a:ext>
+            </a:extLst>
+          </a:blip>
+          <a:stretch>
+            <a:fillRect/>
+          </a:stretch>
+        </p:blipFill>
+        <p:spPr>
+          <a:xfrm>
+            <a:off x="4605408" y="772454"/>
+            <a:ext cx="2981184" cy="5313091"/>
+          </a:xfrm>
+          <a:prstGeom prst="rect">
+            <a:avLst/>
+          </a:prstGeom>
+        </p:spPr>
+      </p:pic>
+      <p:pic>
+        <p:nvPicPr>
+          <p:cNvPr id="6" name="Picture 12" descr="Visar Sorting Sàrl">
+            <a:extLst>
+              <a:ext uri="{FF2B5EF4-FFF2-40B4-BE49-F238E27FC236}">
+                <a16:creationId xmlns:a16="http://schemas.microsoft.com/office/drawing/2014/main" id="{4B252E8B-ACEC-9157-ACD2-9567D7CA0901}"/>
+              </a:ext>
+            </a:extLst>
+          </p:cNvPr>
+          <p:cNvPicPr>
+            <a:picLocks noChangeAspect="1" noChangeArrowheads="1"/>
+          </p:cNvPicPr>
+          <p:nvPr/>
+        </p:nvPicPr>
+        <p:blipFill>
+          <a:blip r:embed="rId4">
+            <a:extLst>
+              <a:ext uri="{28A0092B-C50C-407E-A947-70E740481C1C}">
+                <a14:useLocalDpi xmlns:a14="http://schemas.microsoft.com/office/drawing/2010/main" val="0"/>
+              </a:ext>
+            </a:extLst>
+          </a:blip>
+          <a:srcRect/>
+          <a:stretch>
+            <a:fillRect/>
+          </a:stretch>
+        </p:blipFill>
+        <p:spPr bwMode="auto">
+          <a:xfrm>
+            <a:off x="8930639" y="902042"/>
+            <a:ext cx="2626055" cy="759094"/>
+          </a:xfrm>
+          <a:prstGeom prst="rect">
+            <a:avLst/>
+          </a:prstGeom>
+          <a:noFill/>
+          <a:extLst>
+            <a:ext uri="{909E8E84-426E-40DD-AFC4-6F175D3DCCD1}">
+              <a14:hiddenFill xmlns:a14="http://schemas.microsoft.com/office/drawing/2010/main">
+                <a:solidFill>
+                  <a:srgbClr val="FFFFFF"/>
+                </a:solidFill>
+              </a14:hiddenFill>
+            </a:ext>
+          </a:extLst>
+        </p:spPr>
+      </p:pic>
+    </p:spTree>
+    <p:extLst>
+      <p:ext uri="{BB962C8B-B14F-4D97-AF65-F5344CB8AC3E}">
+        <p14:creationId xmlns:p14="http://schemas.microsoft.com/office/powerpoint/2010/main" val="2590275384"/>
+      </p:ext>
+    </p:extLst>
+  </p:cSld>
+  <p:clrMapOvr>
+    <a:masterClrMapping/>
+  </p:clrMapOvr>
+</p:sld>
+</file>
+
+<file path=ppt/slides/slide12.xml><?xml version="1.0" encoding="utf-8"?>
+<p:sld xmlns:a="http://schemas.openxmlformats.org/drawingml/2006/main" xmlns:r="http://schemas.openxmlformats.org/officeDocument/2006/relationships" xmlns:p="http://schemas.openxmlformats.org/presentationml/2006/main">
+  <p:cSld>
+    <p:spTree>
+      <p:nvGrpSpPr>
+        <p:cNvPr id="1" name=""/>
+        <p:cNvGrpSpPr/>
+        <p:nvPr/>
+      </p:nvGrpSpPr>
+      <p:grpSpPr>
+        <a:xfrm>
+          <a:off x="0" y="0"/>
+          <a:ext cx="0" cy="0"/>
+          <a:chOff x="0" y="0"/>
+          <a:chExt cx="0" cy="0"/>
+        </a:xfrm>
+      </p:grpSpPr>
+      <p:sp>
+        <p:nvSpPr>
+          <p:cNvPr id="2" name="Espace réservé du pied de page 1">
+            <a:extLst>
+              <a:ext uri="{FF2B5EF4-FFF2-40B4-BE49-F238E27FC236}">
+                <a16:creationId xmlns:a16="http://schemas.microsoft.com/office/drawing/2014/main" id="{2996F4E8-71F2-1E79-AE71-5F8BC7798125}"/>
+              </a:ext>
+            </a:extLst>
+          </p:cNvPr>
+          <p:cNvSpPr>
+            <a:spLocks noGrp="1"/>
+          </p:cNvSpPr>
+          <p:nvPr>
+            <p:ph type="ftr" sz="quarter" idx="11"/>
+          </p:nvPr>
+        </p:nvSpPr>
+        <p:spPr/>
+        <p:txBody>
+          <a:bodyPr/>
+          <a:lstStyle/>
+          <a:p>
+            <a:r>
+              <a:rPr lang="fr-CH"/>
+              <a:t>Robin Forestier</a:t>
+            </a:r>
+          </a:p>
+        </p:txBody>
+      </p:sp>
+      <p:sp>
+        <p:nvSpPr>
+          <p:cNvPr id="3" name="Espace réservé du numéro de diapositive 2">
+            <a:extLst>
+              <a:ext uri="{FF2B5EF4-FFF2-40B4-BE49-F238E27FC236}">
+                <a16:creationId xmlns:a16="http://schemas.microsoft.com/office/drawing/2014/main" id="{60B0605B-87AA-A611-128B-EBEBCD54E177}"/>
+              </a:ext>
+            </a:extLst>
+          </p:cNvPr>
+          <p:cNvSpPr>
+            <a:spLocks noGrp="1"/>
+          </p:cNvSpPr>
+          <p:nvPr>
+            <p:ph type="sldNum" sz="quarter" idx="12"/>
+          </p:nvPr>
+        </p:nvSpPr>
+        <p:spPr/>
+        <p:txBody>
+          <a:bodyPr/>
+          <a:lstStyle/>
+          <a:p>
+            <a:fld id="{31A1C614-0108-4924-9B4C-0864BD720690}" type="slidenum">
+              <a:rPr lang="fr-CH" smtClean="0"/>
+              <a:t>12</a:t>
+            </a:fld>
+            <a:endParaRPr lang="fr-CH"/>
+          </a:p>
+        </p:txBody>
+      </p:sp>
+      <p:pic>
+        <p:nvPicPr>
+          <p:cNvPr id="6" name="Picture 12" descr="Visar Sorting Sàrl">
+            <a:extLst>
+              <a:ext uri="{FF2B5EF4-FFF2-40B4-BE49-F238E27FC236}">
+                <a16:creationId xmlns:a16="http://schemas.microsoft.com/office/drawing/2014/main" id="{4B252E8B-ACEC-9157-ACD2-9567D7CA0901}"/>
+              </a:ext>
+            </a:extLst>
+          </p:cNvPr>
+          <p:cNvPicPr>
+            <a:picLocks noChangeAspect="1" noChangeArrowheads="1"/>
+          </p:cNvPicPr>
+          <p:nvPr/>
+        </p:nvPicPr>
+        <p:blipFill>
+          <a:blip r:embed="rId4">
+            <a:extLst>
+              <a:ext uri="{28A0092B-C50C-407E-A947-70E740481C1C}">
+                <a14:useLocalDpi xmlns:a14="http://schemas.microsoft.com/office/drawing/2010/main" val="0"/>
+              </a:ext>
+            </a:extLst>
+          </a:blip>
+          <a:srcRect/>
+          <a:stretch>
+            <a:fillRect/>
+          </a:stretch>
+        </p:blipFill>
+        <p:spPr bwMode="auto">
+          <a:xfrm>
+            <a:off x="9006839" y="522495"/>
+            <a:ext cx="2626055" cy="759094"/>
+          </a:xfrm>
+          <a:prstGeom prst="rect">
+            <a:avLst/>
+          </a:prstGeom>
+          <a:noFill/>
+          <a:extLst>
+            <a:ext uri="{909E8E84-426E-40DD-AFC4-6F175D3DCCD1}">
+              <a14:hiddenFill xmlns:a14="http://schemas.microsoft.com/office/drawing/2010/main">
+                <a:solidFill>
+                  <a:srgbClr val="FFFFFF"/>
+                </a:solidFill>
+              </a14:hiddenFill>
+            </a:ext>
+          </a:extLst>
+        </p:spPr>
+      </p:pic>
+      <p:pic>
+        <p:nvPicPr>
+          <p:cNvPr id="5" name="Média en ligne 4" title="Visar Sorting Sàrl : Sortop Potatoes - optical high-performance sorter for potatoes">
+            <a:hlinkClick r:id="" action="ppaction://media"/>
+            <a:extLst>
+              <a:ext uri="{FF2B5EF4-FFF2-40B4-BE49-F238E27FC236}">
+                <a16:creationId xmlns:a16="http://schemas.microsoft.com/office/drawing/2014/main" id="{F5DED61B-F17F-9977-6266-D54948794952}"/>
+              </a:ext>
+            </a:extLst>
+          </p:cNvPr>
+          <p:cNvPicPr>
+            <a:picLocks noRot="1" noChangeAspect="1"/>
+          </p:cNvPicPr>
+          <p:nvPr>
+            <a:videoFile r:link="rId1"/>
+          </p:nvPr>
+        </p:nvPicPr>
+        <p:blipFill>
+          <a:blip r:embed="rId5"/>
+          <a:stretch>
+            <a:fillRect/>
+          </a:stretch>
+        </p:blipFill>
+        <p:spPr>
+          <a:xfrm>
+            <a:off x="1954407" y="1478969"/>
+            <a:ext cx="8283186" cy="4680000"/>
+          </a:xfrm>
+          <a:prstGeom prst="rect">
+            <a:avLst/>
+          </a:prstGeom>
+        </p:spPr>
+      </p:pic>
+    </p:spTree>
+    <p:extLst>
+      <p:ext uri="{BB962C8B-B14F-4D97-AF65-F5344CB8AC3E}">
+        <p14:creationId xmlns:p14="http://schemas.microsoft.com/office/powerpoint/2010/main" val="3576027080"/>
+      </p:ext>
+    </p:extLst>
+  </p:cSld>
+  <p:clrMapOvr>
+    <a:masterClrMapping/>
+  </p:clrMapOvr>
+  <mc:AlternateContent xmlns:mc="http://schemas.openxmlformats.org/markup-compatibility/2006" xmlns:p14="http://schemas.microsoft.com/office/powerpoint/2010/main">
+    <mc:Choice Requires="p14">
+      <p:transition p14:dur="10"/>
+    </mc:Choice>
+    <mc:Fallback xmlns="">
+      <p:transition/>
+    </mc:Fallback>
+  </mc:AlternateContent>
+  <p:timing>
+    <p:tnLst>
+      <p:par>
+        <p:cTn id="1" dur="indefinite" restart="never" nodeType="tmRoot">
+          <p:childTnLst>
+            <p:seq concurrent="1" nextAc="seek">
+              <p:cTn id="2" dur="indefinite" nodeType="mainSeq">
+                <p:childTnLst>
+                  <p:par>
+                    <p:cTn id="3" fill="hold">
+                      <p:stCondLst>
+                        <p:cond delay="indefinite"/>
+                      </p:stCondLst>
+                      <p:childTnLst>
+                        <p:par>
+                          <p:cTn id="4" fill="hold">
+                            <p:stCondLst>
+                              <p:cond delay="0"/>
+                            </p:stCondLst>
+                            <p:childTnLst>
+                              <p:par>
+                                <p:cTn id="5" presetID="1" presetClass="mediacall" presetSubtype="0" fill="hold" nodeType="clickEffect">
+                                  <p:stCondLst>
+                                    <p:cond delay="0"/>
+                                  </p:stCondLst>
+                                  <p:childTnLst>
+                                    <p:cmd type="call" cmd="playFrom(0.0)">
+                                      <p:cBhvr>
+                                        <p:cTn id="6" dur="1" fill="hold"/>
+                                        <p:tgtEl>
+                                          <p:spTgt spid="5"/>
+                                        </p:tgtEl>
+                                      </p:cBhvr>
+                                    </p:cmd>
+                                  </p:childTnLst>
+                                </p:cTn>
+                              </p:par>
+                            </p:childTnLst>
+                          </p:cTn>
+                        </p:par>
+                      </p:childTnLst>
+                    </p:cTn>
+                  </p:par>
+                </p:childTnLst>
+              </p:cTn>
+              <p:prevCondLst>
+                <p:cond evt="onPrev" delay="0">
+                  <p:tgtEl>
+                    <p:sldTgt/>
+                  </p:tgtEl>
+                </p:cond>
+              </p:prevCondLst>
+              <p:nextCondLst>
+                <p:cond evt="onNext" delay="0">
+                  <p:tgtEl>
+                    <p:sldTgt/>
+                  </p:tgtEl>
+                </p:cond>
+              </p:nextCondLst>
+            </p:seq>
+            <p:video>
+              <p:cMediaNode vol="80000">
+                <p:cTn id="7" fill="hold" display="0">
+                  <p:stCondLst>
+                    <p:cond delay="indefinite"/>
+                  </p:stCondLst>
+                </p:cTn>
+                <p:tgtEl>
+                  <p:spTgt spid="5"/>
+                </p:tgtEl>
+              </p:cMediaNode>
+            </p:video>
+            <p:seq concurrent="1" nextAc="seek">
+              <p:cTn id="8" restart="whenNotActive" fill="hold" evtFilter="cancelBubble" nodeType="interactiveSeq">
+                <p:stCondLst>
+                  <p:cond evt="onClick" delay="0">
+                    <p:tgtEl>
+                      <p:spTgt spid="5"/>
+                    </p:tgtEl>
+                  </p:cond>
+                </p:stCondLst>
+                <p:endSync evt="end" delay="0">
+                  <p:rtn val="all"/>
+                </p:endSync>
+                <p:childTnLst>
+                  <p:par>
+                    <p:cTn id="9" fill="hold">
+                      <p:stCondLst>
+                        <p:cond delay="0"/>
+                      </p:stCondLst>
+                      <p:childTnLst>
+                        <p:par>
+                          <p:cTn id="10" fill="hold">
+                            <p:stCondLst>
+                              <p:cond delay="0"/>
+                            </p:stCondLst>
+                            <p:childTnLst>
+                              <p:par>
+                                <p:cTn id="11" presetID="2" presetClass="mediacall" presetSubtype="0" fill="hold" nodeType="clickEffect">
+                                  <p:stCondLst>
+                                    <p:cond delay="0"/>
+                                  </p:stCondLst>
+                                  <p:childTnLst>
+                                    <p:cmd type="call" cmd="togglePause">
+                                      <p:cBhvr>
+                                        <p:cTn id="12" dur="1" fill="hold"/>
+                                        <p:tgtEl>
+                                          <p:spTgt spid="5"/>
+                                        </p:tgtEl>
+                                      </p:cBhvr>
+                                    </p:cmd>
+                                  </p:childTnLst>
+                                </p:cTn>
+                              </p:par>
+                            </p:childTnLst>
+                          </p:cTn>
+                        </p:par>
+                      </p:childTnLst>
+                    </p:cTn>
+                  </p:par>
+                </p:childTnLst>
+              </p:cTn>
+              <p:nextCondLst>
+                <p:cond evt="onClick" delay="0">
+                  <p:tgtEl>
+                    <p:spTgt spid="5"/>
+                  </p:tgtEl>
+                </p:cond>
+              </p:nextCondLst>
+            </p:seq>
+          </p:childTnLst>
+        </p:cTn>
+      </p:par>
+    </p:tnLst>
+  </p:timing>
+</p:sld>
+</file>
+
+<file path=ppt/slides/slide13.xml><?xml version="1.0" encoding="utf-8"?>
+<p:sld xmlns:a="http://schemas.openxmlformats.org/drawingml/2006/main" xmlns:r="http://schemas.openxmlformats.org/officeDocument/2006/relationships" xmlns:p="http://schemas.openxmlformats.org/presentationml/2006/main">
+  <p:cSld>
+    <p:spTree>
+      <p:nvGrpSpPr>
+        <p:cNvPr id="1" name=""/>
+        <p:cNvGrpSpPr/>
+        <p:nvPr/>
+      </p:nvGrpSpPr>
+      <p:grpSpPr>
+        <a:xfrm>
+          <a:off x="0" y="0"/>
+          <a:ext cx="0" cy="0"/>
+          <a:chOff x="0" y="0"/>
+          <a:chExt cx="0" cy="0"/>
+        </a:xfrm>
+      </p:grpSpPr>
+      <p:sp>
+        <p:nvSpPr>
+          <p:cNvPr id="2" name="Espace réservé du pied de page 1">
+            <a:extLst>
+              <a:ext uri="{FF2B5EF4-FFF2-40B4-BE49-F238E27FC236}">
+                <a16:creationId xmlns:a16="http://schemas.microsoft.com/office/drawing/2014/main" id="{2996F4E8-71F2-1E79-AE71-5F8BC7798125}"/>
+              </a:ext>
+            </a:extLst>
+          </p:cNvPr>
+          <p:cNvSpPr>
+            <a:spLocks noGrp="1"/>
+          </p:cNvSpPr>
+          <p:nvPr>
+            <p:ph type="ftr" sz="quarter" idx="11"/>
+          </p:nvPr>
+        </p:nvSpPr>
+        <p:spPr/>
+        <p:txBody>
+          <a:bodyPr/>
+          <a:lstStyle/>
+          <a:p>
+            <a:r>
+              <a:rPr lang="fr-CH"/>
+              <a:t>Robin Forestier</a:t>
+            </a:r>
+          </a:p>
+        </p:txBody>
+      </p:sp>
+      <p:sp>
+        <p:nvSpPr>
+          <p:cNvPr id="3" name="Espace réservé du numéro de diapositive 2">
+            <a:extLst>
+              <a:ext uri="{FF2B5EF4-FFF2-40B4-BE49-F238E27FC236}">
+                <a16:creationId xmlns:a16="http://schemas.microsoft.com/office/drawing/2014/main" id="{60B0605B-87AA-A611-128B-EBEBCD54E177}"/>
+              </a:ext>
+            </a:extLst>
+          </p:cNvPr>
+          <p:cNvSpPr>
+            <a:spLocks noGrp="1"/>
+          </p:cNvSpPr>
+          <p:nvPr>
+            <p:ph type="sldNum" sz="quarter" idx="12"/>
+          </p:nvPr>
+        </p:nvSpPr>
+        <p:spPr/>
+        <p:txBody>
+          <a:bodyPr/>
+          <a:lstStyle/>
+          <a:p>
+            <a:fld id="{31A1C614-0108-4924-9B4C-0864BD720690}" type="slidenum">
+              <a:rPr lang="fr-CH" smtClean="0"/>
+              <a:t>13</a:t>
+            </a:fld>
+            <a:endParaRPr lang="fr-CH"/>
+          </a:p>
+        </p:txBody>
+      </p:sp>
+      <p:pic>
+        <p:nvPicPr>
+          <p:cNvPr id="6" name="Picture 12" descr="Visar Sorting Sàrl">
+            <a:extLst>
+              <a:ext uri="{FF2B5EF4-FFF2-40B4-BE49-F238E27FC236}">
+                <a16:creationId xmlns:a16="http://schemas.microsoft.com/office/drawing/2014/main" id="{4B252E8B-ACEC-9157-ACD2-9567D7CA0901}"/>
+              </a:ext>
+            </a:extLst>
+          </p:cNvPr>
+          <p:cNvPicPr>
+            <a:picLocks noChangeAspect="1" noChangeArrowheads="1"/>
+          </p:cNvPicPr>
+          <p:nvPr/>
+        </p:nvPicPr>
+        <p:blipFill>
+          <a:blip r:embed="rId4">
+            <a:extLst>
+              <a:ext uri="{28A0092B-C50C-407E-A947-70E740481C1C}">
+                <a14:useLocalDpi xmlns:a14="http://schemas.microsoft.com/office/drawing/2010/main" val="0"/>
+              </a:ext>
+            </a:extLst>
+          </a:blip>
+          <a:srcRect/>
+          <a:stretch>
+            <a:fillRect/>
+          </a:stretch>
+        </p:blipFill>
+        <p:spPr bwMode="auto">
+          <a:xfrm>
+            <a:off x="9006839" y="522495"/>
+            <a:ext cx="2626055" cy="759094"/>
+          </a:xfrm>
+          <a:prstGeom prst="rect">
+            <a:avLst/>
+          </a:prstGeom>
+          <a:noFill/>
+          <a:extLst>
+            <a:ext uri="{909E8E84-426E-40DD-AFC4-6F175D3DCCD1}">
+              <a14:hiddenFill xmlns:a14="http://schemas.microsoft.com/office/drawing/2010/main">
+                <a:solidFill>
+                  <a:srgbClr val="FFFFFF"/>
+                </a:solidFill>
+              </a14:hiddenFill>
+            </a:ext>
+          </a:extLst>
+        </p:spPr>
+      </p:pic>
+      <p:pic>
+        <p:nvPicPr>
+          <p:cNvPr id="7" name="Média en ligne 6" title="Visar Sorting Sàrl : Sortop Potatoes - optical high-performance sorter for potatoes">
+            <a:hlinkClick r:id="" action="ppaction://media"/>
+            <a:extLst>
+              <a:ext uri="{FF2B5EF4-FFF2-40B4-BE49-F238E27FC236}">
+                <a16:creationId xmlns:a16="http://schemas.microsoft.com/office/drawing/2014/main" id="{8FBF999A-A5D9-F91E-D69A-848BEA611A8A}"/>
+              </a:ext>
+            </a:extLst>
+          </p:cNvPr>
+          <p:cNvPicPr>
+            <a:picLocks noRot="1" noChangeAspect="1"/>
+          </p:cNvPicPr>
+          <p:nvPr>
+            <a:videoFile r:link="rId1"/>
+          </p:nvPr>
+        </p:nvPicPr>
+        <p:blipFill>
+          <a:blip r:embed="rId5"/>
+          <a:stretch>
+            <a:fillRect/>
+          </a:stretch>
+        </p:blipFill>
+        <p:spPr>
+          <a:xfrm>
+            <a:off x="1954407" y="1478969"/>
+            <a:ext cx="8283186" cy="4680000"/>
+          </a:xfrm>
+          <a:prstGeom prst="rect">
+            <a:avLst/>
+          </a:prstGeom>
+        </p:spPr>
+      </p:pic>
+    </p:spTree>
+    <p:extLst>
+      <p:ext uri="{BB962C8B-B14F-4D97-AF65-F5344CB8AC3E}">
+        <p14:creationId xmlns:p14="http://schemas.microsoft.com/office/powerpoint/2010/main" val="4048431889"/>
+      </p:ext>
+    </p:extLst>
+  </p:cSld>
+  <p:clrMapOvr>
+    <a:masterClrMapping/>
+  </p:clrMapOvr>
+  <mc:AlternateContent xmlns:mc="http://schemas.openxmlformats.org/markup-compatibility/2006" xmlns:p14="http://schemas.microsoft.com/office/powerpoint/2010/main">
+    <mc:Choice Requires="p14">
+      <p:transition p14:dur="10"/>
+    </mc:Choice>
+    <mc:Fallback xmlns="">
+      <p:transition/>
+    </mc:Fallback>
+  </mc:AlternateContent>
+  <p:timing>
+    <p:tnLst>
+      <p:par>
+        <p:cTn id="1" dur="indefinite" restart="never" nodeType="tmRoot">
+          <p:childTnLst>
+            <p:seq concurrent="1" nextAc="seek">
+              <p:cTn id="2" dur="indefinite" nodeType="mainSeq">
+                <p:childTnLst>
+                  <p:par>
+                    <p:cTn id="3" fill="hold">
+                      <p:stCondLst>
+                        <p:cond delay="indefinite"/>
+                      </p:stCondLst>
+                      <p:childTnLst>
+                        <p:par>
+                          <p:cTn id="4" fill="hold">
+                            <p:stCondLst>
+                              <p:cond delay="0"/>
+                            </p:stCondLst>
+                            <p:childTnLst>
+                              <p:par>
+                                <p:cTn id="5" presetID="1" presetClass="mediacall" presetSubtype="0" fill="hold" nodeType="clickEffect">
+                                  <p:stCondLst>
+                                    <p:cond delay="0"/>
+                                  </p:stCondLst>
+                                  <p:childTnLst>
+                                    <p:cmd type="call" cmd="playFrom(0.0)">
+                                      <p:cBhvr>
+                                        <p:cTn id="6" dur="1" fill="hold"/>
+                                        <p:tgtEl>
+                                          <p:spTgt spid="7"/>
+                                        </p:tgtEl>
+                                      </p:cBhvr>
+                                    </p:cmd>
+                                  </p:childTnLst>
+                                </p:cTn>
+                              </p:par>
+                            </p:childTnLst>
+                          </p:cTn>
+                        </p:par>
+                      </p:childTnLst>
+                    </p:cTn>
+                  </p:par>
+                </p:childTnLst>
+              </p:cTn>
+              <p:prevCondLst>
+                <p:cond evt="onPrev" delay="0">
+                  <p:tgtEl>
+                    <p:sldTgt/>
+                  </p:tgtEl>
+                </p:cond>
+              </p:prevCondLst>
+              <p:nextCondLst>
+                <p:cond evt="onNext" delay="0">
+                  <p:tgtEl>
+                    <p:sldTgt/>
+                  </p:tgtEl>
+                </p:cond>
+              </p:nextCondLst>
+            </p:seq>
+            <p:video>
+              <p:cMediaNode vol="80000">
+                <p:cTn id="7" fill="hold" display="0">
+                  <p:stCondLst>
+                    <p:cond delay="indefinite"/>
+                  </p:stCondLst>
+                </p:cTn>
+                <p:tgtEl>
+                  <p:spTgt spid="7"/>
+                </p:tgtEl>
+              </p:cMediaNode>
+            </p:video>
+            <p:seq concurrent="1" nextAc="seek">
+              <p:cTn id="8" restart="whenNotActive" fill="hold" evtFilter="cancelBubble" nodeType="interactiveSeq">
+                <p:stCondLst>
+                  <p:cond evt="onClick" delay="0">
+                    <p:tgtEl>
+                      <p:spTgt spid="7"/>
+                    </p:tgtEl>
+                  </p:cond>
+                </p:stCondLst>
+                <p:endSync evt="end" delay="0">
+                  <p:rtn val="all"/>
+                </p:endSync>
+                <p:childTnLst>
+                  <p:par>
+                    <p:cTn id="9" fill="hold">
+                      <p:stCondLst>
+                        <p:cond delay="0"/>
+                      </p:stCondLst>
+                      <p:childTnLst>
+                        <p:par>
+                          <p:cTn id="10" fill="hold">
+                            <p:stCondLst>
+                              <p:cond delay="0"/>
+                            </p:stCondLst>
+                            <p:childTnLst>
+                              <p:par>
+                                <p:cTn id="11" presetID="2" presetClass="mediacall" presetSubtype="0" fill="hold" nodeType="clickEffect">
+                                  <p:stCondLst>
+                                    <p:cond delay="0"/>
+                                  </p:stCondLst>
+                                  <p:childTnLst>
+                                    <p:cmd type="call" cmd="togglePause">
+                                      <p:cBhvr>
+                                        <p:cTn id="12" dur="1" fill="hold"/>
+                                        <p:tgtEl>
+                                          <p:spTgt spid="7"/>
+                                        </p:tgtEl>
+                                      </p:cBhvr>
+                                    </p:cmd>
+                                  </p:childTnLst>
+                                </p:cTn>
+                              </p:par>
+                            </p:childTnLst>
+                          </p:cTn>
+                        </p:par>
+                      </p:childTnLst>
+                    </p:cTn>
+                  </p:par>
+                </p:childTnLst>
+              </p:cTn>
+              <p:nextCondLst>
+                <p:cond evt="onClick" delay="0">
+                  <p:tgtEl>
+                    <p:spTgt spid="7"/>
+                  </p:tgtEl>
+                </p:cond>
+              </p:nextCondLst>
+            </p:seq>
+          </p:childTnLst>
+        </p:cTn>
+      </p:par>
+    </p:tnLst>
+  </p:timing>
 </p:sld>
 </file>
 
@@ -3472,12 +6756,69 @@
           <a:chExt cx="0" cy="0"/>
         </a:xfrm>
       </p:grpSpPr>
+      <p:sp>
+        <p:nvSpPr>
+          <p:cNvPr id="2" name="Espace réservé du pied de page 1">
+            <a:extLst>
+              <a:ext uri="{FF2B5EF4-FFF2-40B4-BE49-F238E27FC236}">
+                <a16:creationId xmlns:a16="http://schemas.microsoft.com/office/drawing/2014/main" id="{9DD4F784-2C74-25DF-0A0D-50A71098B89E}"/>
+              </a:ext>
+            </a:extLst>
+          </p:cNvPr>
+          <p:cNvSpPr>
+            <a:spLocks noGrp="1"/>
+          </p:cNvSpPr>
+          <p:nvPr>
+            <p:ph type="ftr" sz="quarter" idx="11"/>
+          </p:nvPr>
+        </p:nvSpPr>
+        <p:spPr/>
+        <p:txBody>
+          <a:bodyPr/>
+          <a:lstStyle/>
+          <a:p>
+            <a:r>
+              <a:rPr lang="fr-CH"/>
+              <a:t>Robin Forestier</a:t>
+            </a:r>
+          </a:p>
+        </p:txBody>
+      </p:sp>
+      <p:sp>
+        <p:nvSpPr>
+          <p:cNvPr id="3" name="Espace réservé du numéro de diapositive 2">
+            <a:extLst>
+              <a:ext uri="{FF2B5EF4-FFF2-40B4-BE49-F238E27FC236}">
+                <a16:creationId xmlns:a16="http://schemas.microsoft.com/office/drawing/2014/main" id="{503365F2-5035-11EA-C856-2E50047BB745}"/>
+              </a:ext>
+            </a:extLst>
+          </p:cNvPr>
+          <p:cNvSpPr>
+            <a:spLocks noGrp="1"/>
+          </p:cNvSpPr>
+          <p:nvPr>
+            <p:ph type="sldNum" sz="quarter" idx="12"/>
+          </p:nvPr>
+        </p:nvSpPr>
+        <p:spPr/>
+        <p:txBody>
+          <a:bodyPr/>
+          <a:lstStyle/>
+          <a:p>
+            <a:fld id="{31A1C614-0108-4924-9B4C-0864BD720690}" type="slidenum">
+              <a:rPr lang="fr-CH" smtClean="0"/>
+              <a:t>2</a:t>
+            </a:fld>
+            <a:endParaRPr lang="fr-CH"/>
+          </a:p>
+        </p:txBody>
+      </p:sp>
       <p:pic>
         <p:nvPicPr>
-          <p:cNvPr id="1026" name="Picture 2" descr="Bientôt la fin du libre service des fruits et légumes dans les supermarchés  ? | CNEWS">
-            <a:extLst>
-              <a:ext uri="{FF2B5EF4-FFF2-40B4-BE49-F238E27FC236}">
-                <a16:creationId xmlns:a16="http://schemas.microsoft.com/office/drawing/2014/main" id="{F13000A8-E34D-A1BB-A48D-610AC47E9C81}"/>
+          <p:cNvPr id="4" name="Picture 2">
+            <a:extLst>
+              <a:ext uri="{FF2B5EF4-FFF2-40B4-BE49-F238E27FC236}">
+                <a16:creationId xmlns:a16="http://schemas.microsoft.com/office/drawing/2014/main" id="{D20E9C18-07DE-D920-3D3F-617094906CF3}"/>
               </a:ext>
             </a:extLst>
           </p:cNvPr>
@@ -3487,7 +6828,7 @@
           <p:nvPr/>
         </p:nvPicPr>
         <p:blipFill>
-          <a:blip r:embed="rId2">
+          <a:blip r:embed="rId3">
             <a:extLst>
               <a:ext uri="{28A0092B-C50C-407E-A947-70E740481C1C}">
                 <a14:useLocalDpi xmlns:a14="http://schemas.microsoft.com/office/drawing/2010/main" val="0"/>
@@ -3501,8 +6842,8 @@
         </p:blipFill>
         <p:spPr bwMode="auto">
           <a:xfrm>
-            <a:off x="2524125" y="1419225"/>
-            <a:ext cx="7143750" cy="4019550"/>
+            <a:off x="2814637" y="795335"/>
+            <a:ext cx="6562725" cy="5267325"/>
           </a:xfrm>
           <a:prstGeom prst="rect">
             <a:avLst/>
@@ -3519,10 +6860,4878 @@
           </a:extLst>
         </p:spPr>
       </p:pic>
+      <p:sp>
+        <p:nvSpPr>
+          <p:cNvPr id="5" name="Ellipse 4">
+            <a:extLst>
+              <a:ext uri="{FF2B5EF4-FFF2-40B4-BE49-F238E27FC236}">
+                <a16:creationId xmlns:a16="http://schemas.microsoft.com/office/drawing/2014/main" id="{AB82D872-3024-C298-8A78-D20B53D77538}"/>
+              </a:ext>
+            </a:extLst>
+          </p:cNvPr>
+          <p:cNvSpPr/>
+          <p:nvPr/>
+        </p:nvSpPr>
+        <p:spPr>
+          <a:xfrm>
+            <a:off x="5832629" y="2794243"/>
+            <a:ext cx="1251752" cy="1269507"/>
+          </a:xfrm>
+          <a:prstGeom prst="ellipse">
+            <a:avLst/>
+          </a:prstGeom>
+          <a:noFill/>
+          <a:ln w="76200">
+            <a:solidFill>
+              <a:srgbClr val="8A0000"/>
+            </a:solidFill>
+          </a:ln>
+        </p:spPr>
+        <p:style>
+          <a:lnRef idx="2">
+            <a:schemeClr val="accent1">
+              <a:shade val="50000"/>
+            </a:schemeClr>
+          </a:lnRef>
+          <a:fillRef idx="1">
+            <a:schemeClr val="accent1"/>
+          </a:fillRef>
+          <a:effectRef idx="0">
+            <a:schemeClr val="accent1"/>
+          </a:effectRef>
+          <a:fontRef idx="minor">
+            <a:schemeClr val="lt1"/>
+          </a:fontRef>
+        </p:style>
+        <p:txBody>
+          <a:bodyPr rtlCol="0" anchor="ctr"/>
+          <a:lstStyle/>
+          <a:p>
+            <a:pPr algn="ctr"/>
+            <a:endParaRPr lang="fr-CH">
+              <a:solidFill>
+                <a:srgbClr val="8A0000"/>
+              </a:solidFill>
+            </a:endParaRPr>
+          </a:p>
+        </p:txBody>
+      </p:sp>
     </p:spTree>
     <p:extLst>
       <p:ext uri="{BB962C8B-B14F-4D97-AF65-F5344CB8AC3E}">
-        <p14:creationId xmlns:p14="http://schemas.microsoft.com/office/powerpoint/2010/main" val="2258580293"/>
+        <p14:creationId xmlns:p14="http://schemas.microsoft.com/office/powerpoint/2010/main" val="3148593703"/>
+      </p:ext>
+    </p:extLst>
+  </p:cSld>
+  <p:clrMapOvr>
+    <a:masterClrMapping/>
+  </p:clrMapOvr>
+  <p:timing>
+    <p:tnLst>
+      <p:par>
+        <p:cTn id="1" dur="indefinite" restart="never" nodeType="tmRoot">
+          <p:childTnLst>
+            <p:seq concurrent="1" nextAc="seek">
+              <p:cTn id="2" dur="indefinite" nodeType="mainSeq">
+                <p:childTnLst>
+                  <p:par>
+                    <p:cTn id="3" fill="hold">
+                      <p:stCondLst>
+                        <p:cond delay="indefinite"/>
+                      </p:stCondLst>
+                      <p:childTnLst>
+                        <p:par>
+                          <p:cTn id="4" fill="hold">
+                            <p:stCondLst>
+                              <p:cond delay="0"/>
+                            </p:stCondLst>
+                            <p:childTnLst>
+                              <p:par>
+                                <p:cTn id="5" presetID="1" presetClass="entr" presetSubtype="0" fill="hold" grpId="0" nodeType="clickEffect">
+                                  <p:stCondLst>
+                                    <p:cond delay="0"/>
+                                  </p:stCondLst>
+                                  <p:childTnLst>
+                                    <p:set>
+                                      <p:cBhvr>
+                                        <p:cTn id="6" dur="1" fill="hold">
+                                          <p:stCondLst>
+                                            <p:cond delay="0"/>
+                                          </p:stCondLst>
+                                        </p:cTn>
+                                        <p:tgtEl>
+                                          <p:spTgt spid="5"/>
+                                        </p:tgtEl>
+                                        <p:attrNameLst>
+                                          <p:attrName>style.visibility</p:attrName>
+                                        </p:attrNameLst>
+                                      </p:cBhvr>
+                                      <p:to>
+                                        <p:strVal val="visible"/>
+                                      </p:to>
+                                    </p:set>
+                                  </p:childTnLst>
+                                </p:cTn>
+                              </p:par>
+                            </p:childTnLst>
+                          </p:cTn>
+                        </p:par>
+                      </p:childTnLst>
+                    </p:cTn>
+                  </p:par>
+                </p:childTnLst>
+              </p:cTn>
+              <p:prevCondLst>
+                <p:cond evt="onPrev" delay="0">
+                  <p:tgtEl>
+                    <p:sldTgt/>
+                  </p:tgtEl>
+                </p:cond>
+              </p:prevCondLst>
+              <p:nextCondLst>
+                <p:cond evt="onNext" delay="0">
+                  <p:tgtEl>
+                    <p:sldTgt/>
+                  </p:tgtEl>
+                </p:cond>
+              </p:nextCondLst>
+            </p:seq>
+          </p:childTnLst>
+        </p:cTn>
+      </p:par>
+    </p:tnLst>
+    <p:bldLst>
+      <p:bldP spid="5" grpId="0" animBg="1"/>
+    </p:bldLst>
+  </p:timing>
+</p:sld>
+</file>
+
+<file path=ppt/slides/slide3.xml><?xml version="1.0" encoding="utf-8"?>
+<p:sld xmlns:a="http://schemas.openxmlformats.org/drawingml/2006/main" xmlns:r="http://schemas.openxmlformats.org/officeDocument/2006/relationships" xmlns:p="http://schemas.openxmlformats.org/presentationml/2006/main">
+  <p:cSld>
+    <p:spTree>
+      <p:nvGrpSpPr>
+        <p:cNvPr id="1" name=""/>
+        <p:cNvGrpSpPr/>
+        <p:nvPr/>
+      </p:nvGrpSpPr>
+      <p:grpSpPr>
+        <a:xfrm>
+          <a:off x="0" y="0"/>
+          <a:ext cx="0" cy="0"/>
+          <a:chOff x="0" y="0"/>
+          <a:chExt cx="0" cy="0"/>
+        </a:xfrm>
+      </p:grpSpPr>
+      <p:pic>
+        <p:nvPicPr>
+          <p:cNvPr id="2050" name="Picture 2">
+            <a:extLst>
+              <a:ext uri="{FF2B5EF4-FFF2-40B4-BE49-F238E27FC236}">
+                <a16:creationId xmlns:a16="http://schemas.microsoft.com/office/drawing/2014/main" id="{20B42CE6-C2D4-5E57-AAAB-E0F8ECB48327}"/>
+              </a:ext>
+            </a:extLst>
+          </p:cNvPr>
+          <p:cNvPicPr>
+            <a:picLocks noChangeAspect="1" noChangeArrowheads="1"/>
+          </p:cNvPicPr>
+          <p:nvPr/>
+        </p:nvPicPr>
+        <p:blipFill>
+          <a:blip r:embed="rId3">
+            <a:extLst>
+              <a:ext uri="{28A0092B-C50C-407E-A947-70E740481C1C}">
+                <a14:useLocalDpi xmlns:a14="http://schemas.microsoft.com/office/drawing/2010/main" val="0"/>
+              </a:ext>
+            </a:extLst>
+          </a:blip>
+          <a:srcRect/>
+          <a:stretch>
+            <a:fillRect/>
+          </a:stretch>
+        </p:blipFill>
+        <p:spPr bwMode="auto">
+          <a:xfrm>
+            <a:off x="1688947" y="1740166"/>
+            <a:ext cx="8814105" cy="3377668"/>
+          </a:xfrm>
+          <a:prstGeom prst="rect">
+            <a:avLst/>
+          </a:prstGeom>
+          <a:noFill/>
+          <a:extLst>
+            <a:ext uri="{909E8E84-426E-40DD-AFC4-6F175D3DCCD1}">
+              <a14:hiddenFill xmlns:a14="http://schemas.microsoft.com/office/drawing/2010/main">
+                <a:solidFill>
+                  <a:srgbClr val="FFFFFF"/>
+                </a:solidFill>
+              </a14:hiddenFill>
+            </a:ext>
+          </a:extLst>
+        </p:spPr>
+      </p:pic>
+    </p:spTree>
+    <p:extLst>
+      <p:ext uri="{BB962C8B-B14F-4D97-AF65-F5344CB8AC3E}">
+        <p14:creationId xmlns:p14="http://schemas.microsoft.com/office/powerpoint/2010/main" val="3902382006"/>
+      </p:ext>
+    </p:extLst>
+  </p:cSld>
+  <p:clrMapOvr>
+    <a:masterClrMapping/>
+  </p:clrMapOvr>
+</p:sld>
+</file>
+
+<file path=ppt/slides/slide4.xml><?xml version="1.0" encoding="utf-8"?>
+<p:sld xmlns:a="http://schemas.openxmlformats.org/drawingml/2006/main" xmlns:r="http://schemas.openxmlformats.org/officeDocument/2006/relationships" xmlns:p="http://schemas.openxmlformats.org/presentationml/2006/main">
+  <p:cSld>
+    <p:spTree>
+      <p:nvGrpSpPr>
+        <p:cNvPr id="1" name=""/>
+        <p:cNvGrpSpPr/>
+        <p:nvPr/>
+      </p:nvGrpSpPr>
+      <p:grpSpPr>
+        <a:xfrm>
+          <a:off x="0" y="0"/>
+          <a:ext cx="0" cy="0"/>
+          <a:chOff x="0" y="0"/>
+          <a:chExt cx="0" cy="0"/>
+        </a:xfrm>
+      </p:grpSpPr>
+      <p:sp>
+        <p:nvSpPr>
+          <p:cNvPr id="2" name="Espace réservé du pied de page 1">
+            <a:extLst>
+              <a:ext uri="{FF2B5EF4-FFF2-40B4-BE49-F238E27FC236}">
+                <a16:creationId xmlns:a16="http://schemas.microsoft.com/office/drawing/2014/main" id="{2996F4E8-71F2-1E79-AE71-5F8BC7798125}"/>
+              </a:ext>
+            </a:extLst>
+          </p:cNvPr>
+          <p:cNvSpPr>
+            <a:spLocks noGrp="1"/>
+          </p:cNvSpPr>
+          <p:nvPr>
+            <p:ph type="ftr" sz="quarter" idx="11"/>
+          </p:nvPr>
+        </p:nvSpPr>
+        <p:spPr/>
+        <p:txBody>
+          <a:bodyPr/>
+          <a:lstStyle/>
+          <a:p>
+            <a:r>
+              <a:rPr lang="fr-CH"/>
+              <a:t>Robin Forestier</a:t>
+            </a:r>
+          </a:p>
+        </p:txBody>
+      </p:sp>
+      <p:sp>
+        <p:nvSpPr>
+          <p:cNvPr id="3" name="Espace réservé du numéro de diapositive 2">
+            <a:extLst>
+              <a:ext uri="{FF2B5EF4-FFF2-40B4-BE49-F238E27FC236}">
+                <a16:creationId xmlns:a16="http://schemas.microsoft.com/office/drawing/2014/main" id="{60B0605B-87AA-A611-128B-EBEBCD54E177}"/>
+              </a:ext>
+            </a:extLst>
+          </p:cNvPr>
+          <p:cNvSpPr>
+            <a:spLocks noGrp="1"/>
+          </p:cNvSpPr>
+          <p:nvPr>
+            <p:ph type="sldNum" sz="quarter" idx="12"/>
+          </p:nvPr>
+        </p:nvSpPr>
+        <p:spPr/>
+        <p:txBody>
+          <a:bodyPr/>
+          <a:lstStyle/>
+          <a:p>
+            <a:fld id="{31A1C614-0108-4924-9B4C-0864BD720690}" type="slidenum">
+              <a:rPr lang="fr-CH" smtClean="0"/>
+              <a:t>4</a:t>
+            </a:fld>
+            <a:endParaRPr lang="fr-CH"/>
+          </a:p>
+        </p:txBody>
+      </p:sp>
+      <p:sp>
+        <p:nvSpPr>
+          <p:cNvPr id="7" name="ZoneTexte 6">
+            <a:extLst>
+              <a:ext uri="{FF2B5EF4-FFF2-40B4-BE49-F238E27FC236}">
+                <a16:creationId xmlns:a16="http://schemas.microsoft.com/office/drawing/2014/main" id="{A6D46681-6051-E304-7A3D-89B50A99EC02}"/>
+              </a:ext>
+            </a:extLst>
+          </p:cNvPr>
+          <p:cNvSpPr txBox="1"/>
+          <p:nvPr/>
+        </p:nvSpPr>
+        <p:spPr>
+          <a:xfrm>
+            <a:off x="4573786" y="3712830"/>
+            <a:ext cx="3044423" cy="1785104"/>
+          </a:xfrm>
+          <a:prstGeom prst="rect">
+            <a:avLst/>
+          </a:prstGeom>
+          <a:noFill/>
+        </p:spPr>
+        <p:txBody>
+          <a:bodyPr wrap="none" rtlCol="0">
+            <a:spAutoFit/>
+          </a:bodyPr>
+          <a:lstStyle/>
+          <a:p>
+            <a:r>
+              <a:rPr lang="fr-CH" sz="11000" dirty="0">
+                <a:solidFill>
+                  <a:srgbClr val="28464B"/>
+                </a:solidFill>
+              </a:rPr>
+              <a:t>2008</a:t>
+            </a:r>
+          </a:p>
+        </p:txBody>
+      </p:sp>
+      <p:cxnSp>
+        <p:nvCxnSpPr>
+          <p:cNvPr id="8" name="!!Connecteur droit 7">
+            <a:extLst>
+              <a:ext uri="{FF2B5EF4-FFF2-40B4-BE49-F238E27FC236}">
+                <a16:creationId xmlns:a16="http://schemas.microsoft.com/office/drawing/2014/main" id="{9A5E2D17-FC41-B0AC-4A12-8F68DD242B67}"/>
+              </a:ext>
+            </a:extLst>
+          </p:cNvPr>
+          <p:cNvCxnSpPr>
+            <a:cxnSpLocks/>
+          </p:cNvCxnSpPr>
+          <p:nvPr/>
+        </p:nvCxnSpPr>
+        <p:spPr>
+          <a:xfrm>
+            <a:off x="0" y="3410465"/>
+            <a:ext cx="12192000" cy="0"/>
+          </a:xfrm>
+          <a:prstGeom prst="line">
+            <a:avLst/>
+          </a:prstGeom>
+          <a:ln w="101600"/>
+        </p:spPr>
+        <p:style>
+          <a:lnRef idx="1">
+            <a:schemeClr val="dk1"/>
+          </a:lnRef>
+          <a:fillRef idx="0">
+            <a:schemeClr val="dk1"/>
+          </a:fillRef>
+          <a:effectRef idx="0">
+            <a:schemeClr val="dk1"/>
+          </a:effectRef>
+          <a:fontRef idx="minor">
+            <a:schemeClr val="tx1"/>
+          </a:fontRef>
+        </p:style>
+      </p:cxnSp>
+      <p:sp>
+        <p:nvSpPr>
+          <p:cNvPr id="12" name="Rectangle 11">
+            <a:extLst>
+              <a:ext uri="{FF2B5EF4-FFF2-40B4-BE49-F238E27FC236}">
+                <a16:creationId xmlns:a16="http://schemas.microsoft.com/office/drawing/2014/main" id="{56B513A3-178F-AA2E-524A-D6FDE64ACCE2}"/>
+              </a:ext>
+            </a:extLst>
+          </p:cNvPr>
+          <p:cNvSpPr/>
+          <p:nvPr/>
+        </p:nvSpPr>
+        <p:spPr>
+          <a:xfrm>
+            <a:off x="5910650" y="3225115"/>
+            <a:ext cx="370700" cy="370700"/>
+          </a:xfrm>
+          <a:prstGeom prst="rect">
+            <a:avLst/>
+          </a:prstGeom>
+          <a:solidFill>
+            <a:srgbClr val="28464B"/>
+          </a:solidFill>
+        </p:spPr>
+        <p:style>
+          <a:lnRef idx="2">
+            <a:schemeClr val="accent1">
+              <a:shade val="50000"/>
+            </a:schemeClr>
+          </a:lnRef>
+          <a:fillRef idx="1">
+            <a:schemeClr val="accent1"/>
+          </a:fillRef>
+          <a:effectRef idx="0">
+            <a:schemeClr val="accent1"/>
+          </a:effectRef>
+          <a:fontRef idx="minor">
+            <a:schemeClr val="lt1"/>
+          </a:fontRef>
+        </p:style>
+        <p:txBody>
+          <a:bodyPr rtlCol="0" anchor="ctr"/>
+          <a:lstStyle/>
+          <a:p>
+            <a:pPr algn="ctr"/>
+            <a:endParaRPr lang="fr-CH" dirty="0"/>
+          </a:p>
+        </p:txBody>
+      </p:sp>
+      <p:sp>
+        <p:nvSpPr>
+          <p:cNvPr id="14" name="Rectangle : coins arrondis 13">
+            <a:extLst>
+              <a:ext uri="{FF2B5EF4-FFF2-40B4-BE49-F238E27FC236}">
+                <a16:creationId xmlns:a16="http://schemas.microsoft.com/office/drawing/2014/main" id="{A0D1226E-F6EE-5D78-F9C2-9F3BF0483455}"/>
+              </a:ext>
+            </a:extLst>
+          </p:cNvPr>
+          <p:cNvSpPr/>
+          <p:nvPr/>
+        </p:nvSpPr>
+        <p:spPr>
+          <a:xfrm>
+            <a:off x="4495798" y="927181"/>
+            <a:ext cx="3200401" cy="1649984"/>
+          </a:xfrm>
+          <a:prstGeom prst="roundRect">
+            <a:avLst/>
+          </a:prstGeom>
+          <a:solidFill>
+            <a:srgbClr val="28464B"/>
+          </a:solidFill>
+          <a:ln>
+            <a:solidFill>
+              <a:srgbClr val="28464B"/>
+            </a:solidFill>
+          </a:ln>
+        </p:spPr>
+        <p:style>
+          <a:lnRef idx="2">
+            <a:schemeClr val="accent1">
+              <a:shade val="50000"/>
+            </a:schemeClr>
+          </a:lnRef>
+          <a:fillRef idx="1">
+            <a:schemeClr val="accent1"/>
+          </a:fillRef>
+          <a:effectRef idx="0">
+            <a:schemeClr val="accent1"/>
+          </a:effectRef>
+          <a:fontRef idx="minor">
+            <a:schemeClr val="lt1"/>
+          </a:fontRef>
+        </p:style>
+        <p:txBody>
+          <a:bodyPr rtlCol="0" anchor="ctr"/>
+          <a:lstStyle/>
+          <a:p>
+            <a:pPr algn="ctr"/>
+            <a:r>
+              <a:rPr lang="fr-CH" sz="4000" dirty="0"/>
+              <a:t>Création de </a:t>
+            </a:r>
+          </a:p>
+          <a:p>
+            <a:pPr algn="ctr"/>
+            <a:r>
+              <a:rPr lang="fr-CH" sz="4000" dirty="0" err="1"/>
+              <a:t>Visar</a:t>
+            </a:r>
+            <a:r>
+              <a:rPr lang="fr-CH" sz="4000" dirty="0"/>
+              <a:t> </a:t>
+            </a:r>
+            <a:r>
+              <a:rPr lang="fr-CH" sz="4000" dirty="0" err="1"/>
+              <a:t>Sorting</a:t>
+            </a:r>
+            <a:endParaRPr lang="fr-CH" sz="4000" dirty="0"/>
+          </a:p>
+        </p:txBody>
+      </p:sp>
+      <p:cxnSp>
+        <p:nvCxnSpPr>
+          <p:cNvPr id="16" name="!!Connecteur droit 24">
+            <a:extLst>
+              <a:ext uri="{FF2B5EF4-FFF2-40B4-BE49-F238E27FC236}">
+                <a16:creationId xmlns:a16="http://schemas.microsoft.com/office/drawing/2014/main" id="{F57CAEBD-D0BA-47F1-3A2C-DD4D6CA22041}"/>
+              </a:ext>
+            </a:extLst>
+          </p:cNvPr>
+          <p:cNvCxnSpPr>
+            <a:cxnSpLocks/>
+          </p:cNvCxnSpPr>
+          <p:nvPr/>
+        </p:nvCxnSpPr>
+        <p:spPr>
+          <a:xfrm>
+            <a:off x="6096000" y="2577165"/>
+            <a:ext cx="0" cy="647950"/>
+          </a:xfrm>
+          <a:prstGeom prst="line">
+            <a:avLst/>
+          </a:prstGeom>
+          <a:ln w="57150">
+            <a:solidFill>
+              <a:srgbClr val="28464B"/>
+            </a:solidFill>
+          </a:ln>
+        </p:spPr>
+        <p:style>
+          <a:lnRef idx="1">
+            <a:schemeClr val="accent1"/>
+          </a:lnRef>
+          <a:fillRef idx="0">
+            <a:schemeClr val="accent1"/>
+          </a:fillRef>
+          <a:effectRef idx="0">
+            <a:schemeClr val="accent1"/>
+          </a:effectRef>
+          <a:fontRef idx="minor">
+            <a:schemeClr val="tx1"/>
+          </a:fontRef>
+        </p:style>
+      </p:cxnSp>
+      <p:sp>
+        <p:nvSpPr>
+          <p:cNvPr id="4" name="ZoneTexte 3">
+            <a:extLst>
+              <a:ext uri="{FF2B5EF4-FFF2-40B4-BE49-F238E27FC236}">
+                <a16:creationId xmlns:a16="http://schemas.microsoft.com/office/drawing/2014/main" id="{7A97DE77-1EEB-2B6C-7000-76075F3BE9A3}"/>
+              </a:ext>
+            </a:extLst>
+          </p:cNvPr>
+          <p:cNvSpPr txBox="1"/>
+          <p:nvPr/>
+        </p:nvSpPr>
+        <p:spPr>
+          <a:xfrm>
+            <a:off x="12602820" y="1440869"/>
+            <a:ext cx="3044423" cy="1785104"/>
+          </a:xfrm>
+          <a:prstGeom prst="rect">
+            <a:avLst/>
+          </a:prstGeom>
+          <a:noFill/>
+        </p:spPr>
+        <p:txBody>
+          <a:bodyPr wrap="none" rtlCol="0">
+            <a:spAutoFit/>
+          </a:bodyPr>
+          <a:lstStyle/>
+          <a:p>
+            <a:r>
+              <a:rPr lang="fr-CH" sz="11000" dirty="0">
+                <a:solidFill>
+                  <a:srgbClr val="326771"/>
+                </a:solidFill>
+              </a:rPr>
+              <a:t>2010</a:t>
+            </a:r>
+          </a:p>
+        </p:txBody>
+      </p:sp>
+      <p:sp>
+        <p:nvSpPr>
+          <p:cNvPr id="5" name="Rectangle 4">
+            <a:extLst>
+              <a:ext uri="{FF2B5EF4-FFF2-40B4-BE49-F238E27FC236}">
+                <a16:creationId xmlns:a16="http://schemas.microsoft.com/office/drawing/2014/main" id="{993D7000-14E5-00D6-5CCB-9B65AC060CD1}"/>
+              </a:ext>
+            </a:extLst>
+          </p:cNvPr>
+          <p:cNvSpPr/>
+          <p:nvPr/>
+        </p:nvSpPr>
+        <p:spPr>
+          <a:xfrm>
+            <a:off x="13939683" y="3240355"/>
+            <a:ext cx="370700" cy="370700"/>
+          </a:xfrm>
+          <a:prstGeom prst="rect">
+            <a:avLst/>
+          </a:prstGeom>
+          <a:solidFill>
+            <a:srgbClr val="326771"/>
+          </a:solidFill>
+          <a:ln>
+            <a:solidFill>
+              <a:srgbClr val="326771"/>
+            </a:solidFill>
+          </a:ln>
+        </p:spPr>
+        <p:style>
+          <a:lnRef idx="2">
+            <a:schemeClr val="accent1">
+              <a:shade val="50000"/>
+            </a:schemeClr>
+          </a:lnRef>
+          <a:fillRef idx="1">
+            <a:schemeClr val="accent1"/>
+          </a:fillRef>
+          <a:effectRef idx="0">
+            <a:schemeClr val="accent1"/>
+          </a:effectRef>
+          <a:fontRef idx="minor">
+            <a:schemeClr val="lt1"/>
+          </a:fontRef>
+        </p:style>
+        <p:txBody>
+          <a:bodyPr rtlCol="0" anchor="ctr"/>
+          <a:lstStyle/>
+          <a:p>
+            <a:pPr algn="ctr"/>
+            <a:endParaRPr lang="fr-CH" dirty="0">
+              <a:solidFill>
+                <a:srgbClr val="326771"/>
+              </a:solidFill>
+            </a:endParaRPr>
+          </a:p>
+        </p:txBody>
+      </p:sp>
+      <p:sp>
+        <p:nvSpPr>
+          <p:cNvPr id="6" name="Rectangle : coins arrondis 5">
+            <a:extLst>
+              <a:ext uri="{FF2B5EF4-FFF2-40B4-BE49-F238E27FC236}">
+                <a16:creationId xmlns:a16="http://schemas.microsoft.com/office/drawing/2014/main" id="{587372BF-3724-FDF2-87DA-30EDE2DFCFAC}"/>
+              </a:ext>
+            </a:extLst>
+          </p:cNvPr>
+          <p:cNvSpPr/>
+          <p:nvPr/>
+        </p:nvSpPr>
+        <p:spPr>
+          <a:xfrm>
+            <a:off x="12377350" y="4316813"/>
+            <a:ext cx="3495361" cy="1534367"/>
+          </a:xfrm>
+          <a:prstGeom prst="roundRect">
+            <a:avLst/>
+          </a:prstGeom>
+          <a:solidFill>
+            <a:srgbClr val="326771"/>
+          </a:solidFill>
+          <a:ln>
+            <a:solidFill>
+              <a:srgbClr val="28464B"/>
+            </a:solidFill>
+          </a:ln>
+        </p:spPr>
+        <p:style>
+          <a:lnRef idx="2">
+            <a:schemeClr val="accent1">
+              <a:shade val="50000"/>
+            </a:schemeClr>
+          </a:lnRef>
+          <a:fillRef idx="1">
+            <a:schemeClr val="accent1"/>
+          </a:fillRef>
+          <a:effectRef idx="0">
+            <a:schemeClr val="accent1"/>
+          </a:effectRef>
+          <a:fontRef idx="minor">
+            <a:schemeClr val="lt1"/>
+          </a:fontRef>
+        </p:style>
+        <p:txBody>
+          <a:bodyPr rtlCol="0" anchor="ctr"/>
+          <a:lstStyle/>
+          <a:p>
+            <a:pPr algn="ctr"/>
+            <a:r>
+              <a:rPr lang="fr-CH" sz="4000" dirty="0"/>
+              <a:t>Première ligne chez Stoll</a:t>
+            </a:r>
+          </a:p>
+        </p:txBody>
+      </p:sp>
+      <p:cxnSp>
+        <p:nvCxnSpPr>
+          <p:cNvPr id="9" name="Connecteur droit 8">
+            <a:extLst>
+              <a:ext uri="{FF2B5EF4-FFF2-40B4-BE49-F238E27FC236}">
+                <a16:creationId xmlns:a16="http://schemas.microsoft.com/office/drawing/2014/main" id="{F120329A-FA54-56CF-38DE-A383A3EFD6D7}"/>
+              </a:ext>
+            </a:extLst>
+          </p:cNvPr>
+          <p:cNvCxnSpPr>
+            <a:cxnSpLocks/>
+          </p:cNvCxnSpPr>
+          <p:nvPr/>
+        </p:nvCxnSpPr>
+        <p:spPr>
+          <a:xfrm flipH="1">
+            <a:off x="14125030" y="3444240"/>
+            <a:ext cx="2" cy="889739"/>
+          </a:xfrm>
+          <a:prstGeom prst="line">
+            <a:avLst/>
+          </a:prstGeom>
+          <a:ln w="57150">
+            <a:solidFill>
+              <a:srgbClr val="326771"/>
+            </a:solidFill>
+          </a:ln>
+        </p:spPr>
+        <p:style>
+          <a:lnRef idx="1">
+            <a:schemeClr val="accent1"/>
+          </a:lnRef>
+          <a:fillRef idx="0">
+            <a:schemeClr val="accent1"/>
+          </a:fillRef>
+          <a:effectRef idx="0">
+            <a:schemeClr val="accent1"/>
+          </a:effectRef>
+          <a:fontRef idx="minor">
+            <a:schemeClr val="tx1"/>
+          </a:fontRef>
+        </p:style>
+      </p:cxnSp>
+    </p:spTree>
+    <p:extLst>
+      <p:ext uri="{BB962C8B-B14F-4D97-AF65-F5344CB8AC3E}">
+        <p14:creationId xmlns:p14="http://schemas.microsoft.com/office/powerpoint/2010/main" val="1709491028"/>
+      </p:ext>
+    </p:extLst>
+  </p:cSld>
+  <p:clrMapOvr>
+    <a:masterClrMapping/>
+  </p:clrMapOvr>
+</p:sld>
+</file>
+
+<file path=ppt/slides/slide5.xml><?xml version="1.0" encoding="utf-8"?>
+<p:sld xmlns:a="http://schemas.openxmlformats.org/drawingml/2006/main" xmlns:r="http://schemas.openxmlformats.org/officeDocument/2006/relationships" xmlns:p="http://schemas.openxmlformats.org/presentationml/2006/main">
+  <p:cSld>
+    <p:spTree>
+      <p:nvGrpSpPr>
+        <p:cNvPr id="1" name=""/>
+        <p:cNvGrpSpPr/>
+        <p:nvPr/>
+      </p:nvGrpSpPr>
+      <p:grpSpPr>
+        <a:xfrm>
+          <a:off x="0" y="0"/>
+          <a:ext cx="0" cy="0"/>
+          <a:chOff x="0" y="0"/>
+          <a:chExt cx="0" cy="0"/>
+        </a:xfrm>
+      </p:grpSpPr>
+      <p:sp>
+        <p:nvSpPr>
+          <p:cNvPr id="2" name="Espace réservé du pied de page 1">
+            <a:extLst>
+              <a:ext uri="{FF2B5EF4-FFF2-40B4-BE49-F238E27FC236}">
+                <a16:creationId xmlns:a16="http://schemas.microsoft.com/office/drawing/2014/main" id="{2996F4E8-71F2-1E79-AE71-5F8BC7798125}"/>
+              </a:ext>
+            </a:extLst>
+          </p:cNvPr>
+          <p:cNvSpPr>
+            <a:spLocks noGrp="1"/>
+          </p:cNvSpPr>
+          <p:nvPr>
+            <p:ph type="ftr" sz="quarter" idx="11"/>
+          </p:nvPr>
+        </p:nvSpPr>
+        <p:spPr/>
+        <p:txBody>
+          <a:bodyPr/>
+          <a:lstStyle/>
+          <a:p>
+            <a:r>
+              <a:rPr lang="fr-CH"/>
+              <a:t>Robin Forestier</a:t>
+            </a:r>
+          </a:p>
+        </p:txBody>
+      </p:sp>
+      <p:sp>
+        <p:nvSpPr>
+          <p:cNvPr id="3" name="Espace réservé du numéro de diapositive 2">
+            <a:extLst>
+              <a:ext uri="{FF2B5EF4-FFF2-40B4-BE49-F238E27FC236}">
+                <a16:creationId xmlns:a16="http://schemas.microsoft.com/office/drawing/2014/main" id="{60B0605B-87AA-A611-128B-EBEBCD54E177}"/>
+              </a:ext>
+            </a:extLst>
+          </p:cNvPr>
+          <p:cNvSpPr>
+            <a:spLocks noGrp="1"/>
+          </p:cNvSpPr>
+          <p:nvPr>
+            <p:ph type="sldNum" sz="quarter" idx="12"/>
+          </p:nvPr>
+        </p:nvSpPr>
+        <p:spPr/>
+        <p:txBody>
+          <a:bodyPr/>
+          <a:lstStyle/>
+          <a:p>
+            <a:fld id="{31A1C614-0108-4924-9B4C-0864BD720690}" type="slidenum">
+              <a:rPr lang="fr-CH" smtClean="0"/>
+              <a:t>5</a:t>
+            </a:fld>
+            <a:endParaRPr lang="fr-CH"/>
+          </a:p>
+        </p:txBody>
+      </p:sp>
+      <p:sp>
+        <p:nvSpPr>
+          <p:cNvPr id="7" name="ZoneTexte 6">
+            <a:extLst>
+              <a:ext uri="{FF2B5EF4-FFF2-40B4-BE49-F238E27FC236}">
+                <a16:creationId xmlns:a16="http://schemas.microsoft.com/office/drawing/2014/main" id="{A6D46681-6051-E304-7A3D-89B50A99EC02}"/>
+              </a:ext>
+            </a:extLst>
+          </p:cNvPr>
+          <p:cNvSpPr txBox="1"/>
+          <p:nvPr/>
+        </p:nvSpPr>
+        <p:spPr>
+          <a:xfrm>
+            <a:off x="2484733" y="3595815"/>
+            <a:ext cx="2262158" cy="1323439"/>
+          </a:xfrm>
+          <a:prstGeom prst="rect">
+            <a:avLst/>
+          </a:prstGeom>
+          <a:noFill/>
+        </p:spPr>
+        <p:txBody>
+          <a:bodyPr wrap="none" rtlCol="0">
+            <a:spAutoFit/>
+          </a:bodyPr>
+          <a:lstStyle/>
+          <a:p>
+            <a:r>
+              <a:rPr lang="fr-CH" sz="8000" dirty="0">
+                <a:solidFill>
+                  <a:srgbClr val="28464B"/>
+                </a:solidFill>
+              </a:rPr>
+              <a:t>2008</a:t>
+            </a:r>
+          </a:p>
+        </p:txBody>
+      </p:sp>
+      <p:cxnSp>
+        <p:nvCxnSpPr>
+          <p:cNvPr id="8" name="!!Connecteur droit 7">
+            <a:extLst>
+              <a:ext uri="{FF2B5EF4-FFF2-40B4-BE49-F238E27FC236}">
+                <a16:creationId xmlns:a16="http://schemas.microsoft.com/office/drawing/2014/main" id="{9A5E2D17-FC41-B0AC-4A12-8F68DD242B67}"/>
+              </a:ext>
+            </a:extLst>
+          </p:cNvPr>
+          <p:cNvCxnSpPr>
+            <a:cxnSpLocks/>
+          </p:cNvCxnSpPr>
+          <p:nvPr/>
+        </p:nvCxnSpPr>
+        <p:spPr>
+          <a:xfrm>
+            <a:off x="0" y="3410465"/>
+            <a:ext cx="12192000" cy="0"/>
+          </a:xfrm>
+          <a:prstGeom prst="line">
+            <a:avLst/>
+          </a:prstGeom>
+          <a:ln w="101600"/>
+        </p:spPr>
+        <p:style>
+          <a:lnRef idx="1">
+            <a:schemeClr val="dk1"/>
+          </a:lnRef>
+          <a:fillRef idx="0">
+            <a:schemeClr val="dk1"/>
+          </a:fillRef>
+          <a:effectRef idx="0">
+            <a:schemeClr val="dk1"/>
+          </a:effectRef>
+          <a:fontRef idx="minor">
+            <a:schemeClr val="tx1"/>
+          </a:fontRef>
+        </p:style>
+      </p:cxnSp>
+      <p:sp>
+        <p:nvSpPr>
+          <p:cNvPr id="12" name="Rectangle 11">
+            <a:extLst>
+              <a:ext uri="{FF2B5EF4-FFF2-40B4-BE49-F238E27FC236}">
+                <a16:creationId xmlns:a16="http://schemas.microsoft.com/office/drawing/2014/main" id="{56B513A3-178F-AA2E-524A-D6FDE64ACCE2}"/>
+              </a:ext>
+            </a:extLst>
+          </p:cNvPr>
+          <p:cNvSpPr/>
+          <p:nvPr/>
+        </p:nvSpPr>
+        <p:spPr>
+          <a:xfrm>
+            <a:off x="3430462" y="3225115"/>
+            <a:ext cx="370700" cy="370700"/>
+          </a:xfrm>
+          <a:prstGeom prst="rect">
+            <a:avLst/>
+          </a:prstGeom>
+          <a:solidFill>
+            <a:srgbClr val="28464B"/>
+          </a:solidFill>
+        </p:spPr>
+        <p:style>
+          <a:lnRef idx="2">
+            <a:schemeClr val="accent1">
+              <a:shade val="50000"/>
+            </a:schemeClr>
+          </a:lnRef>
+          <a:fillRef idx="1">
+            <a:schemeClr val="accent1"/>
+          </a:fillRef>
+          <a:effectRef idx="0">
+            <a:schemeClr val="accent1"/>
+          </a:effectRef>
+          <a:fontRef idx="minor">
+            <a:schemeClr val="lt1"/>
+          </a:fontRef>
+        </p:style>
+        <p:txBody>
+          <a:bodyPr rtlCol="0" anchor="ctr"/>
+          <a:lstStyle/>
+          <a:p>
+            <a:pPr algn="ctr"/>
+            <a:endParaRPr lang="fr-CH" dirty="0"/>
+          </a:p>
+        </p:txBody>
+      </p:sp>
+      <p:sp>
+        <p:nvSpPr>
+          <p:cNvPr id="14" name="Rectangle : coins arrondis 13">
+            <a:extLst>
+              <a:ext uri="{FF2B5EF4-FFF2-40B4-BE49-F238E27FC236}">
+                <a16:creationId xmlns:a16="http://schemas.microsoft.com/office/drawing/2014/main" id="{A0D1226E-F6EE-5D78-F9C2-9F3BF0483455}"/>
+              </a:ext>
+            </a:extLst>
+          </p:cNvPr>
+          <p:cNvSpPr/>
+          <p:nvPr/>
+        </p:nvSpPr>
+        <p:spPr>
+          <a:xfrm>
+            <a:off x="2314396" y="1425629"/>
+            <a:ext cx="2602832" cy="1379050"/>
+          </a:xfrm>
+          <a:prstGeom prst="roundRect">
+            <a:avLst/>
+          </a:prstGeom>
+          <a:solidFill>
+            <a:srgbClr val="28464B"/>
+          </a:solidFill>
+          <a:ln>
+            <a:solidFill>
+              <a:srgbClr val="28464B"/>
+            </a:solidFill>
+          </a:ln>
+        </p:spPr>
+        <p:style>
+          <a:lnRef idx="2">
+            <a:schemeClr val="accent1">
+              <a:shade val="50000"/>
+            </a:schemeClr>
+          </a:lnRef>
+          <a:fillRef idx="1">
+            <a:schemeClr val="accent1"/>
+          </a:fillRef>
+          <a:effectRef idx="0">
+            <a:schemeClr val="accent1"/>
+          </a:effectRef>
+          <a:fontRef idx="minor">
+            <a:schemeClr val="lt1"/>
+          </a:fontRef>
+        </p:style>
+        <p:txBody>
+          <a:bodyPr rtlCol="0" anchor="ctr"/>
+          <a:lstStyle/>
+          <a:p>
+            <a:pPr algn="ctr"/>
+            <a:r>
+              <a:rPr lang="fr-CH" sz="3200" dirty="0"/>
+              <a:t>Création de </a:t>
+            </a:r>
+          </a:p>
+          <a:p>
+            <a:pPr algn="ctr"/>
+            <a:r>
+              <a:rPr lang="fr-CH" sz="3200" dirty="0" err="1"/>
+              <a:t>Visar</a:t>
+            </a:r>
+            <a:r>
+              <a:rPr lang="fr-CH" sz="3200" dirty="0"/>
+              <a:t> </a:t>
+            </a:r>
+            <a:r>
+              <a:rPr lang="fr-CH" sz="3200" dirty="0" err="1"/>
+              <a:t>Sorting</a:t>
+            </a:r>
+            <a:endParaRPr lang="fr-CH" sz="3200" dirty="0"/>
+          </a:p>
+        </p:txBody>
+      </p:sp>
+      <p:sp>
+        <p:nvSpPr>
+          <p:cNvPr id="6" name="ZoneTexte 5">
+            <a:extLst>
+              <a:ext uri="{FF2B5EF4-FFF2-40B4-BE49-F238E27FC236}">
+                <a16:creationId xmlns:a16="http://schemas.microsoft.com/office/drawing/2014/main" id="{02C9B876-369B-0B3D-FD81-5CEAD7ED2B3A}"/>
+              </a:ext>
+            </a:extLst>
+          </p:cNvPr>
+          <p:cNvSpPr txBox="1"/>
+          <p:nvPr/>
+        </p:nvSpPr>
+        <p:spPr>
+          <a:xfrm>
+            <a:off x="6883638" y="1425629"/>
+            <a:ext cx="3044423" cy="1785104"/>
+          </a:xfrm>
+          <a:prstGeom prst="rect">
+            <a:avLst/>
+          </a:prstGeom>
+          <a:noFill/>
+        </p:spPr>
+        <p:txBody>
+          <a:bodyPr wrap="none" rtlCol="0">
+            <a:spAutoFit/>
+          </a:bodyPr>
+          <a:lstStyle/>
+          <a:p>
+            <a:r>
+              <a:rPr lang="fr-CH" sz="11000" dirty="0">
+                <a:solidFill>
+                  <a:srgbClr val="326771"/>
+                </a:solidFill>
+              </a:rPr>
+              <a:t>2010</a:t>
+            </a:r>
+          </a:p>
+        </p:txBody>
+      </p:sp>
+      <p:sp>
+        <p:nvSpPr>
+          <p:cNvPr id="9" name="Rectangle 8">
+            <a:extLst>
+              <a:ext uri="{FF2B5EF4-FFF2-40B4-BE49-F238E27FC236}">
+                <a16:creationId xmlns:a16="http://schemas.microsoft.com/office/drawing/2014/main" id="{B591BEC3-309C-D4F6-FF91-E36EE1D4191A}"/>
+              </a:ext>
+            </a:extLst>
+          </p:cNvPr>
+          <p:cNvSpPr/>
+          <p:nvPr/>
+        </p:nvSpPr>
+        <p:spPr>
+          <a:xfrm>
+            <a:off x="8220501" y="3225115"/>
+            <a:ext cx="370700" cy="370700"/>
+          </a:xfrm>
+          <a:prstGeom prst="rect">
+            <a:avLst/>
+          </a:prstGeom>
+          <a:solidFill>
+            <a:srgbClr val="326771"/>
+          </a:solidFill>
+          <a:ln>
+            <a:solidFill>
+              <a:srgbClr val="326771"/>
+            </a:solidFill>
+          </a:ln>
+        </p:spPr>
+        <p:style>
+          <a:lnRef idx="2">
+            <a:schemeClr val="accent1">
+              <a:shade val="50000"/>
+            </a:schemeClr>
+          </a:lnRef>
+          <a:fillRef idx="1">
+            <a:schemeClr val="accent1"/>
+          </a:fillRef>
+          <a:effectRef idx="0">
+            <a:schemeClr val="accent1"/>
+          </a:effectRef>
+          <a:fontRef idx="minor">
+            <a:schemeClr val="lt1"/>
+          </a:fontRef>
+        </p:style>
+        <p:txBody>
+          <a:bodyPr rtlCol="0" anchor="ctr"/>
+          <a:lstStyle/>
+          <a:p>
+            <a:pPr algn="ctr"/>
+            <a:endParaRPr lang="fr-CH" dirty="0">
+              <a:solidFill>
+                <a:srgbClr val="326771"/>
+              </a:solidFill>
+            </a:endParaRPr>
+          </a:p>
+        </p:txBody>
+      </p:sp>
+      <p:sp>
+        <p:nvSpPr>
+          <p:cNvPr id="10" name="Rectangle : coins arrondis 9">
+            <a:extLst>
+              <a:ext uri="{FF2B5EF4-FFF2-40B4-BE49-F238E27FC236}">
+                <a16:creationId xmlns:a16="http://schemas.microsoft.com/office/drawing/2014/main" id="{BC8E8D3C-A153-1177-AFF1-0F502BC8B659}"/>
+              </a:ext>
+            </a:extLst>
+          </p:cNvPr>
+          <p:cNvSpPr/>
+          <p:nvPr/>
+        </p:nvSpPr>
+        <p:spPr>
+          <a:xfrm>
+            <a:off x="6658168" y="4301573"/>
+            <a:ext cx="3495361" cy="1534367"/>
+          </a:xfrm>
+          <a:prstGeom prst="roundRect">
+            <a:avLst/>
+          </a:prstGeom>
+          <a:solidFill>
+            <a:srgbClr val="326771"/>
+          </a:solidFill>
+          <a:ln>
+            <a:solidFill>
+              <a:srgbClr val="28464B"/>
+            </a:solidFill>
+          </a:ln>
+        </p:spPr>
+        <p:style>
+          <a:lnRef idx="2">
+            <a:schemeClr val="accent1">
+              <a:shade val="50000"/>
+            </a:schemeClr>
+          </a:lnRef>
+          <a:fillRef idx="1">
+            <a:schemeClr val="accent1"/>
+          </a:fillRef>
+          <a:effectRef idx="0">
+            <a:schemeClr val="accent1"/>
+          </a:effectRef>
+          <a:fontRef idx="minor">
+            <a:schemeClr val="lt1"/>
+          </a:fontRef>
+        </p:style>
+        <p:txBody>
+          <a:bodyPr rtlCol="0" anchor="ctr"/>
+          <a:lstStyle/>
+          <a:p>
+            <a:pPr algn="ctr"/>
+            <a:r>
+              <a:rPr lang="fr-CH" sz="4000" dirty="0"/>
+              <a:t>Première ligne chez Stoll</a:t>
+            </a:r>
+          </a:p>
+        </p:txBody>
+      </p:sp>
+      <p:cxnSp>
+        <p:nvCxnSpPr>
+          <p:cNvPr id="11" name="Connecteur droit 10">
+            <a:extLst>
+              <a:ext uri="{FF2B5EF4-FFF2-40B4-BE49-F238E27FC236}">
+                <a16:creationId xmlns:a16="http://schemas.microsoft.com/office/drawing/2014/main" id="{C157565D-1D90-FC3B-53CC-C21DD6326709}"/>
+              </a:ext>
+            </a:extLst>
+          </p:cNvPr>
+          <p:cNvCxnSpPr>
+            <a:cxnSpLocks/>
+          </p:cNvCxnSpPr>
+          <p:nvPr/>
+        </p:nvCxnSpPr>
+        <p:spPr>
+          <a:xfrm flipH="1">
+            <a:off x="8405848" y="3429000"/>
+            <a:ext cx="2" cy="889739"/>
+          </a:xfrm>
+          <a:prstGeom prst="line">
+            <a:avLst/>
+          </a:prstGeom>
+          <a:ln w="57150">
+            <a:solidFill>
+              <a:srgbClr val="326771"/>
+            </a:solidFill>
+          </a:ln>
+        </p:spPr>
+        <p:style>
+          <a:lnRef idx="1">
+            <a:schemeClr val="accent1"/>
+          </a:lnRef>
+          <a:fillRef idx="0">
+            <a:schemeClr val="accent1"/>
+          </a:fillRef>
+          <a:effectRef idx="0">
+            <a:schemeClr val="accent1"/>
+          </a:effectRef>
+          <a:fontRef idx="minor">
+            <a:schemeClr val="tx1"/>
+          </a:fontRef>
+        </p:style>
+      </p:cxnSp>
+      <p:cxnSp>
+        <p:nvCxnSpPr>
+          <p:cNvPr id="25" name="!!Connecteur droit 24">
+            <a:extLst>
+              <a:ext uri="{FF2B5EF4-FFF2-40B4-BE49-F238E27FC236}">
+                <a16:creationId xmlns:a16="http://schemas.microsoft.com/office/drawing/2014/main" id="{AEC592F9-F0AE-B9CA-ADE0-508FF735B6B7}"/>
+              </a:ext>
+            </a:extLst>
+          </p:cNvPr>
+          <p:cNvCxnSpPr>
+            <a:cxnSpLocks/>
+          </p:cNvCxnSpPr>
+          <p:nvPr/>
+        </p:nvCxnSpPr>
+        <p:spPr>
+          <a:xfrm>
+            <a:off x="3603456" y="2804679"/>
+            <a:ext cx="0" cy="563116"/>
+          </a:xfrm>
+          <a:prstGeom prst="line">
+            <a:avLst/>
+          </a:prstGeom>
+          <a:ln w="57150">
+            <a:solidFill>
+              <a:srgbClr val="28464B"/>
+            </a:solidFill>
+          </a:ln>
+        </p:spPr>
+        <p:style>
+          <a:lnRef idx="1">
+            <a:schemeClr val="accent1"/>
+          </a:lnRef>
+          <a:fillRef idx="0">
+            <a:schemeClr val="accent1"/>
+          </a:fillRef>
+          <a:effectRef idx="0">
+            <a:schemeClr val="accent1"/>
+          </a:effectRef>
+          <a:fontRef idx="minor">
+            <a:schemeClr val="tx1"/>
+          </a:fontRef>
+        </p:style>
+      </p:cxnSp>
+      <p:sp>
+        <p:nvSpPr>
+          <p:cNvPr id="4" name="ZoneTexte 3">
+            <a:extLst>
+              <a:ext uri="{FF2B5EF4-FFF2-40B4-BE49-F238E27FC236}">
+                <a16:creationId xmlns:a16="http://schemas.microsoft.com/office/drawing/2014/main" id="{E8255D26-E096-F7BC-37AA-3482E6308DF5}"/>
+              </a:ext>
+            </a:extLst>
+          </p:cNvPr>
+          <p:cNvSpPr txBox="1"/>
+          <p:nvPr/>
+        </p:nvSpPr>
+        <p:spPr>
+          <a:xfrm>
+            <a:off x="12192000" y="3595815"/>
+            <a:ext cx="3044423" cy="1785104"/>
+          </a:xfrm>
+          <a:prstGeom prst="rect">
+            <a:avLst/>
+          </a:prstGeom>
+          <a:noFill/>
+        </p:spPr>
+        <p:txBody>
+          <a:bodyPr wrap="none" rtlCol="0">
+            <a:spAutoFit/>
+          </a:bodyPr>
+          <a:lstStyle/>
+          <a:p>
+            <a:r>
+              <a:rPr lang="fr-CH" sz="11000" dirty="0">
+                <a:solidFill>
+                  <a:srgbClr val="2C8C99"/>
+                </a:solidFill>
+              </a:rPr>
+              <a:t>2015</a:t>
+            </a:r>
+          </a:p>
+        </p:txBody>
+      </p:sp>
+      <p:sp>
+        <p:nvSpPr>
+          <p:cNvPr id="5" name="Rectangle 4">
+            <a:extLst>
+              <a:ext uri="{FF2B5EF4-FFF2-40B4-BE49-F238E27FC236}">
+                <a16:creationId xmlns:a16="http://schemas.microsoft.com/office/drawing/2014/main" id="{729F656A-2C8E-1CBA-1C27-2AE9C36208FC}"/>
+              </a:ext>
+            </a:extLst>
+          </p:cNvPr>
+          <p:cNvSpPr/>
+          <p:nvPr/>
+        </p:nvSpPr>
+        <p:spPr>
+          <a:xfrm>
+            <a:off x="13528862" y="3299373"/>
+            <a:ext cx="370700" cy="370700"/>
+          </a:xfrm>
+          <a:prstGeom prst="rect">
+            <a:avLst/>
+          </a:prstGeom>
+          <a:solidFill>
+            <a:srgbClr val="2C8C99"/>
+          </a:solidFill>
+        </p:spPr>
+        <p:style>
+          <a:lnRef idx="2">
+            <a:schemeClr val="accent1">
+              <a:shade val="50000"/>
+            </a:schemeClr>
+          </a:lnRef>
+          <a:fillRef idx="1">
+            <a:schemeClr val="accent1"/>
+          </a:fillRef>
+          <a:effectRef idx="0">
+            <a:schemeClr val="accent1"/>
+          </a:effectRef>
+          <a:fontRef idx="minor">
+            <a:schemeClr val="lt1"/>
+          </a:fontRef>
+        </p:style>
+        <p:txBody>
+          <a:bodyPr rtlCol="0" anchor="ctr"/>
+          <a:lstStyle/>
+          <a:p>
+            <a:pPr algn="ctr"/>
+            <a:endParaRPr lang="fr-CH" dirty="0"/>
+          </a:p>
+        </p:txBody>
+      </p:sp>
+      <p:sp>
+        <p:nvSpPr>
+          <p:cNvPr id="13" name="Rectangle : coins arrondis 12">
+            <a:extLst>
+              <a:ext uri="{FF2B5EF4-FFF2-40B4-BE49-F238E27FC236}">
+                <a16:creationId xmlns:a16="http://schemas.microsoft.com/office/drawing/2014/main" id="{76B2A231-4DF2-4F8A-DC1D-01271326014B}"/>
+              </a:ext>
+            </a:extLst>
+          </p:cNvPr>
+          <p:cNvSpPr/>
+          <p:nvPr/>
+        </p:nvSpPr>
+        <p:spPr>
+          <a:xfrm>
+            <a:off x="12302398" y="1215623"/>
+            <a:ext cx="2823628" cy="1473230"/>
+          </a:xfrm>
+          <a:prstGeom prst="roundRect">
+            <a:avLst/>
+          </a:prstGeom>
+          <a:solidFill>
+            <a:srgbClr val="2C8C99"/>
+          </a:solidFill>
+          <a:ln>
+            <a:solidFill>
+              <a:srgbClr val="2C8C99"/>
+            </a:solidFill>
+          </a:ln>
+        </p:spPr>
+        <p:style>
+          <a:lnRef idx="2">
+            <a:schemeClr val="accent1">
+              <a:shade val="50000"/>
+            </a:schemeClr>
+          </a:lnRef>
+          <a:fillRef idx="1">
+            <a:schemeClr val="accent1"/>
+          </a:fillRef>
+          <a:effectRef idx="0">
+            <a:schemeClr val="accent1"/>
+          </a:effectRef>
+          <a:fontRef idx="minor">
+            <a:schemeClr val="lt1"/>
+          </a:fontRef>
+        </p:style>
+        <p:txBody>
+          <a:bodyPr rtlCol="0" anchor="ctr"/>
+          <a:lstStyle/>
+          <a:p>
+            <a:pPr algn="ctr"/>
+            <a:r>
+              <a:rPr lang="fr-CH" sz="4000" dirty="0" err="1"/>
+              <a:t>Sortop</a:t>
+            </a:r>
+            <a:endParaRPr lang="fr-CH" sz="4000" dirty="0"/>
+          </a:p>
+          <a:p>
+            <a:pPr algn="ctr"/>
+            <a:r>
+              <a:rPr lang="fr-CH" sz="4000" dirty="0" err="1"/>
+              <a:t>Potatoes</a:t>
+            </a:r>
+            <a:endParaRPr lang="fr-CH" sz="4000" dirty="0"/>
+          </a:p>
+        </p:txBody>
+      </p:sp>
+      <p:cxnSp>
+        <p:nvCxnSpPr>
+          <p:cNvPr id="15" name="!!Connecteur droit 19">
+            <a:extLst>
+              <a:ext uri="{FF2B5EF4-FFF2-40B4-BE49-F238E27FC236}">
+                <a16:creationId xmlns:a16="http://schemas.microsoft.com/office/drawing/2014/main" id="{96E98589-D7DE-5D26-A648-C90803D99982}"/>
+              </a:ext>
+            </a:extLst>
+          </p:cNvPr>
+          <p:cNvCxnSpPr>
+            <a:cxnSpLocks/>
+          </p:cNvCxnSpPr>
+          <p:nvPr/>
+        </p:nvCxnSpPr>
+        <p:spPr>
+          <a:xfrm>
+            <a:off x="13712774" y="2665157"/>
+            <a:ext cx="0" cy="831964"/>
+          </a:xfrm>
+          <a:prstGeom prst="line">
+            <a:avLst/>
+          </a:prstGeom>
+          <a:ln w="57150">
+            <a:solidFill>
+              <a:srgbClr val="2C8C99"/>
+            </a:solidFill>
+          </a:ln>
+        </p:spPr>
+        <p:style>
+          <a:lnRef idx="1">
+            <a:schemeClr val="accent1"/>
+          </a:lnRef>
+          <a:fillRef idx="0">
+            <a:schemeClr val="accent1"/>
+          </a:fillRef>
+          <a:effectRef idx="0">
+            <a:schemeClr val="accent1"/>
+          </a:effectRef>
+          <a:fontRef idx="minor">
+            <a:schemeClr val="tx1"/>
+          </a:fontRef>
+        </p:style>
+      </p:cxnSp>
+    </p:spTree>
+    <p:extLst>
+      <p:ext uri="{BB962C8B-B14F-4D97-AF65-F5344CB8AC3E}">
+        <p14:creationId xmlns:p14="http://schemas.microsoft.com/office/powerpoint/2010/main" val="3280541871"/>
+      </p:ext>
+    </p:extLst>
+  </p:cSld>
+  <p:clrMapOvr>
+    <a:masterClrMapping/>
+  </p:clrMapOvr>
+  <mc:AlternateContent xmlns:mc="http://schemas.openxmlformats.org/markup-compatibility/2006" xmlns:p159="http://schemas.microsoft.com/office/powerpoint/2015/09/main">
+    <mc:Choice Requires="p159">
+      <p:transition xmlns:p14="http://schemas.microsoft.com/office/powerpoint/2010/main" spd="slow" p14:dur="2000">
+        <p159:morph option="byObject"/>
+      </p:transition>
+    </mc:Choice>
+    <mc:Fallback xmlns="">
+      <p:transition spd="slow">
+        <p:fade/>
+      </p:transition>
+    </mc:Fallback>
+  </mc:AlternateContent>
+</p:sld>
+</file>
+
+<file path=ppt/slides/slide6.xml><?xml version="1.0" encoding="utf-8"?>
+<p:sld xmlns:a="http://schemas.openxmlformats.org/drawingml/2006/main" xmlns:r="http://schemas.openxmlformats.org/officeDocument/2006/relationships" xmlns:p="http://schemas.openxmlformats.org/presentationml/2006/main">
+  <p:cSld>
+    <p:spTree>
+      <p:nvGrpSpPr>
+        <p:cNvPr id="1" name=""/>
+        <p:cNvGrpSpPr/>
+        <p:nvPr/>
+      </p:nvGrpSpPr>
+      <p:grpSpPr>
+        <a:xfrm>
+          <a:off x="0" y="0"/>
+          <a:ext cx="0" cy="0"/>
+          <a:chOff x="0" y="0"/>
+          <a:chExt cx="0" cy="0"/>
+        </a:xfrm>
+      </p:grpSpPr>
+      <p:sp>
+        <p:nvSpPr>
+          <p:cNvPr id="2" name="Espace réservé du pied de page 1">
+            <a:extLst>
+              <a:ext uri="{FF2B5EF4-FFF2-40B4-BE49-F238E27FC236}">
+                <a16:creationId xmlns:a16="http://schemas.microsoft.com/office/drawing/2014/main" id="{2996F4E8-71F2-1E79-AE71-5F8BC7798125}"/>
+              </a:ext>
+            </a:extLst>
+          </p:cNvPr>
+          <p:cNvSpPr>
+            <a:spLocks noGrp="1"/>
+          </p:cNvSpPr>
+          <p:nvPr>
+            <p:ph type="ftr" sz="quarter" idx="11"/>
+          </p:nvPr>
+        </p:nvSpPr>
+        <p:spPr/>
+        <p:txBody>
+          <a:bodyPr/>
+          <a:lstStyle/>
+          <a:p>
+            <a:r>
+              <a:rPr lang="fr-CH"/>
+              <a:t>Robin Forestier</a:t>
+            </a:r>
+          </a:p>
+        </p:txBody>
+      </p:sp>
+      <p:sp>
+        <p:nvSpPr>
+          <p:cNvPr id="3" name="Espace réservé du numéro de diapositive 2">
+            <a:extLst>
+              <a:ext uri="{FF2B5EF4-FFF2-40B4-BE49-F238E27FC236}">
+                <a16:creationId xmlns:a16="http://schemas.microsoft.com/office/drawing/2014/main" id="{60B0605B-87AA-A611-128B-EBEBCD54E177}"/>
+              </a:ext>
+            </a:extLst>
+          </p:cNvPr>
+          <p:cNvSpPr>
+            <a:spLocks noGrp="1"/>
+          </p:cNvSpPr>
+          <p:nvPr>
+            <p:ph type="sldNum" sz="quarter" idx="12"/>
+          </p:nvPr>
+        </p:nvSpPr>
+        <p:spPr/>
+        <p:txBody>
+          <a:bodyPr/>
+          <a:lstStyle/>
+          <a:p>
+            <a:fld id="{31A1C614-0108-4924-9B4C-0864BD720690}" type="slidenum">
+              <a:rPr lang="fr-CH" smtClean="0"/>
+              <a:t>6</a:t>
+            </a:fld>
+            <a:endParaRPr lang="fr-CH"/>
+          </a:p>
+        </p:txBody>
+      </p:sp>
+      <p:sp>
+        <p:nvSpPr>
+          <p:cNvPr id="7" name="ZoneTexte 6">
+            <a:extLst>
+              <a:ext uri="{FF2B5EF4-FFF2-40B4-BE49-F238E27FC236}">
+                <a16:creationId xmlns:a16="http://schemas.microsoft.com/office/drawing/2014/main" id="{A6D46681-6051-E304-7A3D-89B50A99EC02}"/>
+              </a:ext>
+            </a:extLst>
+          </p:cNvPr>
+          <p:cNvSpPr txBox="1"/>
+          <p:nvPr/>
+        </p:nvSpPr>
+        <p:spPr>
+          <a:xfrm>
+            <a:off x="1392546" y="3631910"/>
+            <a:ext cx="1742785" cy="1015663"/>
+          </a:xfrm>
+          <a:prstGeom prst="rect">
+            <a:avLst/>
+          </a:prstGeom>
+          <a:noFill/>
+        </p:spPr>
+        <p:txBody>
+          <a:bodyPr wrap="none" rtlCol="0">
+            <a:spAutoFit/>
+          </a:bodyPr>
+          <a:lstStyle/>
+          <a:p>
+            <a:r>
+              <a:rPr lang="fr-CH" sz="6000" dirty="0">
+                <a:solidFill>
+                  <a:srgbClr val="28464B"/>
+                </a:solidFill>
+              </a:rPr>
+              <a:t>2008</a:t>
+            </a:r>
+          </a:p>
+        </p:txBody>
+      </p:sp>
+      <p:cxnSp>
+        <p:nvCxnSpPr>
+          <p:cNvPr id="8" name="!!Connecteur droit 7">
+            <a:extLst>
+              <a:ext uri="{FF2B5EF4-FFF2-40B4-BE49-F238E27FC236}">
+                <a16:creationId xmlns:a16="http://schemas.microsoft.com/office/drawing/2014/main" id="{9A5E2D17-FC41-B0AC-4A12-8F68DD242B67}"/>
+              </a:ext>
+            </a:extLst>
+          </p:cNvPr>
+          <p:cNvCxnSpPr>
+            <a:cxnSpLocks/>
+          </p:cNvCxnSpPr>
+          <p:nvPr/>
+        </p:nvCxnSpPr>
+        <p:spPr>
+          <a:xfrm>
+            <a:off x="0" y="3410465"/>
+            <a:ext cx="12192000" cy="0"/>
+          </a:xfrm>
+          <a:prstGeom prst="line">
+            <a:avLst/>
+          </a:prstGeom>
+          <a:ln w="101600"/>
+        </p:spPr>
+        <p:style>
+          <a:lnRef idx="1">
+            <a:schemeClr val="dk1"/>
+          </a:lnRef>
+          <a:fillRef idx="0">
+            <a:schemeClr val="dk1"/>
+          </a:fillRef>
+          <a:effectRef idx="0">
+            <a:schemeClr val="dk1"/>
+          </a:effectRef>
+          <a:fontRef idx="minor">
+            <a:schemeClr val="tx1"/>
+          </a:fontRef>
+        </p:style>
+      </p:cxnSp>
+      <p:sp>
+        <p:nvSpPr>
+          <p:cNvPr id="12" name="Rectangle 11">
+            <a:extLst>
+              <a:ext uri="{FF2B5EF4-FFF2-40B4-BE49-F238E27FC236}">
+                <a16:creationId xmlns:a16="http://schemas.microsoft.com/office/drawing/2014/main" id="{56B513A3-178F-AA2E-524A-D6FDE64ACCE2}"/>
+              </a:ext>
+            </a:extLst>
+          </p:cNvPr>
+          <p:cNvSpPr/>
+          <p:nvPr/>
+        </p:nvSpPr>
+        <p:spPr>
+          <a:xfrm>
+            <a:off x="2078589" y="3189021"/>
+            <a:ext cx="370700" cy="370700"/>
+          </a:xfrm>
+          <a:prstGeom prst="rect">
+            <a:avLst/>
+          </a:prstGeom>
+          <a:solidFill>
+            <a:srgbClr val="28464B"/>
+          </a:solidFill>
+        </p:spPr>
+        <p:style>
+          <a:lnRef idx="2">
+            <a:schemeClr val="accent1">
+              <a:shade val="50000"/>
+            </a:schemeClr>
+          </a:lnRef>
+          <a:fillRef idx="1">
+            <a:schemeClr val="accent1"/>
+          </a:fillRef>
+          <a:effectRef idx="0">
+            <a:schemeClr val="accent1"/>
+          </a:effectRef>
+          <a:fontRef idx="minor">
+            <a:schemeClr val="lt1"/>
+          </a:fontRef>
+        </p:style>
+        <p:txBody>
+          <a:bodyPr rtlCol="0" anchor="ctr"/>
+          <a:lstStyle/>
+          <a:p>
+            <a:pPr algn="ctr"/>
+            <a:endParaRPr lang="fr-CH" dirty="0"/>
+          </a:p>
+        </p:txBody>
+      </p:sp>
+      <p:sp>
+        <p:nvSpPr>
+          <p:cNvPr id="14" name="Rectangle : coins arrondis 13">
+            <a:extLst>
+              <a:ext uri="{FF2B5EF4-FFF2-40B4-BE49-F238E27FC236}">
+                <a16:creationId xmlns:a16="http://schemas.microsoft.com/office/drawing/2014/main" id="{A0D1226E-F6EE-5D78-F9C2-9F3BF0483455}"/>
+              </a:ext>
+            </a:extLst>
+          </p:cNvPr>
+          <p:cNvSpPr/>
+          <p:nvPr/>
+        </p:nvSpPr>
+        <p:spPr>
+          <a:xfrm>
+            <a:off x="1070808" y="1630678"/>
+            <a:ext cx="2386260" cy="1148381"/>
+          </a:xfrm>
+          <a:prstGeom prst="roundRect">
+            <a:avLst/>
+          </a:prstGeom>
+          <a:solidFill>
+            <a:srgbClr val="28464B"/>
+          </a:solidFill>
+          <a:ln>
+            <a:solidFill>
+              <a:srgbClr val="28464B"/>
+            </a:solidFill>
+          </a:ln>
+        </p:spPr>
+        <p:style>
+          <a:lnRef idx="2">
+            <a:schemeClr val="accent1">
+              <a:shade val="50000"/>
+            </a:schemeClr>
+          </a:lnRef>
+          <a:fillRef idx="1">
+            <a:schemeClr val="accent1"/>
+          </a:fillRef>
+          <a:effectRef idx="0">
+            <a:schemeClr val="accent1"/>
+          </a:effectRef>
+          <a:fontRef idx="minor">
+            <a:schemeClr val="lt1"/>
+          </a:fontRef>
+        </p:style>
+        <p:txBody>
+          <a:bodyPr rtlCol="0" anchor="ctr"/>
+          <a:lstStyle/>
+          <a:p>
+            <a:pPr algn="ctr"/>
+            <a:r>
+              <a:rPr lang="fr-CH" sz="2800" dirty="0"/>
+              <a:t>Création de </a:t>
+            </a:r>
+          </a:p>
+          <a:p>
+            <a:pPr algn="ctr"/>
+            <a:r>
+              <a:rPr lang="fr-CH" sz="2800" dirty="0" err="1"/>
+              <a:t>Visar</a:t>
+            </a:r>
+            <a:r>
+              <a:rPr lang="fr-CH" sz="2800" dirty="0"/>
+              <a:t> </a:t>
+            </a:r>
+            <a:r>
+              <a:rPr lang="fr-CH" sz="2800" dirty="0" err="1"/>
+              <a:t>Sorting</a:t>
+            </a:r>
+            <a:endParaRPr lang="fr-CH" sz="2800" dirty="0"/>
+          </a:p>
+        </p:txBody>
+      </p:sp>
+      <p:sp>
+        <p:nvSpPr>
+          <p:cNvPr id="6" name="ZoneTexte 5">
+            <a:extLst>
+              <a:ext uri="{FF2B5EF4-FFF2-40B4-BE49-F238E27FC236}">
+                <a16:creationId xmlns:a16="http://schemas.microsoft.com/office/drawing/2014/main" id="{02C9B876-369B-0B3D-FD81-5CEAD7ED2B3A}"/>
+              </a:ext>
+            </a:extLst>
+          </p:cNvPr>
+          <p:cNvSpPr txBox="1"/>
+          <p:nvPr/>
+        </p:nvSpPr>
+        <p:spPr>
+          <a:xfrm>
+            <a:off x="4699697" y="1865582"/>
+            <a:ext cx="2262158" cy="1323439"/>
+          </a:xfrm>
+          <a:prstGeom prst="rect">
+            <a:avLst/>
+          </a:prstGeom>
+          <a:noFill/>
+        </p:spPr>
+        <p:txBody>
+          <a:bodyPr wrap="none" rtlCol="0">
+            <a:spAutoFit/>
+          </a:bodyPr>
+          <a:lstStyle/>
+          <a:p>
+            <a:r>
+              <a:rPr lang="fr-CH" sz="8000" dirty="0">
+                <a:solidFill>
+                  <a:srgbClr val="326771"/>
+                </a:solidFill>
+              </a:rPr>
+              <a:t>2010</a:t>
+            </a:r>
+          </a:p>
+        </p:txBody>
+      </p:sp>
+      <p:sp>
+        <p:nvSpPr>
+          <p:cNvPr id="9" name="Rectangle 8">
+            <a:extLst>
+              <a:ext uri="{FF2B5EF4-FFF2-40B4-BE49-F238E27FC236}">
+                <a16:creationId xmlns:a16="http://schemas.microsoft.com/office/drawing/2014/main" id="{B591BEC3-309C-D4F6-FF91-E36EE1D4191A}"/>
+              </a:ext>
+            </a:extLst>
+          </p:cNvPr>
+          <p:cNvSpPr/>
+          <p:nvPr/>
+        </p:nvSpPr>
+        <p:spPr>
+          <a:xfrm>
+            <a:off x="5645427" y="3225115"/>
+            <a:ext cx="370700" cy="370700"/>
+          </a:xfrm>
+          <a:prstGeom prst="rect">
+            <a:avLst/>
+          </a:prstGeom>
+          <a:solidFill>
+            <a:srgbClr val="326771"/>
+          </a:solidFill>
+          <a:ln>
+            <a:solidFill>
+              <a:srgbClr val="326771"/>
+            </a:solidFill>
+          </a:ln>
+        </p:spPr>
+        <p:style>
+          <a:lnRef idx="2">
+            <a:schemeClr val="accent1">
+              <a:shade val="50000"/>
+            </a:schemeClr>
+          </a:lnRef>
+          <a:fillRef idx="1">
+            <a:schemeClr val="accent1"/>
+          </a:fillRef>
+          <a:effectRef idx="0">
+            <a:schemeClr val="accent1"/>
+          </a:effectRef>
+          <a:fontRef idx="minor">
+            <a:schemeClr val="lt1"/>
+          </a:fontRef>
+        </p:style>
+        <p:txBody>
+          <a:bodyPr rtlCol="0" anchor="ctr"/>
+          <a:lstStyle/>
+          <a:p>
+            <a:pPr algn="ctr"/>
+            <a:endParaRPr lang="fr-CH" dirty="0">
+              <a:solidFill>
+                <a:srgbClr val="326771"/>
+              </a:solidFill>
+            </a:endParaRPr>
+          </a:p>
+        </p:txBody>
+      </p:sp>
+      <p:sp>
+        <p:nvSpPr>
+          <p:cNvPr id="10" name="Rectangle : coins arrondis 9">
+            <a:extLst>
+              <a:ext uri="{FF2B5EF4-FFF2-40B4-BE49-F238E27FC236}">
+                <a16:creationId xmlns:a16="http://schemas.microsoft.com/office/drawing/2014/main" id="{BC8E8D3C-A153-1177-AFF1-0F502BC8B659}"/>
+              </a:ext>
+            </a:extLst>
+          </p:cNvPr>
+          <p:cNvSpPr/>
+          <p:nvPr/>
+        </p:nvSpPr>
+        <p:spPr>
+          <a:xfrm>
+            <a:off x="4458097" y="4000243"/>
+            <a:ext cx="2743201" cy="1323440"/>
+          </a:xfrm>
+          <a:prstGeom prst="roundRect">
+            <a:avLst/>
+          </a:prstGeom>
+          <a:solidFill>
+            <a:srgbClr val="326771"/>
+          </a:solidFill>
+          <a:ln>
+            <a:solidFill>
+              <a:srgbClr val="28464B"/>
+            </a:solidFill>
+          </a:ln>
+        </p:spPr>
+        <p:style>
+          <a:lnRef idx="2">
+            <a:schemeClr val="accent1">
+              <a:shade val="50000"/>
+            </a:schemeClr>
+          </a:lnRef>
+          <a:fillRef idx="1">
+            <a:schemeClr val="accent1"/>
+          </a:fillRef>
+          <a:effectRef idx="0">
+            <a:schemeClr val="accent1"/>
+          </a:effectRef>
+          <a:fontRef idx="minor">
+            <a:schemeClr val="lt1"/>
+          </a:fontRef>
+        </p:style>
+        <p:txBody>
+          <a:bodyPr rtlCol="0" anchor="ctr"/>
+          <a:lstStyle/>
+          <a:p>
+            <a:pPr algn="ctr"/>
+            <a:r>
+              <a:rPr lang="fr-CH" sz="3200" dirty="0"/>
+              <a:t>Première ligne chez Stoll</a:t>
+            </a:r>
+          </a:p>
+        </p:txBody>
+      </p:sp>
+      <p:sp>
+        <p:nvSpPr>
+          <p:cNvPr id="17" name="ZoneTexte 16">
+            <a:extLst>
+              <a:ext uri="{FF2B5EF4-FFF2-40B4-BE49-F238E27FC236}">
+                <a16:creationId xmlns:a16="http://schemas.microsoft.com/office/drawing/2014/main" id="{F04BA473-073D-3FFA-2F35-AF9A96E6A1D0}"/>
+              </a:ext>
+            </a:extLst>
+          </p:cNvPr>
+          <p:cNvSpPr txBox="1"/>
+          <p:nvPr/>
+        </p:nvSpPr>
+        <p:spPr>
+          <a:xfrm>
+            <a:off x="8386470" y="3509159"/>
+            <a:ext cx="3044423" cy="1785104"/>
+          </a:xfrm>
+          <a:prstGeom prst="rect">
+            <a:avLst/>
+          </a:prstGeom>
+          <a:noFill/>
+        </p:spPr>
+        <p:txBody>
+          <a:bodyPr wrap="none" rtlCol="0">
+            <a:spAutoFit/>
+          </a:bodyPr>
+          <a:lstStyle/>
+          <a:p>
+            <a:r>
+              <a:rPr lang="fr-CH" sz="11000" dirty="0">
+                <a:solidFill>
+                  <a:srgbClr val="2C8C99"/>
+                </a:solidFill>
+              </a:rPr>
+              <a:t>2015</a:t>
+            </a:r>
+          </a:p>
+        </p:txBody>
+      </p:sp>
+      <p:sp>
+        <p:nvSpPr>
+          <p:cNvPr id="18" name="Rectangle 17">
+            <a:extLst>
+              <a:ext uri="{FF2B5EF4-FFF2-40B4-BE49-F238E27FC236}">
+                <a16:creationId xmlns:a16="http://schemas.microsoft.com/office/drawing/2014/main" id="{DFD9B639-F52A-1033-465F-5EDA7E7726C4}"/>
+              </a:ext>
+            </a:extLst>
+          </p:cNvPr>
+          <p:cNvSpPr/>
+          <p:nvPr/>
+        </p:nvSpPr>
+        <p:spPr>
+          <a:xfrm>
+            <a:off x="9723332" y="3212717"/>
+            <a:ext cx="370700" cy="370700"/>
+          </a:xfrm>
+          <a:prstGeom prst="rect">
+            <a:avLst/>
+          </a:prstGeom>
+          <a:solidFill>
+            <a:srgbClr val="2C8C99"/>
+          </a:solidFill>
+        </p:spPr>
+        <p:style>
+          <a:lnRef idx="2">
+            <a:schemeClr val="accent1">
+              <a:shade val="50000"/>
+            </a:schemeClr>
+          </a:lnRef>
+          <a:fillRef idx="1">
+            <a:schemeClr val="accent1"/>
+          </a:fillRef>
+          <a:effectRef idx="0">
+            <a:schemeClr val="accent1"/>
+          </a:effectRef>
+          <a:fontRef idx="minor">
+            <a:schemeClr val="lt1"/>
+          </a:fontRef>
+        </p:style>
+        <p:txBody>
+          <a:bodyPr rtlCol="0" anchor="ctr"/>
+          <a:lstStyle/>
+          <a:p>
+            <a:pPr algn="ctr"/>
+            <a:endParaRPr lang="fr-CH" dirty="0"/>
+          </a:p>
+        </p:txBody>
+      </p:sp>
+      <p:sp>
+        <p:nvSpPr>
+          <p:cNvPr id="19" name="Rectangle : coins arrondis 18">
+            <a:extLst>
+              <a:ext uri="{FF2B5EF4-FFF2-40B4-BE49-F238E27FC236}">
+                <a16:creationId xmlns:a16="http://schemas.microsoft.com/office/drawing/2014/main" id="{FA1FE67C-C133-60E2-F0D9-128CB597F6C3}"/>
+              </a:ext>
+            </a:extLst>
+          </p:cNvPr>
+          <p:cNvSpPr/>
+          <p:nvPr/>
+        </p:nvSpPr>
+        <p:spPr>
+          <a:xfrm>
+            <a:off x="8496868" y="1128967"/>
+            <a:ext cx="2823628" cy="1473230"/>
+          </a:xfrm>
+          <a:prstGeom prst="roundRect">
+            <a:avLst/>
+          </a:prstGeom>
+          <a:solidFill>
+            <a:srgbClr val="2C8C99"/>
+          </a:solidFill>
+          <a:ln>
+            <a:solidFill>
+              <a:srgbClr val="2C8C99"/>
+            </a:solidFill>
+          </a:ln>
+        </p:spPr>
+        <p:style>
+          <a:lnRef idx="2">
+            <a:schemeClr val="accent1">
+              <a:shade val="50000"/>
+            </a:schemeClr>
+          </a:lnRef>
+          <a:fillRef idx="1">
+            <a:schemeClr val="accent1"/>
+          </a:fillRef>
+          <a:effectRef idx="0">
+            <a:schemeClr val="accent1"/>
+          </a:effectRef>
+          <a:fontRef idx="minor">
+            <a:schemeClr val="lt1"/>
+          </a:fontRef>
+        </p:style>
+        <p:txBody>
+          <a:bodyPr rtlCol="0" anchor="ctr"/>
+          <a:lstStyle/>
+          <a:p>
+            <a:pPr algn="ctr"/>
+            <a:r>
+              <a:rPr lang="fr-CH" sz="4000" dirty="0" err="1"/>
+              <a:t>Sortop</a:t>
+            </a:r>
+            <a:endParaRPr lang="fr-CH" sz="4000" dirty="0"/>
+          </a:p>
+          <a:p>
+            <a:pPr algn="ctr"/>
+            <a:r>
+              <a:rPr lang="fr-CH" sz="4000" dirty="0" err="1"/>
+              <a:t>Potatoes</a:t>
+            </a:r>
+            <a:endParaRPr lang="fr-CH" sz="4000" dirty="0"/>
+          </a:p>
+        </p:txBody>
+      </p:sp>
+      <p:cxnSp>
+        <p:nvCxnSpPr>
+          <p:cNvPr id="20" name="!!Connecteur droit 19">
+            <a:extLst>
+              <a:ext uri="{FF2B5EF4-FFF2-40B4-BE49-F238E27FC236}">
+                <a16:creationId xmlns:a16="http://schemas.microsoft.com/office/drawing/2014/main" id="{8F196BFE-B500-42FE-F634-A124CB7C2BBD}"/>
+              </a:ext>
+            </a:extLst>
+          </p:cNvPr>
+          <p:cNvCxnSpPr>
+            <a:cxnSpLocks/>
+          </p:cNvCxnSpPr>
+          <p:nvPr/>
+        </p:nvCxnSpPr>
+        <p:spPr>
+          <a:xfrm>
+            <a:off x="9907244" y="2578501"/>
+            <a:ext cx="0" cy="831964"/>
+          </a:xfrm>
+          <a:prstGeom prst="line">
+            <a:avLst/>
+          </a:prstGeom>
+          <a:ln w="57150">
+            <a:solidFill>
+              <a:srgbClr val="2C8C99"/>
+            </a:solidFill>
+          </a:ln>
+        </p:spPr>
+        <p:style>
+          <a:lnRef idx="1">
+            <a:schemeClr val="accent1"/>
+          </a:lnRef>
+          <a:fillRef idx="0">
+            <a:schemeClr val="accent1"/>
+          </a:fillRef>
+          <a:effectRef idx="0">
+            <a:schemeClr val="accent1"/>
+          </a:effectRef>
+          <a:fontRef idx="minor">
+            <a:schemeClr val="tx1"/>
+          </a:fontRef>
+        </p:style>
+      </p:cxnSp>
+      <p:cxnSp>
+        <p:nvCxnSpPr>
+          <p:cNvPr id="11" name="Connecteur droit 10">
+            <a:extLst>
+              <a:ext uri="{FF2B5EF4-FFF2-40B4-BE49-F238E27FC236}">
+                <a16:creationId xmlns:a16="http://schemas.microsoft.com/office/drawing/2014/main" id="{C157565D-1D90-FC3B-53CC-C21DD6326709}"/>
+              </a:ext>
+            </a:extLst>
+          </p:cNvPr>
+          <p:cNvCxnSpPr>
+            <a:cxnSpLocks/>
+          </p:cNvCxnSpPr>
+          <p:nvPr/>
+        </p:nvCxnSpPr>
+        <p:spPr>
+          <a:xfrm>
+            <a:off x="5840975" y="3442053"/>
+            <a:ext cx="0" cy="558190"/>
+          </a:xfrm>
+          <a:prstGeom prst="line">
+            <a:avLst/>
+          </a:prstGeom>
+          <a:ln w="57150">
+            <a:solidFill>
+              <a:srgbClr val="326771"/>
+            </a:solidFill>
+          </a:ln>
+        </p:spPr>
+        <p:style>
+          <a:lnRef idx="1">
+            <a:schemeClr val="accent1"/>
+          </a:lnRef>
+          <a:fillRef idx="0">
+            <a:schemeClr val="accent1"/>
+          </a:fillRef>
+          <a:effectRef idx="0">
+            <a:schemeClr val="accent1"/>
+          </a:effectRef>
+          <a:fontRef idx="minor">
+            <a:schemeClr val="tx1"/>
+          </a:fontRef>
+        </p:style>
+      </p:cxnSp>
+      <p:cxnSp>
+        <p:nvCxnSpPr>
+          <p:cNvPr id="26" name="!!Connecteur droit 24">
+            <a:extLst>
+              <a:ext uri="{FF2B5EF4-FFF2-40B4-BE49-F238E27FC236}">
+                <a16:creationId xmlns:a16="http://schemas.microsoft.com/office/drawing/2014/main" id="{7F4DBD53-B1AC-070F-8F3B-BC5107EDB00E}"/>
+              </a:ext>
+            </a:extLst>
+          </p:cNvPr>
+          <p:cNvCxnSpPr>
+            <a:cxnSpLocks/>
+          </p:cNvCxnSpPr>
+          <p:nvPr/>
+        </p:nvCxnSpPr>
+        <p:spPr>
+          <a:xfrm>
+            <a:off x="2276296" y="2779059"/>
+            <a:ext cx="0" cy="451591"/>
+          </a:xfrm>
+          <a:prstGeom prst="line">
+            <a:avLst/>
+          </a:prstGeom>
+          <a:ln w="57150">
+            <a:solidFill>
+              <a:srgbClr val="28464B"/>
+            </a:solidFill>
+          </a:ln>
+        </p:spPr>
+        <p:style>
+          <a:lnRef idx="1">
+            <a:schemeClr val="accent1"/>
+          </a:lnRef>
+          <a:fillRef idx="0">
+            <a:schemeClr val="accent1"/>
+          </a:fillRef>
+          <a:effectRef idx="0">
+            <a:schemeClr val="accent1"/>
+          </a:effectRef>
+          <a:fontRef idx="minor">
+            <a:schemeClr val="tx1"/>
+          </a:fontRef>
+        </p:style>
+      </p:cxnSp>
+      <p:sp>
+        <p:nvSpPr>
+          <p:cNvPr id="4" name="ZoneTexte 3">
+            <a:extLst>
+              <a:ext uri="{FF2B5EF4-FFF2-40B4-BE49-F238E27FC236}">
+                <a16:creationId xmlns:a16="http://schemas.microsoft.com/office/drawing/2014/main" id="{24153E81-D5A8-1102-ED83-62C2701F367B}"/>
+              </a:ext>
+            </a:extLst>
+          </p:cNvPr>
+          <p:cNvSpPr txBox="1"/>
+          <p:nvPr/>
+        </p:nvSpPr>
+        <p:spPr>
+          <a:xfrm>
+            <a:off x="12166342" y="1656949"/>
+            <a:ext cx="3044423" cy="1785104"/>
+          </a:xfrm>
+          <a:prstGeom prst="rect">
+            <a:avLst/>
+          </a:prstGeom>
+          <a:noFill/>
+        </p:spPr>
+        <p:txBody>
+          <a:bodyPr wrap="none" rtlCol="0">
+            <a:spAutoFit/>
+          </a:bodyPr>
+          <a:lstStyle/>
+          <a:p>
+            <a:r>
+              <a:rPr lang="fr-CH" sz="11000" dirty="0">
+                <a:solidFill>
+                  <a:srgbClr val="25BBAA"/>
+                </a:solidFill>
+              </a:rPr>
+              <a:t>2018</a:t>
+            </a:r>
+          </a:p>
+        </p:txBody>
+      </p:sp>
+      <p:sp>
+        <p:nvSpPr>
+          <p:cNvPr id="5" name="Rectangle 4">
+            <a:extLst>
+              <a:ext uri="{FF2B5EF4-FFF2-40B4-BE49-F238E27FC236}">
+                <a16:creationId xmlns:a16="http://schemas.microsoft.com/office/drawing/2014/main" id="{83D5C898-31CB-5F40-9AF8-328B54367DDC}"/>
+              </a:ext>
+            </a:extLst>
+          </p:cNvPr>
+          <p:cNvSpPr/>
+          <p:nvPr/>
+        </p:nvSpPr>
+        <p:spPr>
+          <a:xfrm>
+            <a:off x="13508585" y="3233455"/>
+            <a:ext cx="370700" cy="370700"/>
+          </a:xfrm>
+          <a:prstGeom prst="rect">
+            <a:avLst/>
+          </a:prstGeom>
+          <a:solidFill>
+            <a:srgbClr val="25BBAA"/>
+          </a:solidFill>
+          <a:ln>
+            <a:solidFill>
+              <a:srgbClr val="25BBAA"/>
+            </a:solidFill>
+          </a:ln>
+        </p:spPr>
+        <p:style>
+          <a:lnRef idx="2">
+            <a:schemeClr val="accent1">
+              <a:shade val="50000"/>
+            </a:schemeClr>
+          </a:lnRef>
+          <a:fillRef idx="1">
+            <a:schemeClr val="accent1"/>
+          </a:fillRef>
+          <a:effectRef idx="0">
+            <a:schemeClr val="accent1"/>
+          </a:effectRef>
+          <a:fontRef idx="minor">
+            <a:schemeClr val="lt1"/>
+          </a:fontRef>
+        </p:style>
+        <p:txBody>
+          <a:bodyPr rtlCol="0" anchor="ctr"/>
+          <a:lstStyle/>
+          <a:p>
+            <a:pPr algn="ctr"/>
+            <a:endParaRPr lang="fr-CH" dirty="0">
+              <a:solidFill>
+                <a:srgbClr val="326771"/>
+              </a:solidFill>
+            </a:endParaRPr>
+          </a:p>
+        </p:txBody>
+      </p:sp>
+      <p:sp>
+        <p:nvSpPr>
+          <p:cNvPr id="13" name="Rectangle : coins arrondis 12">
+            <a:extLst>
+              <a:ext uri="{FF2B5EF4-FFF2-40B4-BE49-F238E27FC236}">
+                <a16:creationId xmlns:a16="http://schemas.microsoft.com/office/drawing/2014/main" id="{DBAB9011-1344-3EE1-E7D8-7A4E8B9E78AD}"/>
+              </a:ext>
+            </a:extLst>
+          </p:cNvPr>
+          <p:cNvSpPr/>
+          <p:nvPr/>
+        </p:nvSpPr>
+        <p:spPr>
+          <a:xfrm>
+            <a:off x="12278997" y="4175987"/>
+            <a:ext cx="2829876" cy="1364104"/>
+          </a:xfrm>
+          <a:prstGeom prst="roundRect">
+            <a:avLst/>
+          </a:prstGeom>
+          <a:solidFill>
+            <a:srgbClr val="25BBAA"/>
+          </a:solidFill>
+          <a:ln>
+            <a:solidFill>
+              <a:srgbClr val="42D9C8"/>
+            </a:solidFill>
+          </a:ln>
+        </p:spPr>
+        <p:style>
+          <a:lnRef idx="2">
+            <a:schemeClr val="accent1">
+              <a:shade val="50000"/>
+            </a:schemeClr>
+          </a:lnRef>
+          <a:fillRef idx="1">
+            <a:schemeClr val="accent1"/>
+          </a:fillRef>
+          <a:effectRef idx="0">
+            <a:schemeClr val="accent1"/>
+          </a:effectRef>
+          <a:fontRef idx="minor">
+            <a:schemeClr val="lt1"/>
+          </a:fontRef>
+        </p:style>
+        <p:txBody>
+          <a:bodyPr rtlCol="0" anchor="ctr"/>
+          <a:lstStyle/>
+          <a:p>
+            <a:pPr algn="ctr"/>
+            <a:r>
+              <a:rPr lang="fr-CH" sz="4000" dirty="0"/>
+              <a:t>100 Lignes</a:t>
+            </a:r>
+          </a:p>
+        </p:txBody>
+      </p:sp>
+      <p:cxnSp>
+        <p:nvCxnSpPr>
+          <p:cNvPr id="15" name="Connecteur droit 14">
+            <a:extLst>
+              <a:ext uri="{FF2B5EF4-FFF2-40B4-BE49-F238E27FC236}">
+                <a16:creationId xmlns:a16="http://schemas.microsoft.com/office/drawing/2014/main" id="{24A245F5-4797-BE9F-F97A-396B7D96C87A}"/>
+              </a:ext>
+            </a:extLst>
+          </p:cNvPr>
+          <p:cNvCxnSpPr>
+            <a:cxnSpLocks/>
+          </p:cNvCxnSpPr>
+          <p:nvPr/>
+        </p:nvCxnSpPr>
+        <p:spPr>
+          <a:xfrm>
+            <a:off x="13706292" y="3600004"/>
+            <a:ext cx="0" cy="596850"/>
+          </a:xfrm>
+          <a:prstGeom prst="line">
+            <a:avLst/>
+          </a:prstGeom>
+          <a:ln w="57150">
+            <a:solidFill>
+              <a:srgbClr val="25BBAA"/>
+            </a:solidFill>
+          </a:ln>
+        </p:spPr>
+        <p:style>
+          <a:lnRef idx="1">
+            <a:schemeClr val="accent1"/>
+          </a:lnRef>
+          <a:fillRef idx="0">
+            <a:schemeClr val="accent1"/>
+          </a:fillRef>
+          <a:effectRef idx="0">
+            <a:schemeClr val="accent1"/>
+          </a:effectRef>
+          <a:fontRef idx="minor">
+            <a:schemeClr val="tx1"/>
+          </a:fontRef>
+        </p:style>
+      </p:cxnSp>
+    </p:spTree>
+    <p:extLst>
+      <p:ext uri="{BB962C8B-B14F-4D97-AF65-F5344CB8AC3E}">
+        <p14:creationId xmlns:p14="http://schemas.microsoft.com/office/powerpoint/2010/main" val="3474215777"/>
+      </p:ext>
+    </p:extLst>
+  </p:cSld>
+  <p:clrMapOvr>
+    <a:masterClrMapping/>
+  </p:clrMapOvr>
+  <mc:AlternateContent xmlns:mc="http://schemas.openxmlformats.org/markup-compatibility/2006" xmlns:p159="http://schemas.microsoft.com/office/powerpoint/2015/09/main">
+    <mc:Choice Requires="p159">
+      <p:transition xmlns:p14="http://schemas.microsoft.com/office/powerpoint/2010/main" spd="slow" p14:dur="2000">
+        <p159:morph option="byObject"/>
+      </p:transition>
+    </mc:Choice>
+    <mc:Fallback xmlns="">
+      <p:transition spd="slow">
+        <p:fade/>
+      </p:transition>
+    </mc:Fallback>
+  </mc:AlternateContent>
+</p:sld>
+</file>
+
+<file path=ppt/slides/slide7.xml><?xml version="1.0" encoding="utf-8"?>
+<p:sld xmlns:a="http://schemas.openxmlformats.org/drawingml/2006/main" xmlns:r="http://schemas.openxmlformats.org/officeDocument/2006/relationships" xmlns:p="http://schemas.openxmlformats.org/presentationml/2006/main">
+  <p:cSld>
+    <p:spTree>
+      <p:nvGrpSpPr>
+        <p:cNvPr id="1" name=""/>
+        <p:cNvGrpSpPr/>
+        <p:nvPr/>
+      </p:nvGrpSpPr>
+      <p:grpSpPr>
+        <a:xfrm>
+          <a:off x="0" y="0"/>
+          <a:ext cx="0" cy="0"/>
+          <a:chOff x="0" y="0"/>
+          <a:chExt cx="0" cy="0"/>
+        </a:xfrm>
+      </p:grpSpPr>
+      <p:sp>
+        <p:nvSpPr>
+          <p:cNvPr id="2" name="Espace réservé du pied de page 1">
+            <a:extLst>
+              <a:ext uri="{FF2B5EF4-FFF2-40B4-BE49-F238E27FC236}">
+                <a16:creationId xmlns:a16="http://schemas.microsoft.com/office/drawing/2014/main" id="{2996F4E8-71F2-1E79-AE71-5F8BC7798125}"/>
+              </a:ext>
+            </a:extLst>
+          </p:cNvPr>
+          <p:cNvSpPr>
+            <a:spLocks noGrp="1"/>
+          </p:cNvSpPr>
+          <p:nvPr>
+            <p:ph type="ftr" sz="quarter" idx="11"/>
+          </p:nvPr>
+        </p:nvSpPr>
+        <p:spPr/>
+        <p:txBody>
+          <a:bodyPr/>
+          <a:lstStyle/>
+          <a:p>
+            <a:r>
+              <a:rPr lang="fr-CH" dirty="0"/>
+              <a:t>Robin Forestier</a:t>
+            </a:r>
+          </a:p>
+        </p:txBody>
+      </p:sp>
+      <p:sp>
+        <p:nvSpPr>
+          <p:cNvPr id="3" name="Espace réservé du numéro de diapositive 2">
+            <a:extLst>
+              <a:ext uri="{FF2B5EF4-FFF2-40B4-BE49-F238E27FC236}">
+                <a16:creationId xmlns:a16="http://schemas.microsoft.com/office/drawing/2014/main" id="{60B0605B-87AA-A611-128B-EBEBCD54E177}"/>
+              </a:ext>
+            </a:extLst>
+          </p:cNvPr>
+          <p:cNvSpPr>
+            <a:spLocks noGrp="1"/>
+          </p:cNvSpPr>
+          <p:nvPr>
+            <p:ph type="sldNum" sz="quarter" idx="12"/>
+          </p:nvPr>
+        </p:nvSpPr>
+        <p:spPr/>
+        <p:txBody>
+          <a:bodyPr/>
+          <a:lstStyle/>
+          <a:p>
+            <a:fld id="{31A1C614-0108-4924-9B4C-0864BD720690}" type="slidenum">
+              <a:rPr lang="fr-CH" smtClean="0"/>
+              <a:t>7</a:t>
+            </a:fld>
+            <a:endParaRPr lang="fr-CH" dirty="0"/>
+          </a:p>
+        </p:txBody>
+      </p:sp>
+      <p:sp>
+        <p:nvSpPr>
+          <p:cNvPr id="7" name="ZoneTexte 6">
+            <a:extLst>
+              <a:ext uri="{FF2B5EF4-FFF2-40B4-BE49-F238E27FC236}">
+                <a16:creationId xmlns:a16="http://schemas.microsoft.com/office/drawing/2014/main" id="{A6D46681-6051-E304-7A3D-89B50A99EC02}"/>
+              </a:ext>
+            </a:extLst>
+          </p:cNvPr>
+          <p:cNvSpPr txBox="1"/>
+          <p:nvPr/>
+        </p:nvSpPr>
+        <p:spPr>
+          <a:xfrm>
+            <a:off x="1003418" y="3568416"/>
+            <a:ext cx="1588897" cy="923330"/>
+          </a:xfrm>
+          <a:prstGeom prst="rect">
+            <a:avLst/>
+          </a:prstGeom>
+          <a:noFill/>
+        </p:spPr>
+        <p:txBody>
+          <a:bodyPr wrap="none" rtlCol="0">
+            <a:spAutoFit/>
+          </a:bodyPr>
+          <a:lstStyle/>
+          <a:p>
+            <a:r>
+              <a:rPr lang="fr-CH" sz="5400" dirty="0">
+                <a:solidFill>
+                  <a:srgbClr val="28464B"/>
+                </a:solidFill>
+              </a:rPr>
+              <a:t>2008</a:t>
+            </a:r>
+          </a:p>
+        </p:txBody>
+      </p:sp>
+      <p:cxnSp>
+        <p:nvCxnSpPr>
+          <p:cNvPr id="8" name="!!Connecteur droit 7">
+            <a:extLst>
+              <a:ext uri="{FF2B5EF4-FFF2-40B4-BE49-F238E27FC236}">
+                <a16:creationId xmlns:a16="http://schemas.microsoft.com/office/drawing/2014/main" id="{9A5E2D17-FC41-B0AC-4A12-8F68DD242B67}"/>
+              </a:ext>
+            </a:extLst>
+          </p:cNvPr>
+          <p:cNvCxnSpPr>
+            <a:cxnSpLocks/>
+          </p:cNvCxnSpPr>
+          <p:nvPr/>
+        </p:nvCxnSpPr>
+        <p:spPr>
+          <a:xfrm>
+            <a:off x="0" y="3410465"/>
+            <a:ext cx="12192000" cy="0"/>
+          </a:xfrm>
+          <a:prstGeom prst="line">
+            <a:avLst/>
+          </a:prstGeom>
+          <a:ln w="101600"/>
+        </p:spPr>
+        <p:style>
+          <a:lnRef idx="1">
+            <a:schemeClr val="dk1"/>
+          </a:lnRef>
+          <a:fillRef idx="0">
+            <a:schemeClr val="dk1"/>
+          </a:fillRef>
+          <a:effectRef idx="0">
+            <a:schemeClr val="dk1"/>
+          </a:effectRef>
+          <a:fontRef idx="minor">
+            <a:schemeClr val="tx1"/>
+          </a:fontRef>
+        </p:style>
+      </p:cxnSp>
+      <p:sp>
+        <p:nvSpPr>
+          <p:cNvPr id="12" name="Rectangle 11">
+            <a:extLst>
+              <a:ext uri="{FF2B5EF4-FFF2-40B4-BE49-F238E27FC236}">
+                <a16:creationId xmlns:a16="http://schemas.microsoft.com/office/drawing/2014/main" id="{56B513A3-178F-AA2E-524A-D6FDE64ACCE2}"/>
+              </a:ext>
+            </a:extLst>
+          </p:cNvPr>
+          <p:cNvSpPr/>
+          <p:nvPr/>
+        </p:nvSpPr>
+        <p:spPr>
+          <a:xfrm>
+            <a:off x="1612517" y="3197716"/>
+            <a:ext cx="370700" cy="370700"/>
+          </a:xfrm>
+          <a:prstGeom prst="rect">
+            <a:avLst/>
+          </a:prstGeom>
+          <a:solidFill>
+            <a:srgbClr val="28464B"/>
+          </a:solidFill>
+        </p:spPr>
+        <p:style>
+          <a:lnRef idx="2">
+            <a:schemeClr val="accent1">
+              <a:shade val="50000"/>
+            </a:schemeClr>
+          </a:lnRef>
+          <a:fillRef idx="1">
+            <a:schemeClr val="accent1"/>
+          </a:fillRef>
+          <a:effectRef idx="0">
+            <a:schemeClr val="accent1"/>
+          </a:effectRef>
+          <a:fontRef idx="minor">
+            <a:schemeClr val="lt1"/>
+          </a:fontRef>
+        </p:style>
+        <p:txBody>
+          <a:bodyPr rtlCol="0" anchor="ctr"/>
+          <a:lstStyle/>
+          <a:p>
+            <a:pPr algn="ctr"/>
+            <a:endParaRPr lang="fr-CH" dirty="0"/>
+          </a:p>
+        </p:txBody>
+      </p:sp>
+      <p:sp>
+        <p:nvSpPr>
+          <p:cNvPr id="14" name="Rectangle : coins arrondis 13">
+            <a:extLst>
+              <a:ext uri="{FF2B5EF4-FFF2-40B4-BE49-F238E27FC236}">
+                <a16:creationId xmlns:a16="http://schemas.microsoft.com/office/drawing/2014/main" id="{A0D1226E-F6EE-5D78-F9C2-9F3BF0483455}"/>
+              </a:ext>
+            </a:extLst>
+          </p:cNvPr>
+          <p:cNvSpPr/>
+          <p:nvPr/>
+        </p:nvSpPr>
+        <p:spPr>
+          <a:xfrm>
+            <a:off x="799707" y="1888962"/>
+            <a:ext cx="1996320" cy="917855"/>
+          </a:xfrm>
+          <a:prstGeom prst="roundRect">
+            <a:avLst/>
+          </a:prstGeom>
+          <a:solidFill>
+            <a:srgbClr val="28464B"/>
+          </a:solidFill>
+          <a:ln>
+            <a:solidFill>
+              <a:srgbClr val="28464B"/>
+            </a:solidFill>
+          </a:ln>
+        </p:spPr>
+        <p:style>
+          <a:lnRef idx="2">
+            <a:schemeClr val="accent1">
+              <a:shade val="50000"/>
+            </a:schemeClr>
+          </a:lnRef>
+          <a:fillRef idx="1">
+            <a:schemeClr val="accent1"/>
+          </a:fillRef>
+          <a:effectRef idx="0">
+            <a:schemeClr val="accent1"/>
+          </a:effectRef>
+          <a:fontRef idx="minor">
+            <a:schemeClr val="lt1"/>
+          </a:fontRef>
+        </p:style>
+        <p:txBody>
+          <a:bodyPr rtlCol="0" anchor="ctr"/>
+          <a:lstStyle/>
+          <a:p>
+            <a:pPr algn="ctr"/>
+            <a:r>
+              <a:rPr lang="fr-CH" sz="2400" dirty="0"/>
+              <a:t>Création de </a:t>
+            </a:r>
+          </a:p>
+          <a:p>
+            <a:pPr algn="ctr"/>
+            <a:r>
+              <a:rPr lang="fr-CH" sz="2400" dirty="0" err="1"/>
+              <a:t>Visar</a:t>
+            </a:r>
+            <a:r>
+              <a:rPr lang="fr-CH" sz="2400" dirty="0"/>
+              <a:t> </a:t>
+            </a:r>
+            <a:r>
+              <a:rPr lang="fr-CH" sz="2400" dirty="0" err="1"/>
+              <a:t>Sorting</a:t>
+            </a:r>
+            <a:endParaRPr lang="fr-CH" sz="2400" dirty="0"/>
+          </a:p>
+        </p:txBody>
+      </p:sp>
+      <p:cxnSp>
+        <p:nvCxnSpPr>
+          <p:cNvPr id="16" name="!!Connecteur droit 24">
+            <a:extLst>
+              <a:ext uri="{FF2B5EF4-FFF2-40B4-BE49-F238E27FC236}">
+                <a16:creationId xmlns:a16="http://schemas.microsoft.com/office/drawing/2014/main" id="{F57CAEBD-D0BA-47F1-3A2C-DD4D6CA22041}"/>
+              </a:ext>
+            </a:extLst>
+          </p:cNvPr>
+          <p:cNvCxnSpPr>
+            <a:cxnSpLocks/>
+          </p:cNvCxnSpPr>
+          <p:nvPr/>
+        </p:nvCxnSpPr>
+        <p:spPr>
+          <a:xfrm>
+            <a:off x="1810224" y="2806817"/>
+            <a:ext cx="0" cy="493576"/>
+          </a:xfrm>
+          <a:prstGeom prst="line">
+            <a:avLst/>
+          </a:prstGeom>
+          <a:ln w="57150">
+            <a:solidFill>
+              <a:srgbClr val="28464B"/>
+            </a:solidFill>
+          </a:ln>
+        </p:spPr>
+        <p:style>
+          <a:lnRef idx="1">
+            <a:schemeClr val="accent1"/>
+          </a:lnRef>
+          <a:fillRef idx="0">
+            <a:schemeClr val="accent1"/>
+          </a:fillRef>
+          <a:effectRef idx="0">
+            <a:schemeClr val="accent1"/>
+          </a:effectRef>
+          <a:fontRef idx="minor">
+            <a:schemeClr val="tx1"/>
+          </a:fontRef>
+        </p:style>
+      </p:cxnSp>
+      <p:sp>
+        <p:nvSpPr>
+          <p:cNvPr id="6" name="ZoneTexte 5">
+            <a:extLst>
+              <a:ext uri="{FF2B5EF4-FFF2-40B4-BE49-F238E27FC236}">
+                <a16:creationId xmlns:a16="http://schemas.microsoft.com/office/drawing/2014/main" id="{02C9B876-369B-0B3D-FD81-5CEAD7ED2B3A}"/>
+              </a:ext>
+            </a:extLst>
+          </p:cNvPr>
+          <p:cNvSpPr txBox="1"/>
+          <p:nvPr/>
+        </p:nvSpPr>
+        <p:spPr>
+          <a:xfrm>
+            <a:off x="3449665" y="2170080"/>
+            <a:ext cx="1742785" cy="1015663"/>
+          </a:xfrm>
+          <a:prstGeom prst="rect">
+            <a:avLst/>
+          </a:prstGeom>
+          <a:noFill/>
+        </p:spPr>
+        <p:txBody>
+          <a:bodyPr wrap="none" rtlCol="0">
+            <a:spAutoFit/>
+          </a:bodyPr>
+          <a:lstStyle/>
+          <a:p>
+            <a:r>
+              <a:rPr lang="fr-CH" sz="6000" dirty="0">
+                <a:solidFill>
+                  <a:srgbClr val="326771"/>
+                </a:solidFill>
+              </a:rPr>
+              <a:t>2010</a:t>
+            </a:r>
+          </a:p>
+        </p:txBody>
+      </p:sp>
+      <p:sp>
+        <p:nvSpPr>
+          <p:cNvPr id="9" name="Rectangle 8">
+            <a:extLst>
+              <a:ext uri="{FF2B5EF4-FFF2-40B4-BE49-F238E27FC236}">
+                <a16:creationId xmlns:a16="http://schemas.microsoft.com/office/drawing/2014/main" id="{B591BEC3-309C-D4F6-FF91-E36EE1D4191A}"/>
+              </a:ext>
+            </a:extLst>
+          </p:cNvPr>
+          <p:cNvSpPr/>
+          <p:nvPr/>
+        </p:nvSpPr>
+        <p:spPr>
+          <a:xfrm>
+            <a:off x="4141088" y="3206436"/>
+            <a:ext cx="370700" cy="370700"/>
+          </a:xfrm>
+          <a:prstGeom prst="rect">
+            <a:avLst/>
+          </a:prstGeom>
+          <a:solidFill>
+            <a:srgbClr val="326771"/>
+          </a:solidFill>
+          <a:ln>
+            <a:solidFill>
+              <a:srgbClr val="326771"/>
+            </a:solidFill>
+          </a:ln>
+        </p:spPr>
+        <p:style>
+          <a:lnRef idx="2">
+            <a:schemeClr val="accent1">
+              <a:shade val="50000"/>
+            </a:schemeClr>
+          </a:lnRef>
+          <a:fillRef idx="1">
+            <a:schemeClr val="accent1"/>
+          </a:fillRef>
+          <a:effectRef idx="0">
+            <a:schemeClr val="accent1"/>
+          </a:effectRef>
+          <a:fontRef idx="minor">
+            <a:schemeClr val="lt1"/>
+          </a:fontRef>
+        </p:style>
+        <p:txBody>
+          <a:bodyPr rtlCol="0" anchor="ctr"/>
+          <a:lstStyle/>
+          <a:p>
+            <a:pPr algn="ctr"/>
+            <a:endParaRPr lang="fr-CH" dirty="0">
+              <a:solidFill>
+                <a:srgbClr val="326771"/>
+              </a:solidFill>
+            </a:endParaRPr>
+          </a:p>
+        </p:txBody>
+      </p:sp>
+      <p:sp>
+        <p:nvSpPr>
+          <p:cNvPr id="10" name="Rectangle : coins arrondis 9">
+            <a:extLst>
+              <a:ext uri="{FF2B5EF4-FFF2-40B4-BE49-F238E27FC236}">
+                <a16:creationId xmlns:a16="http://schemas.microsoft.com/office/drawing/2014/main" id="{BC8E8D3C-A153-1177-AFF1-0F502BC8B659}"/>
+              </a:ext>
+            </a:extLst>
+          </p:cNvPr>
+          <p:cNvSpPr/>
+          <p:nvPr/>
+        </p:nvSpPr>
+        <p:spPr>
+          <a:xfrm>
+            <a:off x="3137490" y="3880959"/>
+            <a:ext cx="2425110" cy="1166757"/>
+          </a:xfrm>
+          <a:prstGeom prst="roundRect">
+            <a:avLst/>
+          </a:prstGeom>
+          <a:solidFill>
+            <a:srgbClr val="326771"/>
+          </a:solidFill>
+          <a:ln>
+            <a:solidFill>
+              <a:srgbClr val="28464B"/>
+            </a:solidFill>
+          </a:ln>
+        </p:spPr>
+        <p:style>
+          <a:lnRef idx="2">
+            <a:schemeClr val="accent1">
+              <a:shade val="50000"/>
+            </a:schemeClr>
+          </a:lnRef>
+          <a:fillRef idx="1">
+            <a:schemeClr val="accent1"/>
+          </a:fillRef>
+          <a:effectRef idx="0">
+            <a:schemeClr val="accent1"/>
+          </a:effectRef>
+          <a:fontRef idx="minor">
+            <a:schemeClr val="lt1"/>
+          </a:fontRef>
+        </p:style>
+        <p:txBody>
+          <a:bodyPr rtlCol="0" anchor="ctr"/>
+          <a:lstStyle/>
+          <a:p>
+            <a:pPr algn="ctr"/>
+            <a:r>
+              <a:rPr lang="fr-CH" sz="2800" dirty="0"/>
+              <a:t>Première ligne chez Stoll</a:t>
+            </a:r>
+          </a:p>
+        </p:txBody>
+      </p:sp>
+      <p:cxnSp>
+        <p:nvCxnSpPr>
+          <p:cNvPr id="11" name="Connecteur droit 10">
+            <a:extLst>
+              <a:ext uri="{FF2B5EF4-FFF2-40B4-BE49-F238E27FC236}">
+                <a16:creationId xmlns:a16="http://schemas.microsoft.com/office/drawing/2014/main" id="{C157565D-1D90-FC3B-53CC-C21DD6326709}"/>
+              </a:ext>
+            </a:extLst>
+          </p:cNvPr>
+          <p:cNvCxnSpPr>
+            <a:cxnSpLocks/>
+          </p:cNvCxnSpPr>
+          <p:nvPr/>
+        </p:nvCxnSpPr>
+        <p:spPr>
+          <a:xfrm>
+            <a:off x="4338793" y="3495663"/>
+            <a:ext cx="0" cy="479978"/>
+          </a:xfrm>
+          <a:prstGeom prst="line">
+            <a:avLst/>
+          </a:prstGeom>
+          <a:ln w="57150">
+            <a:solidFill>
+              <a:srgbClr val="326771"/>
+            </a:solidFill>
+          </a:ln>
+        </p:spPr>
+        <p:style>
+          <a:lnRef idx="1">
+            <a:schemeClr val="accent1"/>
+          </a:lnRef>
+          <a:fillRef idx="0">
+            <a:schemeClr val="accent1"/>
+          </a:fillRef>
+          <a:effectRef idx="0">
+            <a:schemeClr val="accent1"/>
+          </a:effectRef>
+          <a:fontRef idx="minor">
+            <a:schemeClr val="tx1"/>
+          </a:fontRef>
+        </p:style>
+      </p:cxnSp>
+      <p:sp>
+        <p:nvSpPr>
+          <p:cNvPr id="17" name="ZoneTexte 16">
+            <a:extLst>
+              <a:ext uri="{FF2B5EF4-FFF2-40B4-BE49-F238E27FC236}">
+                <a16:creationId xmlns:a16="http://schemas.microsoft.com/office/drawing/2014/main" id="{F04BA473-073D-3FFA-2F35-AF9A96E6A1D0}"/>
+              </a:ext>
+            </a:extLst>
+          </p:cNvPr>
+          <p:cNvSpPr txBox="1"/>
+          <p:nvPr/>
+        </p:nvSpPr>
+        <p:spPr>
+          <a:xfrm>
+            <a:off x="5926605" y="3495663"/>
+            <a:ext cx="2262158" cy="1323439"/>
+          </a:xfrm>
+          <a:prstGeom prst="rect">
+            <a:avLst/>
+          </a:prstGeom>
+          <a:noFill/>
+        </p:spPr>
+        <p:txBody>
+          <a:bodyPr wrap="none" rtlCol="0">
+            <a:spAutoFit/>
+          </a:bodyPr>
+          <a:lstStyle/>
+          <a:p>
+            <a:r>
+              <a:rPr lang="fr-CH" sz="8000" dirty="0">
+                <a:solidFill>
+                  <a:srgbClr val="2C8C99"/>
+                </a:solidFill>
+              </a:rPr>
+              <a:t>2015</a:t>
+            </a:r>
+          </a:p>
+        </p:txBody>
+      </p:sp>
+      <p:sp>
+        <p:nvSpPr>
+          <p:cNvPr id="18" name="Rectangle 17">
+            <a:extLst>
+              <a:ext uri="{FF2B5EF4-FFF2-40B4-BE49-F238E27FC236}">
+                <a16:creationId xmlns:a16="http://schemas.microsoft.com/office/drawing/2014/main" id="{DFD9B639-F52A-1033-465F-5EDA7E7726C4}"/>
+              </a:ext>
+            </a:extLst>
+          </p:cNvPr>
+          <p:cNvSpPr/>
+          <p:nvPr/>
+        </p:nvSpPr>
+        <p:spPr>
+          <a:xfrm>
+            <a:off x="6872334" y="3201679"/>
+            <a:ext cx="370700" cy="370700"/>
+          </a:xfrm>
+          <a:prstGeom prst="rect">
+            <a:avLst/>
+          </a:prstGeom>
+          <a:solidFill>
+            <a:srgbClr val="2C8C99"/>
+          </a:solidFill>
+        </p:spPr>
+        <p:style>
+          <a:lnRef idx="2">
+            <a:schemeClr val="accent1">
+              <a:shade val="50000"/>
+            </a:schemeClr>
+          </a:lnRef>
+          <a:fillRef idx="1">
+            <a:schemeClr val="accent1"/>
+          </a:fillRef>
+          <a:effectRef idx="0">
+            <a:schemeClr val="accent1"/>
+          </a:effectRef>
+          <a:fontRef idx="minor">
+            <a:schemeClr val="lt1"/>
+          </a:fontRef>
+        </p:style>
+        <p:txBody>
+          <a:bodyPr rtlCol="0" anchor="ctr"/>
+          <a:lstStyle/>
+          <a:p>
+            <a:pPr algn="ctr"/>
+            <a:endParaRPr lang="fr-CH" dirty="0"/>
+          </a:p>
+        </p:txBody>
+      </p:sp>
+      <p:sp>
+        <p:nvSpPr>
+          <p:cNvPr id="19" name="Rectangle : coins arrondis 18">
+            <a:extLst>
+              <a:ext uri="{FF2B5EF4-FFF2-40B4-BE49-F238E27FC236}">
+                <a16:creationId xmlns:a16="http://schemas.microsoft.com/office/drawing/2014/main" id="{FA1FE67C-C133-60E2-F0D9-128CB597F6C3}"/>
+              </a:ext>
+            </a:extLst>
+          </p:cNvPr>
+          <p:cNvSpPr/>
+          <p:nvPr/>
+        </p:nvSpPr>
+        <p:spPr>
+          <a:xfrm>
+            <a:off x="5855812" y="1625361"/>
+            <a:ext cx="2403743" cy="1074789"/>
+          </a:xfrm>
+          <a:prstGeom prst="roundRect">
+            <a:avLst/>
+          </a:prstGeom>
+          <a:solidFill>
+            <a:srgbClr val="2C8C99"/>
+          </a:solidFill>
+          <a:ln>
+            <a:solidFill>
+              <a:srgbClr val="2C8C99"/>
+            </a:solidFill>
+          </a:ln>
+        </p:spPr>
+        <p:style>
+          <a:lnRef idx="2">
+            <a:schemeClr val="accent1">
+              <a:shade val="50000"/>
+            </a:schemeClr>
+          </a:lnRef>
+          <a:fillRef idx="1">
+            <a:schemeClr val="accent1"/>
+          </a:fillRef>
+          <a:effectRef idx="0">
+            <a:schemeClr val="accent1"/>
+          </a:effectRef>
+          <a:fontRef idx="minor">
+            <a:schemeClr val="lt1"/>
+          </a:fontRef>
+        </p:style>
+        <p:txBody>
+          <a:bodyPr rtlCol="0" anchor="ctr"/>
+          <a:lstStyle/>
+          <a:p>
+            <a:pPr algn="ctr"/>
+            <a:r>
+              <a:rPr lang="fr-CH" sz="3200" dirty="0" err="1"/>
+              <a:t>Sortop</a:t>
+            </a:r>
+            <a:endParaRPr lang="fr-CH" sz="3200" dirty="0"/>
+          </a:p>
+          <a:p>
+            <a:pPr algn="ctr"/>
+            <a:r>
+              <a:rPr lang="fr-CH" sz="3200" dirty="0" err="1"/>
+              <a:t>Potatoes</a:t>
+            </a:r>
+            <a:endParaRPr lang="fr-CH" sz="3200" dirty="0"/>
+          </a:p>
+        </p:txBody>
+      </p:sp>
+      <p:cxnSp>
+        <p:nvCxnSpPr>
+          <p:cNvPr id="20" name="!!Connecteur droit 19">
+            <a:extLst>
+              <a:ext uri="{FF2B5EF4-FFF2-40B4-BE49-F238E27FC236}">
+                <a16:creationId xmlns:a16="http://schemas.microsoft.com/office/drawing/2014/main" id="{8F196BFE-B500-42FE-F634-A124CB7C2BBD}"/>
+              </a:ext>
+            </a:extLst>
+          </p:cNvPr>
+          <p:cNvCxnSpPr>
+            <a:cxnSpLocks/>
+          </p:cNvCxnSpPr>
+          <p:nvPr/>
+        </p:nvCxnSpPr>
+        <p:spPr>
+          <a:xfrm>
+            <a:off x="7070040" y="2705465"/>
+            <a:ext cx="0" cy="603648"/>
+          </a:xfrm>
+          <a:prstGeom prst="line">
+            <a:avLst/>
+          </a:prstGeom>
+          <a:ln w="57150">
+            <a:solidFill>
+              <a:srgbClr val="2C8C99"/>
+            </a:solidFill>
+          </a:ln>
+        </p:spPr>
+        <p:style>
+          <a:lnRef idx="1">
+            <a:schemeClr val="accent1"/>
+          </a:lnRef>
+          <a:fillRef idx="0">
+            <a:schemeClr val="accent1"/>
+          </a:fillRef>
+          <a:effectRef idx="0">
+            <a:schemeClr val="accent1"/>
+          </a:effectRef>
+          <a:fontRef idx="minor">
+            <a:schemeClr val="tx1"/>
+          </a:fontRef>
+        </p:style>
+      </p:cxnSp>
+      <p:sp>
+        <p:nvSpPr>
+          <p:cNvPr id="13" name="ZoneTexte 12">
+            <a:extLst>
+              <a:ext uri="{FF2B5EF4-FFF2-40B4-BE49-F238E27FC236}">
+                <a16:creationId xmlns:a16="http://schemas.microsoft.com/office/drawing/2014/main" id="{F4B10074-8C54-4A5B-D101-44DFF9515F6B}"/>
+              </a:ext>
+            </a:extLst>
+          </p:cNvPr>
+          <p:cNvSpPr txBox="1"/>
+          <p:nvPr/>
+        </p:nvSpPr>
+        <p:spPr>
+          <a:xfrm>
+            <a:off x="8870787" y="1625361"/>
+            <a:ext cx="3044423" cy="1785104"/>
+          </a:xfrm>
+          <a:prstGeom prst="rect">
+            <a:avLst/>
+          </a:prstGeom>
+          <a:noFill/>
+        </p:spPr>
+        <p:txBody>
+          <a:bodyPr wrap="none" rtlCol="0">
+            <a:spAutoFit/>
+          </a:bodyPr>
+          <a:lstStyle/>
+          <a:p>
+            <a:r>
+              <a:rPr lang="fr-CH" sz="11000" dirty="0">
+                <a:solidFill>
+                  <a:srgbClr val="25BBAA"/>
+                </a:solidFill>
+              </a:rPr>
+              <a:t>2018</a:t>
+            </a:r>
+          </a:p>
+        </p:txBody>
+      </p:sp>
+      <p:sp>
+        <p:nvSpPr>
+          <p:cNvPr id="15" name="Rectangle 14">
+            <a:extLst>
+              <a:ext uri="{FF2B5EF4-FFF2-40B4-BE49-F238E27FC236}">
+                <a16:creationId xmlns:a16="http://schemas.microsoft.com/office/drawing/2014/main" id="{A51D935B-107F-B3D6-EFF0-0777AD63466F}"/>
+              </a:ext>
+            </a:extLst>
+          </p:cNvPr>
+          <p:cNvSpPr/>
+          <p:nvPr/>
+        </p:nvSpPr>
+        <p:spPr>
+          <a:xfrm>
+            <a:off x="10213030" y="3201867"/>
+            <a:ext cx="370700" cy="370700"/>
+          </a:xfrm>
+          <a:prstGeom prst="rect">
+            <a:avLst/>
+          </a:prstGeom>
+          <a:solidFill>
+            <a:srgbClr val="25BBAA"/>
+          </a:solidFill>
+          <a:ln>
+            <a:solidFill>
+              <a:srgbClr val="25BBAA"/>
+            </a:solidFill>
+          </a:ln>
+        </p:spPr>
+        <p:style>
+          <a:lnRef idx="2">
+            <a:schemeClr val="accent1">
+              <a:shade val="50000"/>
+            </a:schemeClr>
+          </a:lnRef>
+          <a:fillRef idx="1">
+            <a:schemeClr val="accent1"/>
+          </a:fillRef>
+          <a:effectRef idx="0">
+            <a:schemeClr val="accent1"/>
+          </a:effectRef>
+          <a:fontRef idx="minor">
+            <a:schemeClr val="lt1"/>
+          </a:fontRef>
+        </p:style>
+        <p:txBody>
+          <a:bodyPr rtlCol="0" anchor="ctr"/>
+          <a:lstStyle/>
+          <a:p>
+            <a:pPr algn="ctr"/>
+            <a:endParaRPr lang="fr-CH" dirty="0">
+              <a:solidFill>
+                <a:srgbClr val="326771"/>
+              </a:solidFill>
+            </a:endParaRPr>
+          </a:p>
+        </p:txBody>
+      </p:sp>
+      <p:sp>
+        <p:nvSpPr>
+          <p:cNvPr id="21" name="Rectangle : coins arrondis 20">
+            <a:extLst>
+              <a:ext uri="{FF2B5EF4-FFF2-40B4-BE49-F238E27FC236}">
+                <a16:creationId xmlns:a16="http://schemas.microsoft.com/office/drawing/2014/main" id="{D36B7BC0-E42C-702E-41CF-63B975D3B180}"/>
+              </a:ext>
+            </a:extLst>
+          </p:cNvPr>
+          <p:cNvSpPr/>
+          <p:nvPr/>
+        </p:nvSpPr>
+        <p:spPr>
+          <a:xfrm>
+            <a:off x="8983442" y="4144399"/>
+            <a:ext cx="2829876" cy="1364104"/>
+          </a:xfrm>
+          <a:prstGeom prst="roundRect">
+            <a:avLst/>
+          </a:prstGeom>
+          <a:solidFill>
+            <a:srgbClr val="25BBAA"/>
+          </a:solidFill>
+          <a:ln>
+            <a:solidFill>
+              <a:srgbClr val="42D9C8"/>
+            </a:solidFill>
+          </a:ln>
+        </p:spPr>
+        <p:style>
+          <a:lnRef idx="2">
+            <a:schemeClr val="accent1">
+              <a:shade val="50000"/>
+            </a:schemeClr>
+          </a:lnRef>
+          <a:fillRef idx="1">
+            <a:schemeClr val="accent1"/>
+          </a:fillRef>
+          <a:effectRef idx="0">
+            <a:schemeClr val="accent1"/>
+          </a:effectRef>
+          <a:fontRef idx="minor">
+            <a:schemeClr val="lt1"/>
+          </a:fontRef>
+        </p:style>
+        <p:txBody>
+          <a:bodyPr rtlCol="0" anchor="ctr"/>
+          <a:lstStyle/>
+          <a:p>
+            <a:pPr algn="ctr"/>
+            <a:r>
+              <a:rPr lang="fr-CH" sz="4000" dirty="0"/>
+              <a:t>100 Lignes</a:t>
+            </a:r>
+          </a:p>
+        </p:txBody>
+      </p:sp>
+      <p:cxnSp>
+        <p:nvCxnSpPr>
+          <p:cNvPr id="22" name="Connecteur droit 21">
+            <a:extLst>
+              <a:ext uri="{FF2B5EF4-FFF2-40B4-BE49-F238E27FC236}">
+                <a16:creationId xmlns:a16="http://schemas.microsoft.com/office/drawing/2014/main" id="{26622543-8DBF-A855-5B60-5B5435E7ABA9}"/>
+              </a:ext>
+            </a:extLst>
+          </p:cNvPr>
+          <p:cNvCxnSpPr>
+            <a:cxnSpLocks/>
+          </p:cNvCxnSpPr>
+          <p:nvPr/>
+        </p:nvCxnSpPr>
+        <p:spPr>
+          <a:xfrm>
+            <a:off x="10410737" y="3568416"/>
+            <a:ext cx="0" cy="596850"/>
+          </a:xfrm>
+          <a:prstGeom prst="line">
+            <a:avLst/>
+          </a:prstGeom>
+          <a:ln w="57150">
+            <a:solidFill>
+              <a:srgbClr val="25BBAA"/>
+            </a:solidFill>
+          </a:ln>
+        </p:spPr>
+        <p:style>
+          <a:lnRef idx="1">
+            <a:schemeClr val="accent1"/>
+          </a:lnRef>
+          <a:fillRef idx="0">
+            <a:schemeClr val="accent1"/>
+          </a:fillRef>
+          <a:effectRef idx="0">
+            <a:schemeClr val="accent1"/>
+          </a:effectRef>
+          <a:fontRef idx="minor">
+            <a:schemeClr val="tx1"/>
+          </a:fontRef>
+        </p:style>
+      </p:cxnSp>
+      <p:sp>
+        <p:nvSpPr>
+          <p:cNvPr id="29" name="ZoneTexte 28">
+            <a:extLst>
+              <a:ext uri="{FF2B5EF4-FFF2-40B4-BE49-F238E27FC236}">
+                <a16:creationId xmlns:a16="http://schemas.microsoft.com/office/drawing/2014/main" id="{0089C8E1-B7BF-06AB-3FF2-705A8EA26A2C}"/>
+              </a:ext>
+            </a:extLst>
+          </p:cNvPr>
+          <p:cNvSpPr txBox="1"/>
+          <p:nvPr/>
+        </p:nvSpPr>
+        <p:spPr>
+          <a:xfrm>
+            <a:off x="12417265" y="3984361"/>
+            <a:ext cx="3044423" cy="1785104"/>
+          </a:xfrm>
+          <a:prstGeom prst="rect">
+            <a:avLst/>
+          </a:prstGeom>
+          <a:noFill/>
+        </p:spPr>
+        <p:txBody>
+          <a:bodyPr wrap="none" rtlCol="0">
+            <a:spAutoFit/>
+          </a:bodyPr>
+          <a:lstStyle/>
+          <a:p>
+            <a:r>
+              <a:rPr lang="fr-CH" sz="11000" dirty="0">
+                <a:solidFill>
+                  <a:srgbClr val="28464B"/>
+                </a:solidFill>
+              </a:rPr>
+              <a:t>2022</a:t>
+            </a:r>
+          </a:p>
+        </p:txBody>
+      </p:sp>
+      <p:sp>
+        <p:nvSpPr>
+          <p:cNvPr id="30" name="Rectangle 29">
+            <a:extLst>
+              <a:ext uri="{FF2B5EF4-FFF2-40B4-BE49-F238E27FC236}">
+                <a16:creationId xmlns:a16="http://schemas.microsoft.com/office/drawing/2014/main" id="{27BF507E-C62A-C412-8FCD-2D466F410E68}"/>
+              </a:ext>
+            </a:extLst>
+          </p:cNvPr>
+          <p:cNvSpPr/>
+          <p:nvPr/>
+        </p:nvSpPr>
+        <p:spPr>
+          <a:xfrm>
+            <a:off x="13754127" y="3309113"/>
+            <a:ext cx="370700" cy="370700"/>
+          </a:xfrm>
+          <a:prstGeom prst="rect">
+            <a:avLst/>
+          </a:prstGeom>
+          <a:solidFill>
+            <a:srgbClr val="28464B"/>
+          </a:solidFill>
+          <a:ln>
+            <a:solidFill>
+              <a:srgbClr val="28464B"/>
+            </a:solidFill>
+          </a:ln>
+        </p:spPr>
+        <p:style>
+          <a:lnRef idx="2">
+            <a:schemeClr val="accent1">
+              <a:shade val="50000"/>
+            </a:schemeClr>
+          </a:lnRef>
+          <a:fillRef idx="1">
+            <a:schemeClr val="accent1"/>
+          </a:fillRef>
+          <a:effectRef idx="0">
+            <a:schemeClr val="accent1"/>
+          </a:effectRef>
+          <a:fontRef idx="minor">
+            <a:schemeClr val="lt1"/>
+          </a:fontRef>
+        </p:style>
+        <p:txBody>
+          <a:bodyPr rtlCol="0" anchor="ctr"/>
+          <a:lstStyle/>
+          <a:p>
+            <a:pPr algn="ctr"/>
+            <a:endParaRPr lang="fr-CH" dirty="0"/>
+          </a:p>
+        </p:txBody>
+      </p:sp>
+      <p:sp>
+        <p:nvSpPr>
+          <p:cNvPr id="31" name="Rectangle : coins arrondis 30">
+            <a:extLst>
+              <a:ext uri="{FF2B5EF4-FFF2-40B4-BE49-F238E27FC236}">
+                <a16:creationId xmlns:a16="http://schemas.microsoft.com/office/drawing/2014/main" id="{74EC75B2-F033-6177-F802-082D02DCEE70}"/>
+              </a:ext>
+            </a:extLst>
+          </p:cNvPr>
+          <p:cNvSpPr/>
+          <p:nvPr/>
+        </p:nvSpPr>
+        <p:spPr>
+          <a:xfrm>
+            <a:off x="12265561" y="1381094"/>
+            <a:ext cx="3347830" cy="1256060"/>
+          </a:xfrm>
+          <a:prstGeom prst="roundRect">
+            <a:avLst/>
+          </a:prstGeom>
+          <a:solidFill>
+            <a:srgbClr val="28464B"/>
+          </a:solidFill>
+          <a:ln>
+            <a:solidFill>
+              <a:srgbClr val="2C8C99"/>
+            </a:solidFill>
+          </a:ln>
+        </p:spPr>
+        <p:style>
+          <a:lnRef idx="2">
+            <a:schemeClr val="accent1">
+              <a:shade val="50000"/>
+            </a:schemeClr>
+          </a:lnRef>
+          <a:fillRef idx="1">
+            <a:schemeClr val="accent1"/>
+          </a:fillRef>
+          <a:effectRef idx="0">
+            <a:schemeClr val="accent1"/>
+          </a:effectRef>
+          <a:fontRef idx="minor">
+            <a:schemeClr val="lt1"/>
+          </a:fontRef>
+        </p:style>
+        <p:txBody>
+          <a:bodyPr rtlCol="0" anchor="ctr"/>
+          <a:lstStyle/>
+          <a:p>
+            <a:pPr algn="ctr"/>
+            <a:r>
+              <a:rPr lang="fr-CH" sz="4400" dirty="0"/>
+              <a:t>Aujourd’hui</a:t>
+            </a:r>
+          </a:p>
+        </p:txBody>
+      </p:sp>
+      <p:cxnSp>
+        <p:nvCxnSpPr>
+          <p:cNvPr id="32" name="Connecteur droit 31">
+            <a:extLst>
+              <a:ext uri="{FF2B5EF4-FFF2-40B4-BE49-F238E27FC236}">
+                <a16:creationId xmlns:a16="http://schemas.microsoft.com/office/drawing/2014/main" id="{D760E8AC-E9AE-2F64-801D-83C3D3D8EAE2}"/>
+              </a:ext>
+            </a:extLst>
+          </p:cNvPr>
+          <p:cNvCxnSpPr>
+            <a:cxnSpLocks/>
+            <a:stCxn id="31" idx="2"/>
+            <a:endCxn id="30" idx="0"/>
+          </p:cNvCxnSpPr>
+          <p:nvPr/>
+        </p:nvCxnSpPr>
+        <p:spPr>
+          <a:xfrm>
+            <a:off x="13939476" y="2637154"/>
+            <a:ext cx="1" cy="671959"/>
+          </a:xfrm>
+          <a:prstGeom prst="line">
+            <a:avLst/>
+          </a:prstGeom>
+          <a:ln w="57150">
+            <a:solidFill>
+              <a:srgbClr val="28464B"/>
+            </a:solidFill>
+          </a:ln>
+        </p:spPr>
+        <p:style>
+          <a:lnRef idx="1">
+            <a:schemeClr val="accent1"/>
+          </a:lnRef>
+          <a:fillRef idx="0">
+            <a:schemeClr val="accent1"/>
+          </a:fillRef>
+          <a:effectRef idx="0">
+            <a:schemeClr val="accent1"/>
+          </a:effectRef>
+          <a:fontRef idx="minor">
+            <a:schemeClr val="tx1"/>
+          </a:fontRef>
+        </p:style>
+      </p:cxnSp>
+    </p:spTree>
+    <p:extLst>
+      <p:ext uri="{BB962C8B-B14F-4D97-AF65-F5344CB8AC3E}">
+        <p14:creationId xmlns:p14="http://schemas.microsoft.com/office/powerpoint/2010/main" val="3488367144"/>
+      </p:ext>
+    </p:extLst>
+  </p:cSld>
+  <p:clrMapOvr>
+    <a:masterClrMapping/>
+  </p:clrMapOvr>
+  <mc:AlternateContent xmlns:mc="http://schemas.openxmlformats.org/markup-compatibility/2006" xmlns:p159="http://schemas.microsoft.com/office/powerpoint/2015/09/main">
+    <mc:Choice Requires="p159">
+      <p:transition xmlns:p14="http://schemas.microsoft.com/office/powerpoint/2010/main" spd="slow" p14:dur="2000">
+        <p159:morph option="byWord"/>
+      </p:transition>
+    </mc:Choice>
+    <mc:Fallback xmlns="">
+      <p:transition spd="slow">
+        <p:fade/>
+      </p:transition>
+    </mc:Fallback>
+  </mc:AlternateContent>
+</p:sld>
+</file>
+
+<file path=ppt/slides/slide8.xml><?xml version="1.0" encoding="utf-8"?>
+<p:sld xmlns:a="http://schemas.openxmlformats.org/drawingml/2006/main" xmlns:r="http://schemas.openxmlformats.org/officeDocument/2006/relationships" xmlns:p="http://schemas.openxmlformats.org/presentationml/2006/main">
+  <p:cSld>
+    <p:spTree>
+      <p:nvGrpSpPr>
+        <p:cNvPr id="1" name=""/>
+        <p:cNvGrpSpPr/>
+        <p:nvPr/>
+      </p:nvGrpSpPr>
+      <p:grpSpPr>
+        <a:xfrm>
+          <a:off x="0" y="0"/>
+          <a:ext cx="0" cy="0"/>
+          <a:chOff x="0" y="0"/>
+          <a:chExt cx="0" cy="0"/>
+        </a:xfrm>
+      </p:grpSpPr>
+      <p:sp>
+        <p:nvSpPr>
+          <p:cNvPr id="2" name="Espace réservé du pied de page 1">
+            <a:extLst>
+              <a:ext uri="{FF2B5EF4-FFF2-40B4-BE49-F238E27FC236}">
+                <a16:creationId xmlns:a16="http://schemas.microsoft.com/office/drawing/2014/main" id="{2996F4E8-71F2-1E79-AE71-5F8BC7798125}"/>
+              </a:ext>
+            </a:extLst>
+          </p:cNvPr>
+          <p:cNvSpPr>
+            <a:spLocks noGrp="1"/>
+          </p:cNvSpPr>
+          <p:nvPr>
+            <p:ph type="ftr" sz="quarter" idx="11"/>
+          </p:nvPr>
+        </p:nvSpPr>
+        <p:spPr/>
+        <p:txBody>
+          <a:bodyPr/>
+          <a:lstStyle/>
+          <a:p>
+            <a:r>
+              <a:rPr lang="fr-CH" dirty="0"/>
+              <a:t>Robin Forestier</a:t>
+            </a:r>
+          </a:p>
+        </p:txBody>
+      </p:sp>
+      <p:sp>
+        <p:nvSpPr>
+          <p:cNvPr id="3" name="Espace réservé du numéro de diapositive 2">
+            <a:extLst>
+              <a:ext uri="{FF2B5EF4-FFF2-40B4-BE49-F238E27FC236}">
+                <a16:creationId xmlns:a16="http://schemas.microsoft.com/office/drawing/2014/main" id="{60B0605B-87AA-A611-128B-EBEBCD54E177}"/>
+              </a:ext>
+            </a:extLst>
+          </p:cNvPr>
+          <p:cNvSpPr>
+            <a:spLocks noGrp="1"/>
+          </p:cNvSpPr>
+          <p:nvPr>
+            <p:ph type="sldNum" sz="quarter" idx="12"/>
+          </p:nvPr>
+        </p:nvSpPr>
+        <p:spPr/>
+        <p:txBody>
+          <a:bodyPr/>
+          <a:lstStyle/>
+          <a:p>
+            <a:fld id="{31A1C614-0108-4924-9B4C-0864BD720690}" type="slidenum">
+              <a:rPr lang="fr-CH" smtClean="0"/>
+              <a:t>8</a:t>
+            </a:fld>
+            <a:endParaRPr lang="fr-CH" dirty="0"/>
+          </a:p>
+        </p:txBody>
+      </p:sp>
+      <p:sp>
+        <p:nvSpPr>
+          <p:cNvPr id="7" name="ZoneTexte 6">
+            <a:extLst>
+              <a:ext uri="{FF2B5EF4-FFF2-40B4-BE49-F238E27FC236}">
+                <a16:creationId xmlns:a16="http://schemas.microsoft.com/office/drawing/2014/main" id="{A6D46681-6051-E304-7A3D-89B50A99EC02}"/>
+              </a:ext>
+            </a:extLst>
+          </p:cNvPr>
+          <p:cNvSpPr txBox="1"/>
+          <p:nvPr/>
+        </p:nvSpPr>
+        <p:spPr>
+          <a:xfrm>
+            <a:off x="-10911792" y="3568416"/>
+            <a:ext cx="1588897" cy="923330"/>
+          </a:xfrm>
+          <a:prstGeom prst="rect">
+            <a:avLst/>
+          </a:prstGeom>
+          <a:noFill/>
+        </p:spPr>
+        <p:txBody>
+          <a:bodyPr wrap="none" rtlCol="0">
+            <a:spAutoFit/>
+          </a:bodyPr>
+          <a:lstStyle/>
+          <a:p>
+            <a:r>
+              <a:rPr lang="fr-CH" sz="5400" dirty="0">
+                <a:solidFill>
+                  <a:srgbClr val="28464B"/>
+                </a:solidFill>
+              </a:rPr>
+              <a:t>2008</a:t>
+            </a:r>
+          </a:p>
+        </p:txBody>
+      </p:sp>
+      <p:cxnSp>
+        <p:nvCxnSpPr>
+          <p:cNvPr id="8" name="!!Connecteur droit 7">
+            <a:extLst>
+              <a:ext uri="{FF2B5EF4-FFF2-40B4-BE49-F238E27FC236}">
+                <a16:creationId xmlns:a16="http://schemas.microsoft.com/office/drawing/2014/main" id="{9A5E2D17-FC41-B0AC-4A12-8F68DD242B67}"/>
+              </a:ext>
+            </a:extLst>
+          </p:cNvPr>
+          <p:cNvCxnSpPr>
+            <a:cxnSpLocks/>
+          </p:cNvCxnSpPr>
+          <p:nvPr/>
+        </p:nvCxnSpPr>
+        <p:spPr>
+          <a:xfrm>
+            <a:off x="0" y="3410465"/>
+            <a:ext cx="12192000" cy="0"/>
+          </a:xfrm>
+          <a:prstGeom prst="line">
+            <a:avLst/>
+          </a:prstGeom>
+          <a:ln w="101600"/>
+        </p:spPr>
+        <p:style>
+          <a:lnRef idx="1">
+            <a:schemeClr val="dk1"/>
+          </a:lnRef>
+          <a:fillRef idx="0">
+            <a:schemeClr val="dk1"/>
+          </a:fillRef>
+          <a:effectRef idx="0">
+            <a:schemeClr val="dk1"/>
+          </a:effectRef>
+          <a:fontRef idx="minor">
+            <a:schemeClr val="tx1"/>
+          </a:fontRef>
+        </p:style>
+      </p:cxnSp>
+      <p:sp>
+        <p:nvSpPr>
+          <p:cNvPr id="12" name="Rectangle 11">
+            <a:extLst>
+              <a:ext uri="{FF2B5EF4-FFF2-40B4-BE49-F238E27FC236}">
+                <a16:creationId xmlns:a16="http://schemas.microsoft.com/office/drawing/2014/main" id="{56B513A3-178F-AA2E-524A-D6FDE64ACCE2}"/>
+              </a:ext>
+            </a:extLst>
+          </p:cNvPr>
+          <p:cNvSpPr/>
+          <p:nvPr/>
+        </p:nvSpPr>
+        <p:spPr>
+          <a:xfrm>
+            <a:off x="-10302693" y="3197716"/>
+            <a:ext cx="370700" cy="370700"/>
+          </a:xfrm>
+          <a:prstGeom prst="rect">
+            <a:avLst/>
+          </a:prstGeom>
+          <a:solidFill>
+            <a:srgbClr val="28464B"/>
+          </a:solidFill>
+        </p:spPr>
+        <p:style>
+          <a:lnRef idx="2">
+            <a:schemeClr val="accent1">
+              <a:shade val="50000"/>
+            </a:schemeClr>
+          </a:lnRef>
+          <a:fillRef idx="1">
+            <a:schemeClr val="accent1"/>
+          </a:fillRef>
+          <a:effectRef idx="0">
+            <a:schemeClr val="accent1"/>
+          </a:effectRef>
+          <a:fontRef idx="minor">
+            <a:schemeClr val="lt1"/>
+          </a:fontRef>
+        </p:style>
+        <p:txBody>
+          <a:bodyPr rtlCol="0" anchor="ctr"/>
+          <a:lstStyle/>
+          <a:p>
+            <a:pPr algn="ctr"/>
+            <a:endParaRPr lang="fr-CH" dirty="0"/>
+          </a:p>
+        </p:txBody>
+      </p:sp>
+      <p:sp>
+        <p:nvSpPr>
+          <p:cNvPr id="14" name="Rectangle : coins arrondis 13">
+            <a:extLst>
+              <a:ext uri="{FF2B5EF4-FFF2-40B4-BE49-F238E27FC236}">
+                <a16:creationId xmlns:a16="http://schemas.microsoft.com/office/drawing/2014/main" id="{A0D1226E-F6EE-5D78-F9C2-9F3BF0483455}"/>
+              </a:ext>
+            </a:extLst>
+          </p:cNvPr>
+          <p:cNvSpPr/>
+          <p:nvPr/>
+        </p:nvSpPr>
+        <p:spPr>
+          <a:xfrm>
+            <a:off x="-11115503" y="1888962"/>
+            <a:ext cx="1996320" cy="917855"/>
+          </a:xfrm>
+          <a:prstGeom prst="roundRect">
+            <a:avLst/>
+          </a:prstGeom>
+          <a:solidFill>
+            <a:srgbClr val="28464B"/>
+          </a:solidFill>
+          <a:ln>
+            <a:solidFill>
+              <a:srgbClr val="28464B"/>
+            </a:solidFill>
+          </a:ln>
+        </p:spPr>
+        <p:style>
+          <a:lnRef idx="2">
+            <a:schemeClr val="accent1">
+              <a:shade val="50000"/>
+            </a:schemeClr>
+          </a:lnRef>
+          <a:fillRef idx="1">
+            <a:schemeClr val="accent1"/>
+          </a:fillRef>
+          <a:effectRef idx="0">
+            <a:schemeClr val="accent1"/>
+          </a:effectRef>
+          <a:fontRef idx="minor">
+            <a:schemeClr val="lt1"/>
+          </a:fontRef>
+        </p:style>
+        <p:txBody>
+          <a:bodyPr rtlCol="0" anchor="ctr"/>
+          <a:lstStyle/>
+          <a:p>
+            <a:pPr algn="ctr"/>
+            <a:r>
+              <a:rPr lang="fr-CH" sz="2400" dirty="0"/>
+              <a:t>Création de </a:t>
+            </a:r>
+          </a:p>
+          <a:p>
+            <a:pPr algn="ctr"/>
+            <a:r>
+              <a:rPr lang="fr-CH" sz="2400" dirty="0" err="1"/>
+              <a:t>Visar</a:t>
+            </a:r>
+            <a:r>
+              <a:rPr lang="fr-CH" sz="2400" dirty="0"/>
+              <a:t> </a:t>
+            </a:r>
+            <a:r>
+              <a:rPr lang="fr-CH" sz="2400" dirty="0" err="1"/>
+              <a:t>Sorting</a:t>
+            </a:r>
+            <a:endParaRPr lang="fr-CH" sz="2400" dirty="0"/>
+          </a:p>
+        </p:txBody>
+      </p:sp>
+      <p:cxnSp>
+        <p:nvCxnSpPr>
+          <p:cNvPr id="16" name="!!Connecteur droit 24">
+            <a:extLst>
+              <a:ext uri="{FF2B5EF4-FFF2-40B4-BE49-F238E27FC236}">
+                <a16:creationId xmlns:a16="http://schemas.microsoft.com/office/drawing/2014/main" id="{F57CAEBD-D0BA-47F1-3A2C-DD4D6CA22041}"/>
+              </a:ext>
+            </a:extLst>
+          </p:cNvPr>
+          <p:cNvCxnSpPr>
+            <a:cxnSpLocks/>
+          </p:cNvCxnSpPr>
+          <p:nvPr/>
+        </p:nvCxnSpPr>
+        <p:spPr>
+          <a:xfrm>
+            <a:off x="-10112856" y="2806817"/>
+            <a:ext cx="0" cy="594928"/>
+          </a:xfrm>
+          <a:prstGeom prst="line">
+            <a:avLst/>
+          </a:prstGeom>
+          <a:ln w="57150">
+            <a:solidFill>
+              <a:srgbClr val="28464B"/>
+            </a:solidFill>
+          </a:ln>
+        </p:spPr>
+        <p:style>
+          <a:lnRef idx="1">
+            <a:schemeClr val="accent1"/>
+          </a:lnRef>
+          <a:fillRef idx="0">
+            <a:schemeClr val="accent1"/>
+          </a:fillRef>
+          <a:effectRef idx="0">
+            <a:schemeClr val="accent1"/>
+          </a:effectRef>
+          <a:fontRef idx="minor">
+            <a:schemeClr val="tx1"/>
+          </a:fontRef>
+        </p:style>
+      </p:cxnSp>
+      <p:sp>
+        <p:nvSpPr>
+          <p:cNvPr id="6" name="ZoneTexte 5">
+            <a:extLst>
+              <a:ext uri="{FF2B5EF4-FFF2-40B4-BE49-F238E27FC236}">
+                <a16:creationId xmlns:a16="http://schemas.microsoft.com/office/drawing/2014/main" id="{02C9B876-369B-0B3D-FD81-5CEAD7ED2B3A}"/>
+              </a:ext>
+            </a:extLst>
+          </p:cNvPr>
+          <p:cNvSpPr txBox="1"/>
+          <p:nvPr/>
+        </p:nvSpPr>
+        <p:spPr>
+          <a:xfrm>
+            <a:off x="-8465545" y="2170080"/>
+            <a:ext cx="1742785" cy="1015663"/>
+          </a:xfrm>
+          <a:prstGeom prst="rect">
+            <a:avLst/>
+          </a:prstGeom>
+          <a:noFill/>
+        </p:spPr>
+        <p:txBody>
+          <a:bodyPr wrap="none" rtlCol="0">
+            <a:spAutoFit/>
+          </a:bodyPr>
+          <a:lstStyle/>
+          <a:p>
+            <a:r>
+              <a:rPr lang="fr-CH" sz="6000" dirty="0">
+                <a:solidFill>
+                  <a:srgbClr val="326771"/>
+                </a:solidFill>
+              </a:rPr>
+              <a:t>2010</a:t>
+            </a:r>
+          </a:p>
+        </p:txBody>
+      </p:sp>
+      <p:sp>
+        <p:nvSpPr>
+          <p:cNvPr id="9" name="Rectangle 8">
+            <a:extLst>
+              <a:ext uri="{FF2B5EF4-FFF2-40B4-BE49-F238E27FC236}">
+                <a16:creationId xmlns:a16="http://schemas.microsoft.com/office/drawing/2014/main" id="{B591BEC3-309C-D4F6-FF91-E36EE1D4191A}"/>
+              </a:ext>
+            </a:extLst>
+          </p:cNvPr>
+          <p:cNvSpPr/>
+          <p:nvPr/>
+        </p:nvSpPr>
+        <p:spPr>
+          <a:xfrm>
+            <a:off x="-7774122" y="3206436"/>
+            <a:ext cx="370700" cy="370700"/>
+          </a:xfrm>
+          <a:prstGeom prst="rect">
+            <a:avLst/>
+          </a:prstGeom>
+          <a:solidFill>
+            <a:srgbClr val="326771"/>
+          </a:solidFill>
+          <a:ln>
+            <a:solidFill>
+              <a:srgbClr val="326771"/>
+            </a:solidFill>
+          </a:ln>
+        </p:spPr>
+        <p:style>
+          <a:lnRef idx="2">
+            <a:schemeClr val="accent1">
+              <a:shade val="50000"/>
+            </a:schemeClr>
+          </a:lnRef>
+          <a:fillRef idx="1">
+            <a:schemeClr val="accent1"/>
+          </a:fillRef>
+          <a:effectRef idx="0">
+            <a:schemeClr val="accent1"/>
+          </a:effectRef>
+          <a:fontRef idx="minor">
+            <a:schemeClr val="lt1"/>
+          </a:fontRef>
+        </p:style>
+        <p:txBody>
+          <a:bodyPr rtlCol="0" anchor="ctr"/>
+          <a:lstStyle/>
+          <a:p>
+            <a:pPr algn="ctr"/>
+            <a:endParaRPr lang="fr-CH" dirty="0">
+              <a:solidFill>
+                <a:srgbClr val="326771"/>
+              </a:solidFill>
+            </a:endParaRPr>
+          </a:p>
+        </p:txBody>
+      </p:sp>
+      <p:sp>
+        <p:nvSpPr>
+          <p:cNvPr id="10" name="Rectangle : coins arrondis 9">
+            <a:extLst>
+              <a:ext uri="{FF2B5EF4-FFF2-40B4-BE49-F238E27FC236}">
+                <a16:creationId xmlns:a16="http://schemas.microsoft.com/office/drawing/2014/main" id="{BC8E8D3C-A153-1177-AFF1-0F502BC8B659}"/>
+              </a:ext>
+            </a:extLst>
+          </p:cNvPr>
+          <p:cNvSpPr/>
+          <p:nvPr/>
+        </p:nvSpPr>
+        <p:spPr>
+          <a:xfrm>
+            <a:off x="-8777721" y="3984361"/>
+            <a:ext cx="2377897" cy="1120396"/>
+          </a:xfrm>
+          <a:prstGeom prst="roundRect">
+            <a:avLst/>
+          </a:prstGeom>
+          <a:solidFill>
+            <a:srgbClr val="326771"/>
+          </a:solidFill>
+          <a:ln>
+            <a:solidFill>
+              <a:srgbClr val="28464B"/>
+            </a:solidFill>
+          </a:ln>
+        </p:spPr>
+        <p:style>
+          <a:lnRef idx="2">
+            <a:schemeClr val="accent1">
+              <a:shade val="50000"/>
+            </a:schemeClr>
+          </a:lnRef>
+          <a:fillRef idx="1">
+            <a:schemeClr val="accent1"/>
+          </a:fillRef>
+          <a:effectRef idx="0">
+            <a:schemeClr val="accent1"/>
+          </a:effectRef>
+          <a:fontRef idx="minor">
+            <a:schemeClr val="lt1"/>
+          </a:fontRef>
+        </p:style>
+        <p:txBody>
+          <a:bodyPr rtlCol="0" anchor="ctr"/>
+          <a:lstStyle/>
+          <a:p>
+            <a:pPr algn="ctr"/>
+            <a:r>
+              <a:rPr lang="fr-CH" sz="2800" dirty="0"/>
+              <a:t>Première ligne chez Stoll</a:t>
+            </a:r>
+          </a:p>
+        </p:txBody>
+      </p:sp>
+      <p:cxnSp>
+        <p:nvCxnSpPr>
+          <p:cNvPr id="11" name="Connecteur droit 10">
+            <a:extLst>
+              <a:ext uri="{FF2B5EF4-FFF2-40B4-BE49-F238E27FC236}">
+                <a16:creationId xmlns:a16="http://schemas.microsoft.com/office/drawing/2014/main" id="{C157565D-1D90-FC3B-53CC-C21DD6326709}"/>
+              </a:ext>
+            </a:extLst>
+          </p:cNvPr>
+          <p:cNvCxnSpPr>
+            <a:cxnSpLocks/>
+          </p:cNvCxnSpPr>
+          <p:nvPr/>
+        </p:nvCxnSpPr>
+        <p:spPr>
+          <a:xfrm>
+            <a:off x="-7588772" y="3577136"/>
+            <a:ext cx="0" cy="596850"/>
+          </a:xfrm>
+          <a:prstGeom prst="line">
+            <a:avLst/>
+          </a:prstGeom>
+          <a:ln w="57150">
+            <a:solidFill>
+              <a:srgbClr val="326771"/>
+            </a:solidFill>
+          </a:ln>
+        </p:spPr>
+        <p:style>
+          <a:lnRef idx="1">
+            <a:schemeClr val="accent1"/>
+          </a:lnRef>
+          <a:fillRef idx="0">
+            <a:schemeClr val="accent1"/>
+          </a:fillRef>
+          <a:effectRef idx="0">
+            <a:schemeClr val="accent1"/>
+          </a:effectRef>
+          <a:fontRef idx="minor">
+            <a:schemeClr val="tx1"/>
+          </a:fontRef>
+        </p:style>
+      </p:cxnSp>
+      <p:sp>
+        <p:nvSpPr>
+          <p:cNvPr id="17" name="ZoneTexte 16">
+            <a:extLst>
+              <a:ext uri="{FF2B5EF4-FFF2-40B4-BE49-F238E27FC236}">
+                <a16:creationId xmlns:a16="http://schemas.microsoft.com/office/drawing/2014/main" id="{F04BA473-073D-3FFA-2F35-AF9A96E6A1D0}"/>
+              </a:ext>
+            </a:extLst>
+          </p:cNvPr>
+          <p:cNvSpPr txBox="1"/>
+          <p:nvPr/>
+        </p:nvSpPr>
+        <p:spPr>
+          <a:xfrm>
+            <a:off x="-5988605" y="3495663"/>
+            <a:ext cx="2262158" cy="1323439"/>
+          </a:xfrm>
+          <a:prstGeom prst="rect">
+            <a:avLst/>
+          </a:prstGeom>
+          <a:noFill/>
+        </p:spPr>
+        <p:txBody>
+          <a:bodyPr wrap="none" rtlCol="0">
+            <a:spAutoFit/>
+          </a:bodyPr>
+          <a:lstStyle/>
+          <a:p>
+            <a:r>
+              <a:rPr lang="fr-CH" sz="8000" dirty="0">
+                <a:solidFill>
+                  <a:srgbClr val="2C8C99"/>
+                </a:solidFill>
+              </a:rPr>
+              <a:t>2015</a:t>
+            </a:r>
+          </a:p>
+        </p:txBody>
+      </p:sp>
+      <p:sp>
+        <p:nvSpPr>
+          <p:cNvPr id="18" name="Rectangle 17">
+            <a:extLst>
+              <a:ext uri="{FF2B5EF4-FFF2-40B4-BE49-F238E27FC236}">
+                <a16:creationId xmlns:a16="http://schemas.microsoft.com/office/drawing/2014/main" id="{DFD9B639-F52A-1033-465F-5EDA7E7726C4}"/>
+              </a:ext>
+            </a:extLst>
+          </p:cNvPr>
+          <p:cNvSpPr/>
+          <p:nvPr/>
+        </p:nvSpPr>
+        <p:spPr>
+          <a:xfrm>
+            <a:off x="-5042876" y="3201679"/>
+            <a:ext cx="370700" cy="370700"/>
+          </a:xfrm>
+          <a:prstGeom prst="rect">
+            <a:avLst/>
+          </a:prstGeom>
+          <a:solidFill>
+            <a:srgbClr val="2C8C99"/>
+          </a:solidFill>
+        </p:spPr>
+        <p:style>
+          <a:lnRef idx="2">
+            <a:schemeClr val="accent1">
+              <a:shade val="50000"/>
+            </a:schemeClr>
+          </a:lnRef>
+          <a:fillRef idx="1">
+            <a:schemeClr val="accent1"/>
+          </a:fillRef>
+          <a:effectRef idx="0">
+            <a:schemeClr val="accent1"/>
+          </a:effectRef>
+          <a:fontRef idx="minor">
+            <a:schemeClr val="lt1"/>
+          </a:fontRef>
+        </p:style>
+        <p:txBody>
+          <a:bodyPr rtlCol="0" anchor="ctr"/>
+          <a:lstStyle/>
+          <a:p>
+            <a:pPr algn="ctr"/>
+            <a:endParaRPr lang="fr-CH" dirty="0"/>
+          </a:p>
+        </p:txBody>
+      </p:sp>
+      <p:sp>
+        <p:nvSpPr>
+          <p:cNvPr id="19" name="Rectangle : coins arrondis 18">
+            <a:extLst>
+              <a:ext uri="{FF2B5EF4-FFF2-40B4-BE49-F238E27FC236}">
+                <a16:creationId xmlns:a16="http://schemas.microsoft.com/office/drawing/2014/main" id="{FA1FE67C-C133-60E2-F0D9-128CB597F6C3}"/>
+              </a:ext>
+            </a:extLst>
+          </p:cNvPr>
+          <p:cNvSpPr/>
+          <p:nvPr/>
+        </p:nvSpPr>
+        <p:spPr>
+          <a:xfrm>
+            <a:off x="-6059398" y="1625361"/>
+            <a:ext cx="2403743" cy="1074789"/>
+          </a:xfrm>
+          <a:prstGeom prst="roundRect">
+            <a:avLst/>
+          </a:prstGeom>
+          <a:solidFill>
+            <a:srgbClr val="2C8C99"/>
+          </a:solidFill>
+          <a:ln>
+            <a:solidFill>
+              <a:srgbClr val="2C8C99"/>
+            </a:solidFill>
+          </a:ln>
+        </p:spPr>
+        <p:style>
+          <a:lnRef idx="2">
+            <a:schemeClr val="accent1">
+              <a:shade val="50000"/>
+            </a:schemeClr>
+          </a:lnRef>
+          <a:fillRef idx="1">
+            <a:schemeClr val="accent1"/>
+          </a:fillRef>
+          <a:effectRef idx="0">
+            <a:schemeClr val="accent1"/>
+          </a:effectRef>
+          <a:fontRef idx="minor">
+            <a:schemeClr val="lt1"/>
+          </a:fontRef>
+        </p:style>
+        <p:txBody>
+          <a:bodyPr rtlCol="0" anchor="ctr"/>
+          <a:lstStyle/>
+          <a:p>
+            <a:pPr algn="ctr"/>
+            <a:r>
+              <a:rPr lang="fr-CH" sz="3200" dirty="0" err="1"/>
+              <a:t>Sortop</a:t>
+            </a:r>
+            <a:endParaRPr lang="fr-CH" sz="3200" dirty="0"/>
+          </a:p>
+          <a:p>
+            <a:pPr algn="ctr"/>
+            <a:r>
+              <a:rPr lang="fr-CH" sz="3200" dirty="0" err="1"/>
+              <a:t>Potatoes</a:t>
+            </a:r>
+            <a:endParaRPr lang="fr-CH" sz="3200" dirty="0"/>
+          </a:p>
+        </p:txBody>
+      </p:sp>
+      <p:cxnSp>
+        <p:nvCxnSpPr>
+          <p:cNvPr id="20" name="!!Connecteur droit 19">
+            <a:extLst>
+              <a:ext uri="{FF2B5EF4-FFF2-40B4-BE49-F238E27FC236}">
+                <a16:creationId xmlns:a16="http://schemas.microsoft.com/office/drawing/2014/main" id="{8F196BFE-B500-42FE-F634-A124CB7C2BBD}"/>
+              </a:ext>
+            </a:extLst>
+          </p:cNvPr>
+          <p:cNvCxnSpPr>
+            <a:cxnSpLocks/>
+          </p:cNvCxnSpPr>
+          <p:nvPr/>
+        </p:nvCxnSpPr>
+        <p:spPr>
+          <a:xfrm>
+            <a:off x="-4842286" y="2700150"/>
+            <a:ext cx="0" cy="696838"/>
+          </a:xfrm>
+          <a:prstGeom prst="line">
+            <a:avLst/>
+          </a:prstGeom>
+          <a:ln w="57150">
+            <a:solidFill>
+              <a:srgbClr val="2C8C99"/>
+            </a:solidFill>
+          </a:ln>
+        </p:spPr>
+        <p:style>
+          <a:lnRef idx="1">
+            <a:schemeClr val="accent1"/>
+          </a:lnRef>
+          <a:fillRef idx="0">
+            <a:schemeClr val="accent1"/>
+          </a:fillRef>
+          <a:effectRef idx="0">
+            <a:schemeClr val="accent1"/>
+          </a:effectRef>
+          <a:fontRef idx="minor">
+            <a:schemeClr val="tx1"/>
+          </a:fontRef>
+        </p:style>
+      </p:cxnSp>
+      <p:sp>
+        <p:nvSpPr>
+          <p:cNvPr id="13" name="ZoneTexte 12">
+            <a:extLst>
+              <a:ext uri="{FF2B5EF4-FFF2-40B4-BE49-F238E27FC236}">
+                <a16:creationId xmlns:a16="http://schemas.microsoft.com/office/drawing/2014/main" id="{F4B10074-8C54-4A5B-D101-44DFF9515F6B}"/>
+              </a:ext>
+            </a:extLst>
+          </p:cNvPr>
+          <p:cNvSpPr txBox="1"/>
+          <p:nvPr/>
+        </p:nvSpPr>
+        <p:spPr>
+          <a:xfrm>
+            <a:off x="-3044423" y="1625361"/>
+            <a:ext cx="3044423" cy="1785104"/>
+          </a:xfrm>
+          <a:prstGeom prst="rect">
+            <a:avLst/>
+          </a:prstGeom>
+          <a:noFill/>
+        </p:spPr>
+        <p:txBody>
+          <a:bodyPr wrap="none" rtlCol="0">
+            <a:spAutoFit/>
+          </a:bodyPr>
+          <a:lstStyle/>
+          <a:p>
+            <a:r>
+              <a:rPr lang="fr-CH" sz="11000" dirty="0">
+                <a:solidFill>
+                  <a:srgbClr val="25BBAA"/>
+                </a:solidFill>
+              </a:rPr>
+              <a:t>2018</a:t>
+            </a:r>
+          </a:p>
+        </p:txBody>
+      </p:sp>
+      <p:sp>
+        <p:nvSpPr>
+          <p:cNvPr id="15" name="Rectangle 14">
+            <a:extLst>
+              <a:ext uri="{FF2B5EF4-FFF2-40B4-BE49-F238E27FC236}">
+                <a16:creationId xmlns:a16="http://schemas.microsoft.com/office/drawing/2014/main" id="{A51D935B-107F-B3D6-EFF0-0777AD63466F}"/>
+              </a:ext>
+            </a:extLst>
+          </p:cNvPr>
+          <p:cNvSpPr/>
+          <p:nvPr/>
+        </p:nvSpPr>
+        <p:spPr>
+          <a:xfrm>
+            <a:off x="-1702180" y="3201867"/>
+            <a:ext cx="370700" cy="370700"/>
+          </a:xfrm>
+          <a:prstGeom prst="rect">
+            <a:avLst/>
+          </a:prstGeom>
+          <a:solidFill>
+            <a:srgbClr val="25BBAA"/>
+          </a:solidFill>
+          <a:ln>
+            <a:solidFill>
+              <a:srgbClr val="25BBAA"/>
+            </a:solidFill>
+          </a:ln>
+        </p:spPr>
+        <p:style>
+          <a:lnRef idx="2">
+            <a:schemeClr val="accent1">
+              <a:shade val="50000"/>
+            </a:schemeClr>
+          </a:lnRef>
+          <a:fillRef idx="1">
+            <a:schemeClr val="accent1"/>
+          </a:fillRef>
+          <a:effectRef idx="0">
+            <a:schemeClr val="accent1"/>
+          </a:effectRef>
+          <a:fontRef idx="minor">
+            <a:schemeClr val="lt1"/>
+          </a:fontRef>
+        </p:style>
+        <p:txBody>
+          <a:bodyPr rtlCol="0" anchor="ctr"/>
+          <a:lstStyle/>
+          <a:p>
+            <a:pPr algn="ctr"/>
+            <a:endParaRPr lang="fr-CH" dirty="0">
+              <a:solidFill>
+                <a:srgbClr val="326771"/>
+              </a:solidFill>
+            </a:endParaRPr>
+          </a:p>
+        </p:txBody>
+      </p:sp>
+      <p:sp>
+        <p:nvSpPr>
+          <p:cNvPr id="21" name="Rectangle : coins arrondis 20">
+            <a:extLst>
+              <a:ext uri="{FF2B5EF4-FFF2-40B4-BE49-F238E27FC236}">
+                <a16:creationId xmlns:a16="http://schemas.microsoft.com/office/drawing/2014/main" id="{D36B7BC0-E42C-702E-41CF-63B975D3B180}"/>
+              </a:ext>
+            </a:extLst>
+          </p:cNvPr>
+          <p:cNvSpPr/>
+          <p:nvPr/>
+        </p:nvSpPr>
+        <p:spPr>
+          <a:xfrm>
+            <a:off x="-2931768" y="4144399"/>
+            <a:ext cx="2829876" cy="1364104"/>
+          </a:xfrm>
+          <a:prstGeom prst="roundRect">
+            <a:avLst/>
+          </a:prstGeom>
+          <a:solidFill>
+            <a:srgbClr val="25BBAA"/>
+          </a:solidFill>
+          <a:ln>
+            <a:solidFill>
+              <a:srgbClr val="42D9C8"/>
+            </a:solidFill>
+          </a:ln>
+        </p:spPr>
+        <p:style>
+          <a:lnRef idx="2">
+            <a:schemeClr val="accent1">
+              <a:shade val="50000"/>
+            </a:schemeClr>
+          </a:lnRef>
+          <a:fillRef idx="1">
+            <a:schemeClr val="accent1"/>
+          </a:fillRef>
+          <a:effectRef idx="0">
+            <a:schemeClr val="accent1"/>
+          </a:effectRef>
+          <a:fontRef idx="minor">
+            <a:schemeClr val="lt1"/>
+          </a:fontRef>
+        </p:style>
+        <p:txBody>
+          <a:bodyPr rtlCol="0" anchor="ctr"/>
+          <a:lstStyle/>
+          <a:p>
+            <a:pPr algn="ctr"/>
+            <a:r>
+              <a:rPr lang="fr-CH" sz="4000" dirty="0"/>
+              <a:t>100 Lignes</a:t>
+            </a:r>
+          </a:p>
+        </p:txBody>
+      </p:sp>
+      <p:cxnSp>
+        <p:nvCxnSpPr>
+          <p:cNvPr id="22" name="Connecteur droit 21">
+            <a:extLst>
+              <a:ext uri="{FF2B5EF4-FFF2-40B4-BE49-F238E27FC236}">
+                <a16:creationId xmlns:a16="http://schemas.microsoft.com/office/drawing/2014/main" id="{26622543-8DBF-A855-5B60-5B5435E7ABA9}"/>
+              </a:ext>
+            </a:extLst>
+          </p:cNvPr>
+          <p:cNvCxnSpPr>
+            <a:cxnSpLocks/>
+          </p:cNvCxnSpPr>
+          <p:nvPr/>
+        </p:nvCxnSpPr>
+        <p:spPr>
+          <a:xfrm>
+            <a:off x="-1516830" y="3572567"/>
+            <a:ext cx="0" cy="596850"/>
+          </a:xfrm>
+          <a:prstGeom prst="line">
+            <a:avLst/>
+          </a:prstGeom>
+          <a:ln w="57150">
+            <a:solidFill>
+              <a:srgbClr val="25BBAA"/>
+            </a:solidFill>
+          </a:ln>
+        </p:spPr>
+        <p:style>
+          <a:lnRef idx="1">
+            <a:schemeClr val="accent1"/>
+          </a:lnRef>
+          <a:fillRef idx="0">
+            <a:schemeClr val="accent1"/>
+          </a:fillRef>
+          <a:effectRef idx="0">
+            <a:schemeClr val="accent1"/>
+          </a:effectRef>
+          <a:fontRef idx="minor">
+            <a:schemeClr val="tx1"/>
+          </a:fontRef>
+        </p:style>
+      </p:cxnSp>
+      <p:sp>
+        <p:nvSpPr>
+          <p:cNvPr id="4" name="ZoneTexte 3">
+            <a:extLst>
+              <a:ext uri="{FF2B5EF4-FFF2-40B4-BE49-F238E27FC236}">
+                <a16:creationId xmlns:a16="http://schemas.microsoft.com/office/drawing/2014/main" id="{F1E3BCBF-6C0A-48FD-B350-9461B182462C}"/>
+              </a:ext>
+            </a:extLst>
+          </p:cNvPr>
+          <p:cNvSpPr txBox="1"/>
+          <p:nvPr/>
+        </p:nvSpPr>
+        <p:spPr>
+          <a:xfrm>
+            <a:off x="4442341" y="3869675"/>
+            <a:ext cx="3307316" cy="1938992"/>
+          </a:xfrm>
+          <a:prstGeom prst="rect">
+            <a:avLst/>
+          </a:prstGeom>
+          <a:noFill/>
+        </p:spPr>
+        <p:txBody>
+          <a:bodyPr wrap="none" rtlCol="0">
+            <a:spAutoFit/>
+          </a:bodyPr>
+          <a:lstStyle/>
+          <a:p>
+            <a:r>
+              <a:rPr lang="fr-CH" sz="12000" dirty="0">
+                <a:solidFill>
+                  <a:srgbClr val="28464B"/>
+                </a:solidFill>
+              </a:rPr>
+              <a:t>2022</a:t>
+            </a:r>
+          </a:p>
+        </p:txBody>
+      </p:sp>
+      <p:sp>
+        <p:nvSpPr>
+          <p:cNvPr id="5" name="Rectangle 4">
+            <a:extLst>
+              <a:ext uri="{FF2B5EF4-FFF2-40B4-BE49-F238E27FC236}">
+                <a16:creationId xmlns:a16="http://schemas.microsoft.com/office/drawing/2014/main" id="{3E1CCC5B-1ABF-69B7-E2CF-D748409131E5}"/>
+              </a:ext>
+            </a:extLst>
+          </p:cNvPr>
+          <p:cNvSpPr/>
+          <p:nvPr/>
+        </p:nvSpPr>
+        <p:spPr>
+          <a:xfrm>
+            <a:off x="5910650" y="3197716"/>
+            <a:ext cx="370700" cy="370700"/>
+          </a:xfrm>
+          <a:prstGeom prst="rect">
+            <a:avLst/>
+          </a:prstGeom>
+          <a:solidFill>
+            <a:srgbClr val="28464B"/>
+          </a:solidFill>
+          <a:ln>
+            <a:solidFill>
+              <a:srgbClr val="28464B"/>
+            </a:solidFill>
+          </a:ln>
+        </p:spPr>
+        <p:style>
+          <a:lnRef idx="2">
+            <a:schemeClr val="accent1">
+              <a:shade val="50000"/>
+            </a:schemeClr>
+          </a:lnRef>
+          <a:fillRef idx="1">
+            <a:schemeClr val="accent1"/>
+          </a:fillRef>
+          <a:effectRef idx="0">
+            <a:schemeClr val="accent1"/>
+          </a:effectRef>
+          <a:fontRef idx="minor">
+            <a:schemeClr val="lt1"/>
+          </a:fontRef>
+        </p:style>
+        <p:txBody>
+          <a:bodyPr rtlCol="0" anchor="ctr"/>
+          <a:lstStyle/>
+          <a:p>
+            <a:pPr algn="ctr"/>
+            <a:endParaRPr lang="fr-CH" dirty="0"/>
+          </a:p>
+        </p:txBody>
+      </p:sp>
+      <p:sp>
+        <p:nvSpPr>
+          <p:cNvPr id="23" name="Rectangle : coins arrondis 22">
+            <a:extLst>
+              <a:ext uri="{FF2B5EF4-FFF2-40B4-BE49-F238E27FC236}">
+                <a16:creationId xmlns:a16="http://schemas.microsoft.com/office/drawing/2014/main" id="{820BE396-7CFD-EFF3-99CC-AC06E690DD67}"/>
+              </a:ext>
+            </a:extLst>
+          </p:cNvPr>
+          <p:cNvSpPr/>
+          <p:nvPr/>
+        </p:nvSpPr>
+        <p:spPr>
+          <a:xfrm>
+            <a:off x="4422084" y="1269697"/>
+            <a:ext cx="3347830" cy="1256060"/>
+          </a:xfrm>
+          <a:prstGeom prst="roundRect">
+            <a:avLst/>
+          </a:prstGeom>
+          <a:solidFill>
+            <a:srgbClr val="28464B"/>
+          </a:solidFill>
+          <a:ln>
+            <a:solidFill>
+              <a:srgbClr val="2C8C99"/>
+            </a:solidFill>
+          </a:ln>
+        </p:spPr>
+        <p:style>
+          <a:lnRef idx="2">
+            <a:schemeClr val="accent1">
+              <a:shade val="50000"/>
+            </a:schemeClr>
+          </a:lnRef>
+          <a:fillRef idx="1">
+            <a:schemeClr val="accent1"/>
+          </a:fillRef>
+          <a:effectRef idx="0">
+            <a:schemeClr val="accent1"/>
+          </a:effectRef>
+          <a:fontRef idx="minor">
+            <a:schemeClr val="lt1"/>
+          </a:fontRef>
+        </p:style>
+        <p:txBody>
+          <a:bodyPr rtlCol="0" anchor="ctr"/>
+          <a:lstStyle/>
+          <a:p>
+            <a:pPr algn="ctr"/>
+            <a:r>
+              <a:rPr lang="fr-CH" sz="4400" dirty="0"/>
+              <a:t>Aujourd’hui</a:t>
+            </a:r>
+          </a:p>
+        </p:txBody>
+      </p:sp>
+      <p:cxnSp>
+        <p:nvCxnSpPr>
+          <p:cNvPr id="24" name="Connecteur droit 23">
+            <a:extLst>
+              <a:ext uri="{FF2B5EF4-FFF2-40B4-BE49-F238E27FC236}">
+                <a16:creationId xmlns:a16="http://schemas.microsoft.com/office/drawing/2014/main" id="{29242C0B-D315-828C-A706-051855463E70}"/>
+              </a:ext>
+            </a:extLst>
+          </p:cNvPr>
+          <p:cNvCxnSpPr>
+            <a:cxnSpLocks/>
+            <a:stCxn id="23" idx="2"/>
+            <a:endCxn id="5" idx="0"/>
+          </p:cNvCxnSpPr>
+          <p:nvPr/>
+        </p:nvCxnSpPr>
+        <p:spPr>
+          <a:xfrm>
+            <a:off x="6095999" y="2525757"/>
+            <a:ext cx="1" cy="671959"/>
+          </a:xfrm>
+          <a:prstGeom prst="line">
+            <a:avLst/>
+          </a:prstGeom>
+          <a:ln w="57150">
+            <a:solidFill>
+              <a:srgbClr val="28464B"/>
+            </a:solidFill>
+          </a:ln>
+        </p:spPr>
+        <p:style>
+          <a:lnRef idx="1">
+            <a:schemeClr val="accent1"/>
+          </a:lnRef>
+          <a:fillRef idx="0">
+            <a:schemeClr val="accent1"/>
+          </a:fillRef>
+          <a:effectRef idx="0">
+            <a:schemeClr val="accent1"/>
+          </a:effectRef>
+          <a:fontRef idx="minor">
+            <a:schemeClr val="tx1"/>
+          </a:fontRef>
+        </p:style>
+      </p:cxnSp>
+    </p:spTree>
+    <p:extLst>
+      <p:ext uri="{BB962C8B-B14F-4D97-AF65-F5344CB8AC3E}">
+        <p14:creationId xmlns:p14="http://schemas.microsoft.com/office/powerpoint/2010/main" val="2429358119"/>
+      </p:ext>
+    </p:extLst>
+  </p:cSld>
+  <p:clrMapOvr>
+    <a:masterClrMapping/>
+  </p:clrMapOvr>
+  <mc:AlternateContent xmlns:mc="http://schemas.openxmlformats.org/markup-compatibility/2006" xmlns:p159="http://schemas.microsoft.com/office/powerpoint/2015/09/main">
+    <mc:Choice Requires="p159">
+      <p:transition xmlns:p14="http://schemas.microsoft.com/office/powerpoint/2010/main" spd="slow" p14:dur="3000">
+        <p159:morph option="byObject"/>
+      </p:transition>
+    </mc:Choice>
+    <mc:Fallback xmlns="">
+      <p:transition spd="slow">
+        <p:fade/>
+      </p:transition>
+    </mc:Fallback>
+  </mc:AlternateContent>
+</p:sld>
+</file>
+
+<file path=ppt/slides/slide9.xml><?xml version="1.0" encoding="utf-8"?>
+<p:sld xmlns:a="http://schemas.openxmlformats.org/drawingml/2006/main" xmlns:r="http://schemas.openxmlformats.org/officeDocument/2006/relationships" xmlns:p="http://schemas.openxmlformats.org/presentationml/2006/main">
+  <p:cSld>
+    <p:spTree>
+      <p:nvGrpSpPr>
+        <p:cNvPr id="1" name=""/>
+        <p:cNvGrpSpPr/>
+        <p:nvPr/>
+      </p:nvGrpSpPr>
+      <p:grpSpPr>
+        <a:xfrm>
+          <a:off x="0" y="0"/>
+          <a:ext cx="0" cy="0"/>
+          <a:chOff x="0" y="0"/>
+          <a:chExt cx="0" cy="0"/>
+        </a:xfrm>
+      </p:grpSpPr>
+      <p:sp>
+        <p:nvSpPr>
+          <p:cNvPr id="2" name="Espace réservé du pied de page 1">
+            <a:extLst>
+              <a:ext uri="{FF2B5EF4-FFF2-40B4-BE49-F238E27FC236}">
+                <a16:creationId xmlns:a16="http://schemas.microsoft.com/office/drawing/2014/main" id="{1182E296-D80D-7D12-B4F9-E472467ABA06}"/>
+              </a:ext>
+            </a:extLst>
+          </p:cNvPr>
+          <p:cNvSpPr>
+            <a:spLocks noGrp="1"/>
+          </p:cNvSpPr>
+          <p:nvPr>
+            <p:ph type="ftr" sz="quarter" idx="11"/>
+          </p:nvPr>
+        </p:nvSpPr>
+        <p:spPr/>
+        <p:txBody>
+          <a:bodyPr/>
+          <a:lstStyle/>
+          <a:p>
+            <a:r>
+              <a:rPr lang="fr-CH"/>
+              <a:t>Robin Forestier</a:t>
+            </a:r>
+          </a:p>
+        </p:txBody>
+      </p:sp>
+      <p:sp>
+        <p:nvSpPr>
+          <p:cNvPr id="3" name="Espace réservé du numéro de diapositive 2">
+            <a:extLst>
+              <a:ext uri="{FF2B5EF4-FFF2-40B4-BE49-F238E27FC236}">
+                <a16:creationId xmlns:a16="http://schemas.microsoft.com/office/drawing/2014/main" id="{255D7356-6ECC-C0AB-B8FA-F65DCD2EC661}"/>
+              </a:ext>
+            </a:extLst>
+          </p:cNvPr>
+          <p:cNvSpPr>
+            <a:spLocks noGrp="1"/>
+          </p:cNvSpPr>
+          <p:nvPr>
+            <p:ph type="sldNum" sz="quarter" idx="12"/>
+          </p:nvPr>
+        </p:nvSpPr>
+        <p:spPr/>
+        <p:txBody>
+          <a:bodyPr/>
+          <a:lstStyle/>
+          <a:p>
+            <a:fld id="{31A1C614-0108-4924-9B4C-0864BD720690}" type="slidenum">
+              <a:rPr lang="fr-CH" smtClean="0"/>
+              <a:t>9</a:t>
+            </a:fld>
+            <a:endParaRPr lang="fr-CH"/>
+          </a:p>
+        </p:txBody>
+      </p:sp>
+      <p:pic>
+        <p:nvPicPr>
+          <p:cNvPr id="5" name="Image 4">
+            <a:extLst>
+              <a:ext uri="{FF2B5EF4-FFF2-40B4-BE49-F238E27FC236}">
+                <a16:creationId xmlns:a16="http://schemas.microsoft.com/office/drawing/2014/main" id="{7201C4E8-CDFA-6559-A709-E0E40304F39A}"/>
+              </a:ext>
+            </a:extLst>
+          </p:cNvPr>
+          <p:cNvPicPr>
+            <a:picLocks noChangeAspect="1"/>
+          </p:cNvPicPr>
+          <p:nvPr/>
+        </p:nvPicPr>
+        <p:blipFill>
+          <a:blip r:embed="rId3">
+            <a:extLst>
+              <a:ext uri="{28A0092B-C50C-407E-A947-70E740481C1C}">
+                <a14:useLocalDpi xmlns:a14="http://schemas.microsoft.com/office/drawing/2010/main" val="0"/>
+              </a:ext>
+            </a:extLst>
+          </a:blip>
+          <a:stretch>
+            <a:fillRect/>
+          </a:stretch>
+        </p:blipFill>
+        <p:spPr>
+          <a:xfrm>
+            <a:off x="330505" y="1955484"/>
+            <a:ext cx="11530990" cy="3133142"/>
+          </a:xfrm>
+          <a:prstGeom prst="rect">
+            <a:avLst/>
+          </a:prstGeom>
+        </p:spPr>
+      </p:pic>
+      <p:pic>
+        <p:nvPicPr>
+          <p:cNvPr id="1036" name="Picture 12" descr="Visar Sorting Sàrl">
+            <a:extLst>
+              <a:ext uri="{FF2B5EF4-FFF2-40B4-BE49-F238E27FC236}">
+                <a16:creationId xmlns:a16="http://schemas.microsoft.com/office/drawing/2014/main" id="{2012E5F1-22A8-F450-917D-63344E6EEC5F}"/>
+              </a:ext>
+            </a:extLst>
+          </p:cNvPr>
+          <p:cNvPicPr>
+            <a:picLocks noChangeAspect="1" noChangeArrowheads="1"/>
+          </p:cNvPicPr>
+          <p:nvPr/>
+        </p:nvPicPr>
+        <p:blipFill>
+          <a:blip r:embed="rId4">
+            <a:extLst>
+              <a:ext uri="{28A0092B-C50C-407E-A947-70E740481C1C}">
+                <a14:useLocalDpi xmlns:a14="http://schemas.microsoft.com/office/drawing/2010/main" val="0"/>
+              </a:ext>
+            </a:extLst>
+          </a:blip>
+          <a:srcRect/>
+          <a:stretch>
+            <a:fillRect/>
+          </a:stretch>
+        </p:blipFill>
+        <p:spPr bwMode="auto">
+          <a:xfrm>
+            <a:off x="8203895" y="712100"/>
+            <a:ext cx="3657600" cy="1057275"/>
+          </a:xfrm>
+          <a:prstGeom prst="rect">
+            <a:avLst/>
+          </a:prstGeom>
+          <a:noFill/>
+          <a:extLst>
+            <a:ext uri="{909E8E84-426E-40DD-AFC4-6F175D3DCCD1}">
+              <a14:hiddenFill xmlns:a14="http://schemas.microsoft.com/office/drawing/2010/main">
+                <a:solidFill>
+                  <a:srgbClr val="FFFFFF"/>
+                </a:solidFill>
+              </a14:hiddenFill>
+            </a:ext>
+          </a:extLst>
+        </p:spPr>
+      </p:pic>
+      <p:sp>
+        <p:nvSpPr>
+          <p:cNvPr id="10" name="ZoneTexte 9">
+            <a:extLst>
+              <a:ext uri="{FF2B5EF4-FFF2-40B4-BE49-F238E27FC236}">
+                <a16:creationId xmlns:a16="http://schemas.microsoft.com/office/drawing/2014/main" id="{FF6F6F30-1008-A510-ED27-F7F3789B48A2}"/>
+              </a:ext>
+            </a:extLst>
+          </p:cNvPr>
+          <p:cNvSpPr txBox="1"/>
+          <p:nvPr/>
+        </p:nvSpPr>
+        <p:spPr>
+          <a:xfrm>
+            <a:off x="2595073" y="5376459"/>
+            <a:ext cx="7001853" cy="769441"/>
+          </a:xfrm>
+          <a:prstGeom prst="rect">
+            <a:avLst/>
+          </a:prstGeom>
+          <a:noFill/>
+        </p:spPr>
+        <p:txBody>
+          <a:bodyPr wrap="none" rtlCol="0">
+            <a:spAutoFit/>
+          </a:bodyPr>
+          <a:lstStyle/>
+          <a:p>
+            <a:r>
+              <a:rPr lang="fr-CH" sz="4400" dirty="0"/>
+              <a:t>http://www.visar-sorting.com</a:t>
+            </a:r>
+          </a:p>
+        </p:txBody>
+      </p:sp>
+    </p:spTree>
+    <p:extLst>
+      <p:ext uri="{BB962C8B-B14F-4D97-AF65-F5344CB8AC3E}">
+        <p14:creationId xmlns:p14="http://schemas.microsoft.com/office/powerpoint/2010/main" val="1991617305"/>
       </p:ext>
     </p:extLst>
   </p:cSld>
@@ -3825,4 +12034,299 @@
     </a:ext>
   </a:extLst>
 </a:theme>
+</file>
+
+<file path=ppt/theme/theme2.xml><?xml version="1.0" encoding="utf-8"?>
+<a:theme xmlns:a="http://schemas.openxmlformats.org/drawingml/2006/main" name="Thème Office">
+  <a:themeElements>
+    <a:clrScheme name="Office">
+      <a:dk1>
+        <a:sysClr val="windowText" lastClr="000000"/>
+      </a:dk1>
+      <a:lt1>
+        <a:sysClr val="window" lastClr="FFFFFF"/>
+      </a:lt1>
+      <a:dk2>
+        <a:srgbClr val="44546A"/>
+      </a:dk2>
+      <a:lt2>
+        <a:srgbClr val="E7E6E6"/>
+      </a:lt2>
+      <a:accent1>
+        <a:srgbClr val="4472C4"/>
+      </a:accent1>
+      <a:accent2>
+        <a:srgbClr val="ED7D31"/>
+      </a:accent2>
+      <a:accent3>
+        <a:srgbClr val="A5A5A5"/>
+      </a:accent3>
+      <a:accent4>
+        <a:srgbClr val="FFC000"/>
+      </a:accent4>
+      <a:accent5>
+        <a:srgbClr val="5B9BD5"/>
+      </a:accent5>
+      <a:accent6>
+        <a:srgbClr val="70AD47"/>
+      </a:accent6>
+      <a:hlink>
+        <a:srgbClr val="0563C1"/>
+      </a:hlink>
+      <a:folHlink>
+        <a:srgbClr val="954F72"/>
+      </a:folHlink>
+    </a:clrScheme>
+    <a:fontScheme name="Office">
+      <a:majorFont>
+        <a:latin typeface="Calibri Light" panose="020F0302020204030204"/>
+        <a:ea typeface=""/>
+        <a:cs typeface=""/>
+        <a:font script="Jpan" typeface="游ゴシック Light"/>
+        <a:font script="Hang" typeface="맑은 고딕"/>
+        <a:font script="Hans" typeface="等线 Light"/>
+        <a:font script="Hant" typeface="新細明體"/>
+        <a:font script="Arab" typeface="Times New Roman"/>
+        <a:font script="Hebr" typeface="Times New Roman"/>
+        <a:font script="Thai" typeface="Angsana New"/>
+        <a:font script="Ethi" typeface="Nyala"/>
+        <a:font script="Beng" typeface="Vrinda"/>
+        <a:font script="Gujr" typeface="Shruti"/>
+        <a:font script="Khmr" typeface="MoolBoran"/>
+        <a:font script="Knda" typeface="Tunga"/>
+        <a:font script="Guru" typeface="Raavi"/>
+        <a:font script="Cans" typeface="Euphemia"/>
+        <a:font script="Cher" typeface="Plantagenet Cherokee"/>
+        <a:font script="Yiii" typeface="Microsoft Yi Baiti"/>
+        <a:font script="Tibt" typeface="Microsoft Himalaya"/>
+        <a:font script="Thaa" typeface="MV Boli"/>
+        <a:font script="Deva" typeface="Mangal"/>
+        <a:font script="Telu" typeface="Gautami"/>
+        <a:font script="Taml" typeface="Latha"/>
+        <a:font script="Syrc" typeface="Estrangelo Edessa"/>
+        <a:font script="Orya" typeface="Kalinga"/>
+        <a:font script="Mlym" typeface="Kartika"/>
+        <a:font script="Laoo" typeface="DokChampa"/>
+        <a:font script="Sinh" typeface="Iskoola Pota"/>
+        <a:font script="Mong" typeface="Mongolian Baiti"/>
+        <a:font script="Viet" typeface="Times New Roman"/>
+        <a:font script="Uigh" typeface="Microsoft Uighur"/>
+        <a:font script="Geor" typeface="Sylfaen"/>
+        <a:font script="Armn" typeface="Arial"/>
+        <a:font script="Bugi" typeface="Leelawadee UI"/>
+        <a:font script="Bopo" typeface="Microsoft JhengHei"/>
+        <a:font script="Java" typeface="Javanese Text"/>
+        <a:font script="Lisu" typeface="Segoe UI"/>
+        <a:font script="Mymr" typeface="Myanmar Text"/>
+        <a:font script="Nkoo" typeface="Ebrima"/>
+        <a:font script="Olck" typeface="Nirmala UI"/>
+        <a:font script="Osma" typeface="Ebrima"/>
+        <a:font script="Phag" typeface="Phagspa"/>
+        <a:font script="Syrn" typeface="Estrangelo Edessa"/>
+        <a:font script="Syrj" typeface="Estrangelo Edessa"/>
+        <a:font script="Syre" typeface="Estrangelo Edessa"/>
+        <a:font script="Sora" typeface="Nirmala UI"/>
+        <a:font script="Tale" typeface="Microsoft Tai Le"/>
+        <a:font script="Talu" typeface="Microsoft New Tai Lue"/>
+        <a:font script="Tfng" typeface="Ebrima"/>
+      </a:majorFont>
+      <a:minorFont>
+        <a:latin typeface="Calibri" panose="020F0502020204030204"/>
+        <a:ea typeface=""/>
+        <a:cs typeface=""/>
+        <a:font script="Jpan" typeface="游ゴシック"/>
+        <a:font script="Hang" typeface="맑은 고딕"/>
+        <a:font script="Hans" typeface="等线"/>
+        <a:font script="Hant" typeface="新細明體"/>
+        <a:font script="Arab" typeface="Arial"/>
+        <a:font script="Hebr" typeface="Arial"/>
+        <a:font script="Thai" typeface="Cordia New"/>
+        <a:font script="Ethi" typeface="Nyala"/>
+        <a:font script="Beng" typeface="Vrinda"/>
+        <a:font script="Gujr" typeface="Shruti"/>
+        <a:font script="Khmr" typeface="DaunPenh"/>
+        <a:font script="Knda" typeface="Tunga"/>
+        <a:font script="Guru" typeface="Raavi"/>
+        <a:font script="Cans" typeface="Euphemia"/>
+        <a:font script="Cher" typeface="Plantagenet Cherokee"/>
+        <a:font script="Yiii" typeface="Microsoft Yi Baiti"/>
+        <a:font script="Tibt" typeface="Microsoft Himalaya"/>
+        <a:font script="Thaa" typeface="MV Boli"/>
+        <a:font script="Deva" typeface="Mangal"/>
+        <a:font script="Telu" typeface="Gautami"/>
+        <a:font script="Taml" typeface="Latha"/>
+        <a:font script="Syrc" typeface="Estrangelo Edessa"/>
+        <a:font script="Orya" typeface="Kalinga"/>
+        <a:font script="Mlym" typeface="Kartika"/>
+        <a:font script="Laoo" typeface="DokChampa"/>
+        <a:font script="Sinh" typeface="Iskoola Pota"/>
+        <a:font script="Mong" typeface="Mongolian Baiti"/>
+        <a:font script="Viet" typeface="Arial"/>
+        <a:font script="Uigh" typeface="Microsoft Uighur"/>
+        <a:font script="Geor" typeface="Sylfaen"/>
+        <a:font script="Armn" typeface="Arial"/>
+        <a:font script="Bugi" typeface="Leelawadee UI"/>
+        <a:font script="Bopo" typeface="Microsoft JhengHei"/>
+        <a:font script="Java" typeface="Javanese Text"/>
+        <a:font script="Lisu" typeface="Segoe UI"/>
+        <a:font script="Mymr" typeface="Myanmar Text"/>
+        <a:font script="Nkoo" typeface="Ebrima"/>
+        <a:font script="Olck" typeface="Nirmala UI"/>
+        <a:font script="Osma" typeface="Ebrima"/>
+        <a:font script="Phag" typeface="Phagspa"/>
+        <a:font script="Syrn" typeface="Estrangelo Edessa"/>
+        <a:font script="Syrj" typeface="Estrangelo Edessa"/>
+        <a:font script="Syre" typeface="Estrangelo Edessa"/>
+        <a:font script="Sora" typeface="Nirmala UI"/>
+        <a:font script="Tale" typeface="Microsoft Tai Le"/>
+        <a:font script="Talu" typeface="Microsoft New Tai Lue"/>
+        <a:font script="Tfng" typeface="Ebrima"/>
+      </a:minorFont>
+    </a:fontScheme>
+    <a:fmtScheme name="Office">
+      <a:fillStyleLst>
+        <a:solidFill>
+          <a:schemeClr val="phClr"/>
+        </a:solidFill>
+        <a:gradFill rotWithShape="1">
+          <a:gsLst>
+            <a:gs pos="0">
+              <a:schemeClr val="phClr">
+                <a:lumMod val="110000"/>
+                <a:satMod val="105000"/>
+                <a:tint val="67000"/>
+              </a:schemeClr>
+            </a:gs>
+            <a:gs pos="50000">
+              <a:schemeClr val="phClr">
+                <a:lumMod val="105000"/>
+                <a:satMod val="103000"/>
+                <a:tint val="73000"/>
+              </a:schemeClr>
+            </a:gs>
+            <a:gs pos="100000">
+              <a:schemeClr val="phClr">
+                <a:lumMod val="105000"/>
+                <a:satMod val="109000"/>
+                <a:tint val="81000"/>
+              </a:schemeClr>
+            </a:gs>
+          </a:gsLst>
+          <a:lin ang="5400000" scaled="0"/>
+        </a:gradFill>
+        <a:gradFill rotWithShape="1">
+          <a:gsLst>
+            <a:gs pos="0">
+              <a:schemeClr val="phClr">
+                <a:satMod val="103000"/>
+                <a:lumMod val="102000"/>
+                <a:tint val="94000"/>
+              </a:schemeClr>
+            </a:gs>
+            <a:gs pos="50000">
+              <a:schemeClr val="phClr">
+                <a:satMod val="110000"/>
+                <a:lumMod val="100000"/>
+                <a:shade val="100000"/>
+              </a:schemeClr>
+            </a:gs>
+            <a:gs pos="100000">
+              <a:schemeClr val="phClr">
+                <a:lumMod val="99000"/>
+                <a:satMod val="120000"/>
+                <a:shade val="78000"/>
+              </a:schemeClr>
+            </a:gs>
+          </a:gsLst>
+          <a:lin ang="5400000" scaled="0"/>
+        </a:gradFill>
+      </a:fillStyleLst>
+      <a:lnStyleLst>
+        <a:ln w="6350" cap="flat" cmpd="sng" algn="ctr">
+          <a:solidFill>
+            <a:schemeClr val="phClr"/>
+          </a:solidFill>
+          <a:prstDash val="solid"/>
+          <a:miter lim="800000"/>
+        </a:ln>
+        <a:ln w="12700" cap="flat" cmpd="sng" algn="ctr">
+          <a:solidFill>
+            <a:schemeClr val="phClr"/>
+          </a:solidFill>
+          <a:prstDash val="solid"/>
+          <a:miter lim="800000"/>
+        </a:ln>
+        <a:ln w="19050" cap="flat" cmpd="sng" algn="ctr">
+          <a:solidFill>
+            <a:schemeClr val="phClr"/>
+          </a:solidFill>
+          <a:prstDash val="solid"/>
+          <a:miter lim="800000"/>
+        </a:ln>
+      </a:lnStyleLst>
+      <a:effectStyleLst>
+        <a:effectStyle>
+          <a:effectLst/>
+        </a:effectStyle>
+        <a:effectStyle>
+          <a:effectLst/>
+        </a:effectStyle>
+        <a:effectStyle>
+          <a:effectLst>
+            <a:outerShdw blurRad="57150" dist="19050" dir="5400000" algn="ctr" rotWithShape="0">
+              <a:srgbClr val="000000">
+                <a:alpha val="63000"/>
+              </a:srgbClr>
+            </a:outerShdw>
+          </a:effectLst>
+        </a:effectStyle>
+      </a:effectStyleLst>
+      <a:bgFillStyleLst>
+        <a:solidFill>
+          <a:schemeClr val="phClr"/>
+        </a:solidFill>
+        <a:solidFill>
+          <a:schemeClr val="phClr">
+            <a:tint val="95000"/>
+            <a:satMod val="170000"/>
+          </a:schemeClr>
+        </a:solidFill>
+        <a:gradFill rotWithShape="1">
+          <a:gsLst>
+            <a:gs pos="0">
+              <a:schemeClr val="phClr">
+                <a:tint val="93000"/>
+                <a:satMod val="150000"/>
+                <a:shade val="98000"/>
+                <a:lumMod val="102000"/>
+              </a:schemeClr>
+            </a:gs>
+            <a:gs pos="50000">
+              <a:schemeClr val="phClr">
+                <a:tint val="98000"/>
+                <a:satMod val="130000"/>
+                <a:shade val="90000"/>
+                <a:lumMod val="103000"/>
+              </a:schemeClr>
+            </a:gs>
+            <a:gs pos="100000">
+              <a:schemeClr val="phClr">
+                <a:shade val="63000"/>
+                <a:satMod val="120000"/>
+              </a:schemeClr>
+            </a:gs>
+          </a:gsLst>
+          <a:lin ang="5400000" scaled="0"/>
+        </a:gradFill>
+      </a:bgFillStyleLst>
+    </a:fmtScheme>
+  </a:themeElements>
+  <a:objectDefaults/>
+  <a:extraClrSchemeLst/>
+  <a:extLst>
+    <a:ext uri="{05A4C25C-085E-4340-85A3-A5531E510DB2}">
+      <thm15:themeFamily xmlns:thm15="http://schemas.microsoft.com/office/thememl/2012/main" name="Office Theme" id="{62F939B6-93AF-4DB8-9C6B-D6C7DFDC589F}" vid="{4A3C46E8-61CC-4603-A589-7422A47A8E4A}"/>
+    </a:ext>
+  </a:extLst>
+</a:theme>
 </file>